--- a/AuxiliaryDocs/Presentation.pptx
+++ b/AuxiliaryDocs/Presentation.pptx
@@ -6,6 +6,22 @@
   </p:sldMasterIdLst>
   <p:sldIdLst>
     <p:sldId id="256" r:id="rId2"/>
+    <p:sldId id="257" r:id="rId3"/>
+    <p:sldId id="258" r:id="rId4"/>
+    <p:sldId id="259" r:id="rId5"/>
+    <p:sldId id="260" r:id="rId6"/>
+    <p:sldId id="261" r:id="rId7"/>
+    <p:sldId id="262" r:id="rId8"/>
+    <p:sldId id="263" r:id="rId9"/>
+    <p:sldId id="264" r:id="rId10"/>
+    <p:sldId id="268" r:id="rId11"/>
+    <p:sldId id="269" r:id="rId12"/>
+    <p:sldId id="270" r:id="rId13"/>
+    <p:sldId id="271" r:id="rId14"/>
+    <p:sldId id="272" r:id="rId15"/>
+    <p:sldId id="273" r:id="rId16"/>
+    <p:sldId id="265" r:id="rId17"/>
+    <p:sldId id="267" r:id="rId18"/>
   </p:sldIdLst>
   <p:sldSz cx="12192000" cy="6858000"/>
   <p:notesSz cx="6858000" cy="9144000"/>
@@ -104,7 +120,949 @@
       </a:defRPr>
     </a:lvl9pPr>
   </p:defaultTextStyle>
+  <p:extLst>
+    <p:ext uri="{EFAFB233-063F-42B5-8137-9DF3F51BA10A}">
+      <p15:sldGuideLst xmlns:p15="http://schemas.microsoft.com/office/powerpoint/2012/main"/>
+    </p:ext>
+  </p:extLst>
 </p:presentation>
+</file>
+
+<file path=ppt/changesInfos/changesInfo1.xml><?xml version="1.0" encoding="utf-8"?>
+<pc:chgInfo xmlns:a="http://schemas.openxmlformats.org/drawingml/2006/main" xmlns:r="http://schemas.openxmlformats.org/officeDocument/2006/relationships" xmlns:ac="http://schemas.microsoft.com/office/drawing/2013/main/command" xmlns:pc="http://schemas.microsoft.com/office/powerpoint/2013/main/command">
+  <pc:docChgLst>
+    <pc:chgData name="KAUFMAN Quentin" userId="f44c8c26-e98f-4243-a31c-eda067c79b62" providerId="ADAL" clId="{506DCE55-FBA3-4A67-B0C8-03B8115AC890}"/>
+    <pc:docChg chg="undo custSel addSld delSld modSld">
+      <pc:chgData name="KAUFMAN Quentin" userId="f44c8c26-e98f-4243-a31c-eda067c79b62" providerId="ADAL" clId="{506DCE55-FBA3-4A67-B0C8-03B8115AC890}" dt="2021-01-26T00:26:43.473" v="2222" actId="1076"/>
+      <pc:docMkLst>
+        <pc:docMk/>
+      </pc:docMkLst>
+      <pc:sldChg chg="addSp delSp modSp mod">
+        <pc:chgData name="KAUFMAN Quentin" userId="f44c8c26-e98f-4243-a31c-eda067c79b62" providerId="ADAL" clId="{506DCE55-FBA3-4A67-B0C8-03B8115AC890}" dt="2021-01-25T22:55:22.698" v="185" actId="1076"/>
+        <pc:sldMkLst>
+          <pc:docMk/>
+          <pc:sldMk cId="3203228779" sldId="256"/>
+        </pc:sldMkLst>
+        <pc:spChg chg="mod">
+          <ac:chgData name="KAUFMAN Quentin" userId="f44c8c26-e98f-4243-a31c-eda067c79b62" providerId="ADAL" clId="{506DCE55-FBA3-4A67-B0C8-03B8115AC890}" dt="2021-01-25T22:47:43.619" v="115" actId="207"/>
+          <ac:spMkLst>
+            <pc:docMk/>
+            <pc:sldMk cId="3203228779" sldId="256"/>
+            <ac:spMk id="2" creationId="{279E3435-A935-4487-8F61-B0D9C64CDA2A}"/>
+          </ac:spMkLst>
+        </pc:spChg>
+        <pc:spChg chg="add del mod">
+          <ac:chgData name="KAUFMAN Quentin" userId="f44c8c26-e98f-4243-a31c-eda067c79b62" providerId="ADAL" clId="{506DCE55-FBA3-4A67-B0C8-03B8115AC890}" dt="2021-01-25T22:55:22.698" v="185" actId="1076"/>
+          <ac:spMkLst>
+            <pc:docMk/>
+            <pc:sldMk cId="3203228779" sldId="256"/>
+            <ac:spMk id="3" creationId="{44D58449-F6D3-4C65-9B14-E28EA1EA3AE3}"/>
+          </ac:spMkLst>
+        </pc:spChg>
+        <pc:picChg chg="add mod modCrop">
+          <ac:chgData name="KAUFMAN Quentin" userId="f44c8c26-e98f-4243-a31c-eda067c79b62" providerId="ADAL" clId="{506DCE55-FBA3-4A67-B0C8-03B8115AC890}" dt="2021-01-25T22:55:19.245" v="184" actId="1076"/>
+          <ac:picMkLst>
+            <pc:docMk/>
+            <pc:sldMk cId="3203228779" sldId="256"/>
+            <ac:picMk id="4" creationId="{617F49F3-2DD1-4F8E-8C90-981CB4D6A0EE}"/>
+          </ac:picMkLst>
+        </pc:picChg>
+      </pc:sldChg>
+      <pc:sldChg chg="addSp delSp modSp add mod">
+        <pc:chgData name="KAUFMAN Quentin" userId="f44c8c26-e98f-4243-a31c-eda067c79b62" providerId="ADAL" clId="{506DCE55-FBA3-4A67-B0C8-03B8115AC890}" dt="2021-01-26T00:26:43.473" v="2222" actId="1076"/>
+        <pc:sldMkLst>
+          <pc:docMk/>
+          <pc:sldMk cId="1132052320" sldId="257"/>
+        </pc:sldMkLst>
+        <pc:spChg chg="del mod">
+          <ac:chgData name="KAUFMAN Quentin" userId="f44c8c26-e98f-4243-a31c-eda067c79b62" providerId="ADAL" clId="{506DCE55-FBA3-4A67-B0C8-03B8115AC890}" dt="2021-01-26T00:23:14.921" v="2197" actId="478"/>
+          <ac:spMkLst>
+            <pc:docMk/>
+            <pc:sldMk cId="1132052320" sldId="257"/>
+            <ac:spMk id="3" creationId="{44D58449-F6D3-4C65-9B14-E28EA1EA3AE3}"/>
+          </ac:spMkLst>
+        </pc:spChg>
+        <pc:spChg chg="add del mod">
+          <ac:chgData name="KAUFMAN Quentin" userId="f44c8c26-e98f-4243-a31c-eda067c79b62" providerId="ADAL" clId="{506DCE55-FBA3-4A67-B0C8-03B8115AC890}" dt="2021-01-26T00:23:24.683" v="2198" actId="478"/>
+          <ac:spMkLst>
+            <pc:docMk/>
+            <pc:sldMk cId="1132052320" sldId="257"/>
+            <ac:spMk id="6" creationId="{8577CA0F-6C54-4FD2-98D7-1437C2DA96B2}"/>
+          </ac:spMkLst>
+        </pc:spChg>
+        <pc:spChg chg="add mod">
+          <ac:chgData name="KAUFMAN Quentin" userId="f44c8c26-e98f-4243-a31c-eda067c79b62" providerId="ADAL" clId="{506DCE55-FBA3-4A67-B0C8-03B8115AC890}" dt="2021-01-26T00:26:43.473" v="2222" actId="1076"/>
+          <ac:spMkLst>
+            <pc:docMk/>
+            <pc:sldMk cId="1132052320" sldId="257"/>
+            <ac:spMk id="7" creationId="{8AF35D27-14A6-41CB-B2E3-960897D5869E}"/>
+          </ac:spMkLst>
+        </pc:spChg>
+        <pc:spChg chg="add mod">
+          <ac:chgData name="KAUFMAN Quentin" userId="f44c8c26-e98f-4243-a31c-eda067c79b62" providerId="ADAL" clId="{506DCE55-FBA3-4A67-B0C8-03B8115AC890}" dt="2021-01-26T00:26:32.955" v="2221" actId="1076"/>
+          <ac:spMkLst>
+            <pc:docMk/>
+            <pc:sldMk cId="1132052320" sldId="257"/>
+            <ac:spMk id="12" creationId="{A8391F71-03EC-4477-A29D-88F441F646AB}"/>
+          </ac:spMkLst>
+        </pc:spChg>
+        <pc:grpChg chg="add mod">
+          <ac:chgData name="KAUFMAN Quentin" userId="f44c8c26-e98f-4243-a31c-eda067c79b62" providerId="ADAL" clId="{506DCE55-FBA3-4A67-B0C8-03B8115AC890}" dt="2021-01-26T00:26:43.473" v="2222" actId="1076"/>
+          <ac:grpSpMkLst>
+            <pc:docMk/>
+            <pc:sldMk cId="1132052320" sldId="257"/>
+            <ac:grpSpMk id="8" creationId="{88C93943-80FD-49AA-A451-4FF18456B34C}"/>
+          </ac:grpSpMkLst>
+        </pc:grpChg>
+        <pc:grpChg chg="add mod">
+          <ac:chgData name="KAUFMAN Quentin" userId="f44c8c26-e98f-4243-a31c-eda067c79b62" providerId="ADAL" clId="{506DCE55-FBA3-4A67-B0C8-03B8115AC890}" dt="2021-01-26T00:26:32.955" v="2221" actId="1076"/>
+          <ac:grpSpMkLst>
+            <pc:docMk/>
+            <pc:sldMk cId="1132052320" sldId="257"/>
+            <ac:grpSpMk id="9" creationId="{DAA28BC7-3AE2-428D-8467-03F2F2D154EC}"/>
+          </ac:grpSpMkLst>
+        </pc:grpChg>
+        <pc:picChg chg="del">
+          <ac:chgData name="KAUFMAN Quentin" userId="f44c8c26-e98f-4243-a31c-eda067c79b62" providerId="ADAL" clId="{506DCE55-FBA3-4A67-B0C8-03B8115AC890}" dt="2021-01-25T22:56:13.602" v="207" actId="478"/>
+          <ac:picMkLst>
+            <pc:docMk/>
+            <pc:sldMk cId="1132052320" sldId="257"/>
+            <ac:picMk id="4" creationId="{617F49F3-2DD1-4F8E-8C90-981CB4D6A0EE}"/>
+          </ac:picMkLst>
+        </pc:picChg>
+        <pc:picChg chg="add del mod">
+          <ac:chgData name="KAUFMAN Quentin" userId="f44c8c26-e98f-4243-a31c-eda067c79b62" providerId="ADAL" clId="{506DCE55-FBA3-4A67-B0C8-03B8115AC890}" dt="2021-01-25T22:56:54.890" v="210" actId="478"/>
+          <ac:picMkLst>
+            <pc:docMk/>
+            <pc:sldMk cId="1132052320" sldId="257"/>
+            <ac:picMk id="1026" creationId="{E812E6DC-C91E-425B-B262-DC62F2AA74CE}"/>
+          </ac:picMkLst>
+        </pc:picChg>
+        <pc:picChg chg="add mod">
+          <ac:chgData name="KAUFMAN Quentin" userId="f44c8c26-e98f-4243-a31c-eda067c79b62" providerId="ADAL" clId="{506DCE55-FBA3-4A67-B0C8-03B8115AC890}" dt="2021-01-26T00:26:32.955" v="2221" actId="1076"/>
+          <ac:picMkLst>
+            <pc:docMk/>
+            <pc:sldMk cId="1132052320" sldId="257"/>
+            <ac:picMk id="1028" creationId="{000646DF-443D-4B67-9C6F-579D6BCCF636}"/>
+          </ac:picMkLst>
+        </pc:picChg>
+        <pc:picChg chg="add mod">
+          <ac:chgData name="KAUFMAN Quentin" userId="f44c8c26-e98f-4243-a31c-eda067c79b62" providerId="ADAL" clId="{506DCE55-FBA3-4A67-B0C8-03B8115AC890}" dt="2021-01-26T00:26:43.473" v="2222" actId="1076"/>
+          <ac:picMkLst>
+            <pc:docMk/>
+            <pc:sldMk cId="1132052320" sldId="257"/>
+            <ac:picMk id="1030" creationId="{8DFC3B6E-52CA-4EF7-A6DE-4F1E105A9DDC}"/>
+          </ac:picMkLst>
+        </pc:picChg>
+        <pc:picChg chg="add mod">
+          <ac:chgData name="KAUFMAN Quentin" userId="f44c8c26-e98f-4243-a31c-eda067c79b62" providerId="ADAL" clId="{506DCE55-FBA3-4A67-B0C8-03B8115AC890}" dt="2021-01-26T00:25:13.360" v="2211" actId="1076"/>
+          <ac:picMkLst>
+            <pc:docMk/>
+            <pc:sldMk cId="1132052320" sldId="257"/>
+            <ac:picMk id="1032" creationId="{31BDF485-E228-4FF6-A27E-2C8584659EF4}"/>
+          </ac:picMkLst>
+        </pc:picChg>
+      </pc:sldChg>
+      <pc:sldChg chg="new del">
+        <pc:chgData name="KAUFMAN Quentin" userId="f44c8c26-e98f-4243-a31c-eda067c79b62" providerId="ADAL" clId="{506DCE55-FBA3-4A67-B0C8-03B8115AC890}" dt="2021-01-25T22:41:27.975" v="1" actId="2696"/>
+        <pc:sldMkLst>
+          <pc:docMk/>
+          <pc:sldMk cId="3659253519" sldId="257"/>
+        </pc:sldMkLst>
+      </pc:sldChg>
+      <pc:sldChg chg="addSp delSp modSp add mod">
+        <pc:chgData name="KAUFMAN Quentin" userId="f44c8c26-e98f-4243-a31c-eda067c79b62" providerId="ADAL" clId="{506DCE55-FBA3-4A67-B0C8-03B8115AC890}" dt="2021-01-25T23:28:13.847" v="1102" actId="20577"/>
+        <pc:sldMkLst>
+          <pc:docMk/>
+          <pc:sldMk cId="2067489053" sldId="258"/>
+        </pc:sldMkLst>
+        <pc:spChg chg="mod">
+          <ac:chgData name="KAUFMAN Quentin" userId="f44c8c26-e98f-4243-a31c-eda067c79b62" providerId="ADAL" clId="{506DCE55-FBA3-4A67-B0C8-03B8115AC890}" dt="2021-01-25T23:28:13.847" v="1102" actId="20577"/>
+          <ac:spMkLst>
+            <pc:docMk/>
+            <pc:sldMk cId="2067489053" sldId="258"/>
+            <ac:spMk id="3" creationId="{44D58449-F6D3-4C65-9B14-E28EA1EA3AE3}"/>
+          </ac:spMkLst>
+        </pc:spChg>
+        <pc:spChg chg="add del mod">
+          <ac:chgData name="KAUFMAN Quentin" userId="f44c8c26-e98f-4243-a31c-eda067c79b62" providerId="ADAL" clId="{506DCE55-FBA3-4A67-B0C8-03B8115AC890}" dt="2021-01-25T23:02:09.624" v="253"/>
+          <ac:spMkLst>
+            <pc:docMk/>
+            <pc:sldMk cId="2067489053" sldId="258"/>
+            <ac:spMk id="5" creationId="{68D3B381-EE52-4B94-81EE-63CCAF6FFF58}"/>
+          </ac:spMkLst>
+        </pc:spChg>
+        <pc:spChg chg="add mod">
+          <ac:chgData name="KAUFMAN Quentin" userId="f44c8c26-e98f-4243-a31c-eda067c79b62" providerId="ADAL" clId="{506DCE55-FBA3-4A67-B0C8-03B8115AC890}" dt="2021-01-25T23:18:42.977" v="922" actId="1076"/>
+          <ac:spMkLst>
+            <pc:docMk/>
+            <pc:sldMk cId="2067489053" sldId="258"/>
+            <ac:spMk id="6" creationId="{4D366FF7-FA42-443A-BE99-C89B19E964BA}"/>
+          </ac:spMkLst>
+        </pc:spChg>
+        <pc:spChg chg="add del mod">
+          <ac:chgData name="KAUFMAN Quentin" userId="f44c8c26-e98f-4243-a31c-eda067c79b62" providerId="ADAL" clId="{506DCE55-FBA3-4A67-B0C8-03B8115AC890}" dt="2021-01-25T23:02:39.074" v="266" actId="478"/>
+          <ac:spMkLst>
+            <pc:docMk/>
+            <pc:sldMk cId="2067489053" sldId="258"/>
+            <ac:spMk id="7" creationId="{2857B580-B4BF-48E3-A4D1-4A8329108593}"/>
+          </ac:spMkLst>
+        </pc:spChg>
+        <pc:spChg chg="add del mod">
+          <ac:chgData name="KAUFMAN Quentin" userId="f44c8c26-e98f-4243-a31c-eda067c79b62" providerId="ADAL" clId="{506DCE55-FBA3-4A67-B0C8-03B8115AC890}" dt="2021-01-25T23:04:24.804" v="361" actId="478"/>
+          <ac:spMkLst>
+            <pc:docMk/>
+            <pc:sldMk cId="2067489053" sldId="258"/>
+            <ac:spMk id="8" creationId="{72AF0227-6FDB-4CF3-8755-845035DDD647}"/>
+          </ac:spMkLst>
+        </pc:spChg>
+        <pc:spChg chg="add del mod">
+          <ac:chgData name="KAUFMAN Quentin" userId="f44c8c26-e98f-4243-a31c-eda067c79b62" providerId="ADAL" clId="{506DCE55-FBA3-4A67-B0C8-03B8115AC890}" dt="2021-01-25T23:18:21.772" v="919" actId="1076"/>
+          <ac:spMkLst>
+            <pc:docMk/>
+            <pc:sldMk cId="2067489053" sldId="258"/>
+            <ac:spMk id="9" creationId="{DD68DCEA-F743-421E-A37F-1A4E4CFE51A6}"/>
+          </ac:spMkLst>
+        </pc:spChg>
+        <pc:picChg chg="del">
+          <ac:chgData name="KAUFMAN Quentin" userId="f44c8c26-e98f-4243-a31c-eda067c79b62" providerId="ADAL" clId="{506DCE55-FBA3-4A67-B0C8-03B8115AC890}" dt="2021-01-25T23:01:22.281" v="226" actId="478"/>
+          <ac:picMkLst>
+            <pc:docMk/>
+            <pc:sldMk cId="2067489053" sldId="258"/>
+            <ac:picMk id="4" creationId="{617F49F3-2DD1-4F8E-8C90-981CB4D6A0EE}"/>
+          </ac:picMkLst>
+        </pc:picChg>
+        <pc:picChg chg="add mod">
+          <ac:chgData name="KAUFMAN Quentin" userId="f44c8c26-e98f-4243-a31c-eda067c79b62" providerId="ADAL" clId="{506DCE55-FBA3-4A67-B0C8-03B8115AC890}" dt="2021-01-25T23:18:39.119" v="921" actId="1076"/>
+          <ac:picMkLst>
+            <pc:docMk/>
+            <pc:sldMk cId="2067489053" sldId="258"/>
+            <ac:picMk id="10" creationId="{ACE93122-C92E-4EB1-9958-4961FB1FD73F}"/>
+          </ac:picMkLst>
+        </pc:picChg>
+        <pc:picChg chg="add mod">
+          <ac:chgData name="KAUFMAN Quentin" userId="f44c8c26-e98f-4243-a31c-eda067c79b62" providerId="ADAL" clId="{506DCE55-FBA3-4A67-B0C8-03B8115AC890}" dt="2021-01-25T23:18:28.151" v="920" actId="1076"/>
+          <ac:picMkLst>
+            <pc:docMk/>
+            <pc:sldMk cId="2067489053" sldId="258"/>
+            <ac:picMk id="11" creationId="{1218A4E1-9269-424B-A3E8-9C3D8820FF91}"/>
+          </ac:picMkLst>
+        </pc:picChg>
+        <pc:cxnChg chg="add mod">
+          <ac:chgData name="KAUFMAN Quentin" userId="f44c8c26-e98f-4243-a31c-eda067c79b62" providerId="ADAL" clId="{506DCE55-FBA3-4A67-B0C8-03B8115AC890}" dt="2021-01-25T23:18:01.736" v="917" actId="692"/>
+          <ac:cxnSpMkLst>
+            <pc:docMk/>
+            <pc:sldMk cId="2067489053" sldId="258"/>
+            <ac:cxnSpMk id="13" creationId="{FCDC6004-42ED-4009-8BAA-A35FA7B39A9C}"/>
+          </ac:cxnSpMkLst>
+        </pc:cxnChg>
+      </pc:sldChg>
+      <pc:sldChg chg="addSp delSp modSp add mod">
+        <pc:chgData name="KAUFMAN Quentin" userId="f44c8c26-e98f-4243-a31c-eda067c79b62" providerId="ADAL" clId="{506DCE55-FBA3-4A67-B0C8-03B8115AC890}" dt="2021-01-25T23:25:41.962" v="1070" actId="1076"/>
+        <pc:sldMkLst>
+          <pc:docMk/>
+          <pc:sldMk cId="570360656" sldId="259"/>
+        </pc:sldMkLst>
+        <pc:spChg chg="mod">
+          <ac:chgData name="KAUFMAN Quentin" userId="f44c8c26-e98f-4243-a31c-eda067c79b62" providerId="ADAL" clId="{506DCE55-FBA3-4A67-B0C8-03B8115AC890}" dt="2021-01-25T23:19:53.491" v="932" actId="20577"/>
+          <ac:spMkLst>
+            <pc:docMk/>
+            <pc:sldMk cId="570360656" sldId="259"/>
+            <ac:spMk id="3" creationId="{44D58449-F6D3-4C65-9B14-E28EA1EA3AE3}"/>
+          </ac:spMkLst>
+        </pc:spChg>
+        <pc:spChg chg="add del mod">
+          <ac:chgData name="KAUFMAN Quentin" userId="f44c8c26-e98f-4243-a31c-eda067c79b62" providerId="ADAL" clId="{506DCE55-FBA3-4A67-B0C8-03B8115AC890}" dt="2021-01-25T23:20:36.174" v="935" actId="478"/>
+          <ac:spMkLst>
+            <pc:docMk/>
+            <pc:sldMk cId="570360656" sldId="259"/>
+            <ac:spMk id="5" creationId="{3B332475-8BA2-4BCA-8AF1-30DF39F474B1}"/>
+          </ac:spMkLst>
+        </pc:spChg>
+        <pc:spChg chg="add del">
+          <ac:chgData name="KAUFMAN Quentin" userId="f44c8c26-e98f-4243-a31c-eda067c79b62" providerId="ADAL" clId="{506DCE55-FBA3-4A67-B0C8-03B8115AC890}" dt="2021-01-25T23:20:51.226" v="937" actId="478"/>
+          <ac:spMkLst>
+            <pc:docMk/>
+            <pc:sldMk cId="570360656" sldId="259"/>
+            <ac:spMk id="6" creationId="{C6DBD9D6-26A0-426E-A66A-FB0D420EA2BC}"/>
+          </ac:spMkLst>
+        </pc:spChg>
+        <pc:spChg chg="add mod">
+          <ac:chgData name="KAUFMAN Quentin" userId="f44c8c26-e98f-4243-a31c-eda067c79b62" providerId="ADAL" clId="{506DCE55-FBA3-4A67-B0C8-03B8115AC890}" dt="2021-01-25T23:25:35.313" v="1069" actId="1076"/>
+          <ac:spMkLst>
+            <pc:docMk/>
+            <pc:sldMk cId="570360656" sldId="259"/>
+            <ac:spMk id="7" creationId="{16C96641-B280-4636-971A-99EE78476F34}"/>
+          </ac:spMkLst>
+        </pc:spChg>
+        <pc:picChg chg="del">
+          <ac:chgData name="KAUFMAN Quentin" userId="f44c8c26-e98f-4243-a31c-eda067c79b62" providerId="ADAL" clId="{506DCE55-FBA3-4A67-B0C8-03B8115AC890}" dt="2021-01-25T23:19:31.710" v="923" actId="478"/>
+          <ac:picMkLst>
+            <pc:docMk/>
+            <pc:sldMk cId="570360656" sldId="259"/>
+            <ac:picMk id="4" creationId="{617F49F3-2DD1-4F8E-8C90-981CB4D6A0EE}"/>
+          </ac:picMkLst>
+        </pc:picChg>
+        <pc:picChg chg="add mod">
+          <ac:chgData name="KAUFMAN Quentin" userId="f44c8c26-e98f-4243-a31c-eda067c79b62" providerId="ADAL" clId="{506DCE55-FBA3-4A67-B0C8-03B8115AC890}" dt="2021-01-25T23:25:41.962" v="1070" actId="1076"/>
+          <ac:picMkLst>
+            <pc:docMk/>
+            <pc:sldMk cId="570360656" sldId="259"/>
+            <ac:picMk id="2054" creationId="{14A72E29-A2AF-4058-BDA6-6E0EF0581529}"/>
+          </ac:picMkLst>
+        </pc:picChg>
+      </pc:sldChg>
+      <pc:sldChg chg="addSp delSp modSp add mod">
+        <pc:chgData name="KAUFMAN Quentin" userId="f44c8c26-e98f-4243-a31c-eda067c79b62" providerId="ADAL" clId="{506DCE55-FBA3-4A67-B0C8-03B8115AC890}" dt="2021-01-25T23:38:01.753" v="1406" actId="20577"/>
+        <pc:sldMkLst>
+          <pc:docMk/>
+          <pc:sldMk cId="4279169323" sldId="260"/>
+        </pc:sldMkLst>
+        <pc:spChg chg="mod">
+          <ac:chgData name="KAUFMAN Quentin" userId="f44c8c26-e98f-4243-a31c-eda067c79b62" providerId="ADAL" clId="{506DCE55-FBA3-4A67-B0C8-03B8115AC890}" dt="2021-01-25T23:38:01.753" v="1406" actId="20577"/>
+          <ac:spMkLst>
+            <pc:docMk/>
+            <pc:sldMk cId="4279169323" sldId="260"/>
+            <ac:spMk id="3" creationId="{44D58449-F6D3-4C65-9B14-E28EA1EA3AE3}"/>
+          </ac:spMkLst>
+        </pc:spChg>
+        <pc:spChg chg="add mod">
+          <ac:chgData name="KAUFMAN Quentin" userId="f44c8c26-e98f-4243-a31c-eda067c79b62" providerId="ADAL" clId="{506DCE55-FBA3-4A67-B0C8-03B8115AC890}" dt="2021-01-25T23:37:55.712" v="1399" actId="1076"/>
+          <ac:spMkLst>
+            <pc:docMk/>
+            <pc:sldMk cId="4279169323" sldId="260"/>
+            <ac:spMk id="5" creationId="{78E0A6CE-8AA7-411A-AD05-8692B88591CF}"/>
+          </ac:spMkLst>
+        </pc:spChg>
+        <pc:spChg chg="add mod">
+          <ac:chgData name="KAUFMAN Quentin" userId="f44c8c26-e98f-4243-a31c-eda067c79b62" providerId="ADAL" clId="{506DCE55-FBA3-4A67-B0C8-03B8115AC890}" dt="2021-01-25T23:36:48.413" v="1389" actId="14100"/>
+          <ac:spMkLst>
+            <pc:docMk/>
+            <pc:sldMk cId="4279169323" sldId="260"/>
+            <ac:spMk id="7" creationId="{FFE8608F-2966-48C2-B1BD-EE0148BFAF89}"/>
+          </ac:spMkLst>
+        </pc:spChg>
+        <pc:spChg chg="add mod">
+          <ac:chgData name="KAUFMAN Quentin" userId="f44c8c26-e98f-4243-a31c-eda067c79b62" providerId="ADAL" clId="{506DCE55-FBA3-4A67-B0C8-03B8115AC890}" dt="2021-01-25T23:36:04.066" v="1382" actId="14100"/>
+          <ac:spMkLst>
+            <pc:docMk/>
+            <pc:sldMk cId="4279169323" sldId="260"/>
+            <ac:spMk id="11" creationId="{5FEAC163-2DDC-4FA8-9DD4-C95FDAD2F58A}"/>
+          </ac:spMkLst>
+        </pc:spChg>
+        <pc:spChg chg="add mod">
+          <ac:chgData name="KAUFMAN Quentin" userId="f44c8c26-e98f-4243-a31c-eda067c79b62" providerId="ADAL" clId="{506DCE55-FBA3-4A67-B0C8-03B8115AC890}" dt="2021-01-25T23:36:06.968" v="1383" actId="14100"/>
+          <ac:spMkLst>
+            <pc:docMk/>
+            <pc:sldMk cId="4279169323" sldId="260"/>
+            <ac:spMk id="12" creationId="{4CDF7906-EF60-4B7F-AB20-356A3735934D}"/>
+          </ac:spMkLst>
+        </pc:spChg>
+        <pc:spChg chg="add mod">
+          <ac:chgData name="KAUFMAN Quentin" userId="f44c8c26-e98f-4243-a31c-eda067c79b62" providerId="ADAL" clId="{506DCE55-FBA3-4A67-B0C8-03B8115AC890}" dt="2021-01-25T23:35:09.938" v="1377" actId="14100"/>
+          <ac:spMkLst>
+            <pc:docMk/>
+            <pc:sldMk cId="4279169323" sldId="260"/>
+            <ac:spMk id="13" creationId="{BC87CA8D-8A5A-4B5B-A736-3BBE5FB16B17}"/>
+          </ac:spMkLst>
+        </pc:spChg>
+        <pc:spChg chg="add mod">
+          <ac:chgData name="KAUFMAN Quentin" userId="f44c8c26-e98f-4243-a31c-eda067c79b62" providerId="ADAL" clId="{506DCE55-FBA3-4A67-B0C8-03B8115AC890}" dt="2021-01-25T23:37:17.247" v="1391" actId="14100"/>
+          <ac:spMkLst>
+            <pc:docMk/>
+            <pc:sldMk cId="4279169323" sldId="260"/>
+            <ac:spMk id="14" creationId="{FE645BCD-B500-4425-B135-CCD66A4678CA}"/>
+          </ac:spMkLst>
+        </pc:spChg>
+        <pc:spChg chg="add mod">
+          <ac:chgData name="KAUFMAN Quentin" userId="f44c8c26-e98f-4243-a31c-eda067c79b62" providerId="ADAL" clId="{506DCE55-FBA3-4A67-B0C8-03B8115AC890}" dt="2021-01-25T23:37:43.403" v="1398" actId="14100"/>
+          <ac:spMkLst>
+            <pc:docMk/>
+            <pc:sldMk cId="4279169323" sldId="260"/>
+            <ac:spMk id="15" creationId="{D7D1EC30-26E9-4FD9-B2BB-D6B7E2895016}"/>
+          </ac:spMkLst>
+        </pc:spChg>
+        <pc:grpChg chg="add mod">
+          <ac:chgData name="KAUFMAN Quentin" userId="f44c8c26-e98f-4243-a31c-eda067c79b62" providerId="ADAL" clId="{506DCE55-FBA3-4A67-B0C8-03B8115AC890}" dt="2021-01-25T23:37:24.042" v="1394" actId="1076"/>
+          <ac:grpSpMkLst>
+            <pc:docMk/>
+            <pc:sldMk cId="4279169323" sldId="260"/>
+            <ac:grpSpMk id="6" creationId="{5A05BFCC-8DF0-4A11-A638-7EE3830A7C7D}"/>
+          </ac:grpSpMkLst>
+        </pc:grpChg>
+        <pc:picChg chg="del">
+          <ac:chgData name="KAUFMAN Quentin" userId="f44c8c26-e98f-4243-a31c-eda067c79b62" providerId="ADAL" clId="{506DCE55-FBA3-4A67-B0C8-03B8115AC890}" dt="2021-01-25T23:19:44.963" v="924" actId="478"/>
+          <ac:picMkLst>
+            <pc:docMk/>
+            <pc:sldMk cId="4279169323" sldId="260"/>
+            <ac:picMk id="4" creationId="{617F49F3-2DD1-4F8E-8C90-981CB4D6A0EE}"/>
+          </ac:picMkLst>
+        </pc:picChg>
+        <pc:picChg chg="add mod">
+          <ac:chgData name="KAUFMAN Quentin" userId="f44c8c26-e98f-4243-a31c-eda067c79b62" providerId="ADAL" clId="{506DCE55-FBA3-4A67-B0C8-03B8115AC890}" dt="2021-01-25T23:37:24.042" v="1394" actId="1076"/>
+          <ac:picMkLst>
+            <pc:docMk/>
+            <pc:sldMk cId="4279169323" sldId="260"/>
+            <ac:picMk id="4098" creationId="{5DE13E51-A178-4985-B7E6-9BD611CCF70E}"/>
+          </ac:picMkLst>
+        </pc:picChg>
+        <pc:picChg chg="add del mod">
+          <ac:chgData name="KAUFMAN Quentin" userId="f44c8c26-e98f-4243-a31c-eda067c79b62" providerId="ADAL" clId="{506DCE55-FBA3-4A67-B0C8-03B8115AC890}" dt="2021-01-25T23:32:26.456" v="1349"/>
+          <ac:picMkLst>
+            <pc:docMk/>
+            <pc:sldMk cId="4279169323" sldId="260"/>
+            <ac:picMk id="4100" creationId="{4DF7C607-6484-4B9E-8E35-70C5A0C0F55D}"/>
+          </ac:picMkLst>
+        </pc:picChg>
+        <pc:picChg chg="add mod">
+          <ac:chgData name="KAUFMAN Quentin" userId="f44c8c26-e98f-4243-a31c-eda067c79b62" providerId="ADAL" clId="{506DCE55-FBA3-4A67-B0C8-03B8115AC890}" dt="2021-01-25T23:37:24.042" v="1394" actId="1076"/>
+          <ac:picMkLst>
+            <pc:docMk/>
+            <pc:sldMk cId="4279169323" sldId="260"/>
+            <ac:picMk id="4102" creationId="{932F780F-5081-4BF2-854B-ED53586DD606}"/>
+          </ac:picMkLst>
+        </pc:picChg>
+      </pc:sldChg>
+      <pc:sldChg chg="addSp delSp modSp add mod">
+        <pc:chgData name="KAUFMAN Quentin" userId="f44c8c26-e98f-4243-a31c-eda067c79b62" providerId="ADAL" clId="{506DCE55-FBA3-4A67-B0C8-03B8115AC890}" dt="2021-01-25T23:46:11.656" v="1599" actId="1076"/>
+        <pc:sldMkLst>
+          <pc:docMk/>
+          <pc:sldMk cId="3681344368" sldId="261"/>
+        </pc:sldMkLst>
+        <pc:spChg chg="mod">
+          <ac:chgData name="KAUFMAN Quentin" userId="f44c8c26-e98f-4243-a31c-eda067c79b62" providerId="ADAL" clId="{506DCE55-FBA3-4A67-B0C8-03B8115AC890}" dt="2021-01-25T23:40:58.241" v="1446" actId="20577"/>
+          <ac:spMkLst>
+            <pc:docMk/>
+            <pc:sldMk cId="3681344368" sldId="261"/>
+            <ac:spMk id="3" creationId="{44D58449-F6D3-4C65-9B14-E28EA1EA3AE3}"/>
+          </ac:spMkLst>
+        </pc:spChg>
+        <pc:spChg chg="add mod">
+          <ac:chgData name="KAUFMAN Quentin" userId="f44c8c26-e98f-4243-a31c-eda067c79b62" providerId="ADAL" clId="{506DCE55-FBA3-4A67-B0C8-03B8115AC890}" dt="2021-01-25T23:44:07.487" v="1561" actId="20577"/>
+          <ac:spMkLst>
+            <pc:docMk/>
+            <pc:sldMk cId="3681344368" sldId="261"/>
+            <ac:spMk id="4" creationId="{049224AC-1DD7-4807-A9C0-0DF0E92D4672}"/>
+          </ac:spMkLst>
+        </pc:spChg>
+        <pc:spChg chg="del mod">
+          <ac:chgData name="KAUFMAN Quentin" userId="f44c8c26-e98f-4243-a31c-eda067c79b62" providerId="ADAL" clId="{506DCE55-FBA3-4A67-B0C8-03B8115AC890}" dt="2021-01-25T23:38:19.638" v="1411" actId="478"/>
+          <ac:spMkLst>
+            <pc:docMk/>
+            <pc:sldMk cId="3681344368" sldId="261"/>
+            <ac:spMk id="5" creationId="{78E0A6CE-8AA7-411A-AD05-8692B88591CF}"/>
+          </ac:spMkLst>
+        </pc:spChg>
+        <pc:spChg chg="del">
+          <ac:chgData name="KAUFMAN Quentin" userId="f44c8c26-e98f-4243-a31c-eda067c79b62" providerId="ADAL" clId="{506DCE55-FBA3-4A67-B0C8-03B8115AC890}" dt="2021-01-25T23:38:28.817" v="1415" actId="478"/>
+          <ac:spMkLst>
+            <pc:docMk/>
+            <pc:sldMk cId="3681344368" sldId="261"/>
+            <ac:spMk id="7" creationId="{FFE8608F-2966-48C2-B1BD-EE0148BFAF89}"/>
+          </ac:spMkLst>
+        </pc:spChg>
+        <pc:spChg chg="add mod">
+          <ac:chgData name="KAUFMAN Quentin" userId="f44c8c26-e98f-4243-a31c-eda067c79b62" providerId="ADAL" clId="{506DCE55-FBA3-4A67-B0C8-03B8115AC890}" dt="2021-01-25T23:46:11.656" v="1599" actId="1076"/>
+          <ac:spMkLst>
+            <pc:docMk/>
+            <pc:sldMk cId="3681344368" sldId="261"/>
+            <ac:spMk id="8" creationId="{1E40BE0A-7D5F-4B07-A9AE-5C25365A0B07}"/>
+          </ac:spMkLst>
+        </pc:spChg>
+        <pc:spChg chg="del">
+          <ac:chgData name="KAUFMAN Quentin" userId="f44c8c26-e98f-4243-a31c-eda067c79b62" providerId="ADAL" clId="{506DCE55-FBA3-4A67-B0C8-03B8115AC890}" dt="2021-01-25T23:38:28.817" v="1415" actId="478"/>
+          <ac:spMkLst>
+            <pc:docMk/>
+            <pc:sldMk cId="3681344368" sldId="261"/>
+            <ac:spMk id="11" creationId="{5FEAC163-2DDC-4FA8-9DD4-C95FDAD2F58A}"/>
+          </ac:spMkLst>
+        </pc:spChg>
+        <pc:spChg chg="del">
+          <ac:chgData name="KAUFMAN Quentin" userId="f44c8c26-e98f-4243-a31c-eda067c79b62" providerId="ADAL" clId="{506DCE55-FBA3-4A67-B0C8-03B8115AC890}" dt="2021-01-25T23:38:28.817" v="1415" actId="478"/>
+          <ac:spMkLst>
+            <pc:docMk/>
+            <pc:sldMk cId="3681344368" sldId="261"/>
+            <ac:spMk id="12" creationId="{4CDF7906-EF60-4B7F-AB20-356A3735934D}"/>
+          </ac:spMkLst>
+        </pc:spChg>
+        <pc:spChg chg="del">
+          <ac:chgData name="KAUFMAN Quentin" userId="f44c8c26-e98f-4243-a31c-eda067c79b62" providerId="ADAL" clId="{506DCE55-FBA3-4A67-B0C8-03B8115AC890}" dt="2021-01-25T23:38:28.817" v="1415" actId="478"/>
+          <ac:spMkLst>
+            <pc:docMk/>
+            <pc:sldMk cId="3681344368" sldId="261"/>
+            <ac:spMk id="13" creationId="{BC87CA8D-8A5A-4B5B-A736-3BBE5FB16B17}"/>
+          </ac:spMkLst>
+        </pc:spChg>
+        <pc:spChg chg="del">
+          <ac:chgData name="KAUFMAN Quentin" userId="f44c8c26-e98f-4243-a31c-eda067c79b62" providerId="ADAL" clId="{506DCE55-FBA3-4A67-B0C8-03B8115AC890}" dt="2021-01-25T23:38:22.247" v="1414" actId="478"/>
+          <ac:spMkLst>
+            <pc:docMk/>
+            <pc:sldMk cId="3681344368" sldId="261"/>
+            <ac:spMk id="14" creationId="{FE645BCD-B500-4425-B135-CCD66A4678CA}"/>
+          </ac:spMkLst>
+        </pc:spChg>
+        <pc:spChg chg="del">
+          <ac:chgData name="KAUFMAN Quentin" userId="f44c8c26-e98f-4243-a31c-eda067c79b62" providerId="ADAL" clId="{506DCE55-FBA3-4A67-B0C8-03B8115AC890}" dt="2021-01-25T23:38:21.415" v="1413" actId="478"/>
+          <ac:spMkLst>
+            <pc:docMk/>
+            <pc:sldMk cId="3681344368" sldId="261"/>
+            <ac:spMk id="15" creationId="{D7D1EC30-26E9-4FD9-B2BB-D6B7E2895016}"/>
+          </ac:spMkLst>
+        </pc:spChg>
+        <pc:grpChg chg="del">
+          <ac:chgData name="KAUFMAN Quentin" userId="f44c8c26-e98f-4243-a31c-eda067c79b62" providerId="ADAL" clId="{506DCE55-FBA3-4A67-B0C8-03B8115AC890}" dt="2021-01-25T23:38:20.606" v="1412" actId="478"/>
+          <ac:grpSpMkLst>
+            <pc:docMk/>
+            <pc:sldMk cId="3681344368" sldId="261"/>
+            <ac:grpSpMk id="6" creationId="{5A05BFCC-8DF0-4A11-A638-7EE3830A7C7D}"/>
+          </ac:grpSpMkLst>
+        </pc:grpChg>
+        <pc:picChg chg="add mod">
+          <ac:chgData name="KAUFMAN Quentin" userId="f44c8c26-e98f-4243-a31c-eda067c79b62" providerId="ADAL" clId="{506DCE55-FBA3-4A67-B0C8-03B8115AC890}" dt="2021-01-25T23:46:05.014" v="1598" actId="1076"/>
+          <ac:picMkLst>
+            <pc:docMk/>
+            <pc:sldMk cId="3681344368" sldId="261"/>
+            <ac:picMk id="10242" creationId="{90B64A88-477A-4E58-862C-1342532B8B37}"/>
+          </ac:picMkLst>
+        </pc:picChg>
+      </pc:sldChg>
+      <pc:sldChg chg="add del">
+        <pc:chgData name="KAUFMAN Quentin" userId="f44c8c26-e98f-4243-a31c-eda067c79b62" providerId="ADAL" clId="{506DCE55-FBA3-4A67-B0C8-03B8115AC890}" dt="2021-01-25T23:38:31.142" v="1416" actId="47"/>
+        <pc:sldMkLst>
+          <pc:docMk/>
+          <pc:sldMk cId="2122026224" sldId="262"/>
+        </pc:sldMkLst>
+      </pc:sldChg>
+      <pc:sldChg chg="addSp delSp modSp add mod">
+        <pc:chgData name="KAUFMAN Quentin" userId="f44c8c26-e98f-4243-a31c-eda067c79b62" providerId="ADAL" clId="{506DCE55-FBA3-4A67-B0C8-03B8115AC890}" dt="2021-01-25T23:56:41.468" v="1721" actId="164"/>
+        <pc:sldMkLst>
+          <pc:docMk/>
+          <pc:sldMk cId="2977903949" sldId="262"/>
+        </pc:sldMkLst>
+        <pc:spChg chg="mod">
+          <ac:chgData name="KAUFMAN Quentin" userId="f44c8c26-e98f-4243-a31c-eda067c79b62" providerId="ADAL" clId="{506DCE55-FBA3-4A67-B0C8-03B8115AC890}" dt="2021-01-25T23:46:34.009" v="1607" actId="20577"/>
+          <ac:spMkLst>
+            <pc:docMk/>
+            <pc:sldMk cId="2977903949" sldId="262"/>
+            <ac:spMk id="3" creationId="{44D58449-F6D3-4C65-9B14-E28EA1EA3AE3}"/>
+          </ac:spMkLst>
+        </pc:spChg>
+        <pc:spChg chg="add mod">
+          <ac:chgData name="KAUFMAN Quentin" userId="f44c8c26-e98f-4243-a31c-eda067c79b62" providerId="ADAL" clId="{506DCE55-FBA3-4A67-B0C8-03B8115AC890}" dt="2021-01-25T23:56:33.717" v="1720" actId="164"/>
+          <ac:spMkLst>
+            <pc:docMk/>
+            <pc:sldMk cId="2977903949" sldId="262"/>
+            <ac:spMk id="4" creationId="{E3609C12-E4DB-4719-8092-32E8B208D976}"/>
+          </ac:spMkLst>
+        </pc:spChg>
+        <pc:spChg chg="add mod">
+          <ac:chgData name="KAUFMAN Quentin" userId="f44c8c26-e98f-4243-a31c-eda067c79b62" providerId="ADAL" clId="{506DCE55-FBA3-4A67-B0C8-03B8115AC890}" dt="2021-01-25T23:56:41.468" v="1721" actId="164"/>
+          <ac:spMkLst>
+            <pc:docMk/>
+            <pc:sldMk cId="2977903949" sldId="262"/>
+            <ac:spMk id="9" creationId="{ACBB9CFE-CFF9-4429-9244-8BAEF338D747}"/>
+          </ac:spMkLst>
+        </pc:spChg>
+        <pc:spChg chg="add mod">
+          <ac:chgData name="KAUFMAN Quentin" userId="f44c8c26-e98f-4243-a31c-eda067c79b62" providerId="ADAL" clId="{506DCE55-FBA3-4A67-B0C8-03B8115AC890}" dt="2021-01-25T23:56:21.526" v="1719" actId="164"/>
+          <ac:spMkLst>
+            <pc:docMk/>
+            <pc:sldMk cId="2977903949" sldId="262"/>
+            <ac:spMk id="10" creationId="{2A02F9E3-FE31-4CA1-84DC-223EC5DC84B1}"/>
+          </ac:spMkLst>
+        </pc:spChg>
+        <pc:grpChg chg="add mod">
+          <ac:chgData name="KAUFMAN Quentin" userId="f44c8c26-e98f-4243-a31c-eda067c79b62" providerId="ADAL" clId="{506DCE55-FBA3-4A67-B0C8-03B8115AC890}" dt="2021-01-25T23:56:21.526" v="1719" actId="164"/>
+          <ac:grpSpMkLst>
+            <pc:docMk/>
+            <pc:sldMk cId="2977903949" sldId="262"/>
+            <ac:grpSpMk id="5" creationId="{4296099A-2860-4CAB-8B92-76BC3F48BC82}"/>
+          </ac:grpSpMkLst>
+        </pc:grpChg>
+        <pc:grpChg chg="add mod">
+          <ac:chgData name="KAUFMAN Quentin" userId="f44c8c26-e98f-4243-a31c-eda067c79b62" providerId="ADAL" clId="{506DCE55-FBA3-4A67-B0C8-03B8115AC890}" dt="2021-01-25T23:56:33.717" v="1720" actId="164"/>
+          <ac:grpSpMkLst>
+            <pc:docMk/>
+            <pc:sldMk cId="2977903949" sldId="262"/>
+            <ac:grpSpMk id="6" creationId="{7ACA9329-88DF-4E92-B221-4C9A13072981}"/>
+          </ac:grpSpMkLst>
+        </pc:grpChg>
+        <pc:grpChg chg="add mod">
+          <ac:chgData name="KAUFMAN Quentin" userId="f44c8c26-e98f-4243-a31c-eda067c79b62" providerId="ADAL" clId="{506DCE55-FBA3-4A67-B0C8-03B8115AC890}" dt="2021-01-25T23:56:41.468" v="1721" actId="164"/>
+          <ac:grpSpMkLst>
+            <pc:docMk/>
+            <pc:sldMk cId="2977903949" sldId="262"/>
+            <ac:grpSpMk id="7" creationId="{480BB8B1-D29C-45BA-BFCD-C7EDFFCF8087}"/>
+          </ac:grpSpMkLst>
+        </pc:grpChg>
+        <pc:picChg chg="add del mod">
+          <ac:chgData name="KAUFMAN Quentin" userId="f44c8c26-e98f-4243-a31c-eda067c79b62" providerId="ADAL" clId="{506DCE55-FBA3-4A67-B0C8-03B8115AC890}" dt="2021-01-25T23:51:02.096" v="1653" actId="21"/>
+          <ac:picMkLst>
+            <pc:docMk/>
+            <pc:sldMk cId="2977903949" sldId="262"/>
+            <ac:picMk id="7170" creationId="{6C47BC1F-CA5F-462C-8521-038AADD37351}"/>
+          </ac:picMkLst>
+        </pc:picChg>
+        <pc:picChg chg="add mod">
+          <ac:chgData name="KAUFMAN Quentin" userId="f44c8c26-e98f-4243-a31c-eda067c79b62" providerId="ADAL" clId="{506DCE55-FBA3-4A67-B0C8-03B8115AC890}" dt="2021-01-25T23:56:21.526" v="1719" actId="164"/>
+          <ac:picMkLst>
+            <pc:docMk/>
+            <pc:sldMk cId="2977903949" sldId="262"/>
+            <ac:picMk id="7172" creationId="{D001E5FE-DFFF-4431-B010-6850FE669056}"/>
+          </ac:picMkLst>
+        </pc:picChg>
+        <pc:picChg chg="add mod">
+          <ac:chgData name="KAUFMAN Quentin" userId="f44c8c26-e98f-4243-a31c-eda067c79b62" providerId="ADAL" clId="{506DCE55-FBA3-4A67-B0C8-03B8115AC890}" dt="2021-01-25T23:56:41.468" v="1721" actId="164"/>
+          <ac:picMkLst>
+            <pc:docMk/>
+            <pc:sldMk cId="2977903949" sldId="262"/>
+            <ac:picMk id="7174" creationId="{3AF45DE2-B99A-417B-9C17-F9CB4CE001B6}"/>
+          </ac:picMkLst>
+        </pc:picChg>
+        <pc:picChg chg="add mod">
+          <ac:chgData name="KAUFMAN Quentin" userId="f44c8c26-e98f-4243-a31c-eda067c79b62" providerId="ADAL" clId="{506DCE55-FBA3-4A67-B0C8-03B8115AC890}" dt="2021-01-25T23:56:33.717" v="1720" actId="164"/>
+          <ac:picMkLst>
+            <pc:docMk/>
+            <pc:sldMk cId="2977903949" sldId="262"/>
+            <ac:picMk id="7176" creationId="{88842423-C322-4CA2-9A5E-6F1C767FF8D0}"/>
+          </ac:picMkLst>
+        </pc:picChg>
+      </pc:sldChg>
+      <pc:sldChg chg="add del">
+        <pc:chgData name="KAUFMAN Quentin" userId="f44c8c26-e98f-4243-a31c-eda067c79b62" providerId="ADAL" clId="{506DCE55-FBA3-4A67-B0C8-03B8115AC890}" dt="2021-01-25T23:38:32.195" v="1417" actId="47"/>
+        <pc:sldMkLst>
+          <pc:docMk/>
+          <pc:sldMk cId="311388301" sldId="263"/>
+        </pc:sldMkLst>
+      </pc:sldChg>
+      <pc:sldChg chg="addSp modSp add mod">
+        <pc:chgData name="KAUFMAN Quentin" userId="f44c8c26-e98f-4243-a31c-eda067c79b62" providerId="ADAL" clId="{506DCE55-FBA3-4A67-B0C8-03B8115AC890}" dt="2021-01-26T00:00:31.091" v="1826" actId="1076"/>
+        <pc:sldMkLst>
+          <pc:docMk/>
+          <pc:sldMk cId="4061499632" sldId="263"/>
+        </pc:sldMkLst>
+        <pc:spChg chg="mod">
+          <ac:chgData name="KAUFMAN Quentin" userId="f44c8c26-e98f-4243-a31c-eda067c79b62" providerId="ADAL" clId="{506DCE55-FBA3-4A67-B0C8-03B8115AC890}" dt="2021-01-25T23:57:05.856" v="1732" actId="20577"/>
+          <ac:spMkLst>
+            <pc:docMk/>
+            <pc:sldMk cId="4061499632" sldId="263"/>
+            <ac:spMk id="3" creationId="{44D58449-F6D3-4C65-9B14-E28EA1EA3AE3}"/>
+          </ac:spMkLst>
+        </pc:spChg>
+        <pc:spChg chg="add mod">
+          <ac:chgData name="KAUFMAN Quentin" userId="f44c8c26-e98f-4243-a31c-eda067c79b62" providerId="ADAL" clId="{506DCE55-FBA3-4A67-B0C8-03B8115AC890}" dt="2021-01-25T23:59:44.611" v="1788" actId="164"/>
+          <ac:spMkLst>
+            <pc:docMk/>
+            <pc:sldMk cId="4061499632" sldId="263"/>
+            <ac:spMk id="5" creationId="{1FCABDDD-1AAE-49E4-8541-2442EAEB6B74}"/>
+          </ac:spMkLst>
+        </pc:spChg>
+        <pc:spChg chg="add mod">
+          <ac:chgData name="KAUFMAN Quentin" userId="f44c8c26-e98f-4243-a31c-eda067c79b62" providerId="ADAL" clId="{506DCE55-FBA3-4A67-B0C8-03B8115AC890}" dt="2021-01-26T00:00:31.091" v="1826" actId="1076"/>
+          <ac:spMkLst>
+            <pc:docMk/>
+            <pc:sldMk cId="4061499632" sldId="263"/>
+            <ac:spMk id="7" creationId="{DC408726-3EA9-4AB2-B4C5-DAEE08D62F01}"/>
+          </ac:spMkLst>
+        </pc:spChg>
+        <pc:grpChg chg="add mod">
+          <ac:chgData name="KAUFMAN Quentin" userId="f44c8c26-e98f-4243-a31c-eda067c79b62" providerId="ADAL" clId="{506DCE55-FBA3-4A67-B0C8-03B8115AC890}" dt="2021-01-26T00:00:31.091" v="1826" actId="1076"/>
+          <ac:grpSpMkLst>
+            <pc:docMk/>
+            <pc:sldMk cId="4061499632" sldId="263"/>
+            <ac:grpSpMk id="6" creationId="{647D6A12-9C6C-4EEA-8B67-A8549C75006E}"/>
+          </ac:grpSpMkLst>
+        </pc:grpChg>
+        <pc:grpChg chg="add mod">
+          <ac:chgData name="KAUFMAN Quentin" userId="f44c8c26-e98f-4243-a31c-eda067c79b62" providerId="ADAL" clId="{506DCE55-FBA3-4A67-B0C8-03B8115AC890}" dt="2021-01-25T23:59:44.611" v="1788" actId="164"/>
+          <ac:grpSpMkLst>
+            <pc:docMk/>
+            <pc:sldMk cId="4061499632" sldId="263"/>
+            <ac:grpSpMk id="8" creationId="{B6D5ECA8-53C7-43EB-AF49-156D3729288C}"/>
+          </ac:grpSpMkLst>
+        </pc:grpChg>
+        <pc:picChg chg="add mod">
+          <ac:chgData name="KAUFMAN Quentin" userId="f44c8c26-e98f-4243-a31c-eda067c79b62" providerId="ADAL" clId="{506DCE55-FBA3-4A67-B0C8-03B8115AC890}" dt="2021-01-25T23:59:44.611" v="1788" actId="164"/>
+          <ac:picMkLst>
+            <pc:docMk/>
+            <pc:sldMk cId="4061499632" sldId="263"/>
+            <ac:picMk id="4" creationId="{FF70B71D-4ECD-4BE2-A619-3C8EEFB9859B}"/>
+          </ac:picMkLst>
+        </pc:picChg>
+        <pc:picChg chg="add mod">
+          <ac:chgData name="KAUFMAN Quentin" userId="f44c8c26-e98f-4243-a31c-eda067c79b62" providerId="ADAL" clId="{506DCE55-FBA3-4A67-B0C8-03B8115AC890}" dt="2021-01-26T00:00:31.091" v="1826" actId="1076"/>
+          <ac:picMkLst>
+            <pc:docMk/>
+            <pc:sldMk cId="4061499632" sldId="263"/>
+            <ac:picMk id="6146" creationId="{CC78707E-5BAB-42B6-AF19-D8EBD1D9713E}"/>
+          </ac:picMkLst>
+        </pc:picChg>
+      </pc:sldChg>
+      <pc:sldChg chg="addSp modSp add mod">
+        <pc:chgData name="KAUFMAN Quentin" userId="f44c8c26-e98f-4243-a31c-eda067c79b62" providerId="ADAL" clId="{506DCE55-FBA3-4A67-B0C8-03B8115AC890}" dt="2021-01-26T00:07:10.026" v="1884" actId="20577"/>
+        <pc:sldMkLst>
+          <pc:docMk/>
+          <pc:sldMk cId="537421402" sldId="264"/>
+        </pc:sldMkLst>
+        <pc:spChg chg="mod">
+          <ac:chgData name="KAUFMAN Quentin" userId="f44c8c26-e98f-4243-a31c-eda067c79b62" providerId="ADAL" clId="{506DCE55-FBA3-4A67-B0C8-03B8115AC890}" dt="2021-01-26T00:07:10.026" v="1884" actId="20577"/>
+          <ac:spMkLst>
+            <pc:docMk/>
+            <pc:sldMk cId="537421402" sldId="264"/>
+            <ac:spMk id="3" creationId="{44D58449-F6D3-4C65-9B14-E28EA1EA3AE3}"/>
+          </ac:spMkLst>
+        </pc:spChg>
+        <pc:picChg chg="add mod">
+          <ac:chgData name="KAUFMAN Quentin" userId="f44c8c26-e98f-4243-a31c-eda067c79b62" providerId="ADAL" clId="{506DCE55-FBA3-4A67-B0C8-03B8115AC890}" dt="2021-01-26T00:06:54.002" v="1861" actId="1076"/>
+          <ac:picMkLst>
+            <pc:docMk/>
+            <pc:sldMk cId="537421402" sldId="264"/>
+            <ac:picMk id="5" creationId="{7F868E8F-CB08-485C-A8ED-170EE2A4F0E3}"/>
+          </ac:picMkLst>
+        </pc:picChg>
+      </pc:sldChg>
+      <pc:sldChg chg="addSp modSp add mod">
+        <pc:chgData name="KAUFMAN Quentin" userId="f44c8c26-e98f-4243-a31c-eda067c79b62" providerId="ADAL" clId="{506DCE55-FBA3-4A67-B0C8-03B8115AC890}" dt="2021-01-26T00:20:29.095" v="2187" actId="113"/>
+        <pc:sldMkLst>
+          <pc:docMk/>
+          <pc:sldMk cId="2170675609" sldId="265"/>
+        </pc:sldMkLst>
+        <pc:spChg chg="mod">
+          <ac:chgData name="KAUFMAN Quentin" userId="f44c8c26-e98f-4243-a31c-eda067c79b62" providerId="ADAL" clId="{506DCE55-FBA3-4A67-B0C8-03B8115AC890}" dt="2021-01-26T00:01:05.883" v="1856" actId="20577"/>
+          <ac:spMkLst>
+            <pc:docMk/>
+            <pc:sldMk cId="2170675609" sldId="265"/>
+            <ac:spMk id="3" creationId="{44D58449-F6D3-4C65-9B14-E28EA1EA3AE3}"/>
+          </ac:spMkLst>
+        </pc:spChg>
+        <pc:spChg chg="add mod">
+          <ac:chgData name="KAUFMAN Quentin" userId="f44c8c26-e98f-4243-a31c-eda067c79b62" providerId="ADAL" clId="{506DCE55-FBA3-4A67-B0C8-03B8115AC890}" dt="2021-01-26T00:20:29.095" v="2187" actId="113"/>
+          <ac:spMkLst>
+            <pc:docMk/>
+            <pc:sldMk cId="2170675609" sldId="265"/>
+            <ac:spMk id="4" creationId="{A6D1C108-C3F8-4E73-8E04-0AFD5C951738}"/>
+          </ac:spMkLst>
+        </pc:spChg>
+      </pc:sldChg>
+      <pc:sldChg chg="add del">
+        <pc:chgData name="KAUFMAN Quentin" userId="f44c8c26-e98f-4243-a31c-eda067c79b62" providerId="ADAL" clId="{506DCE55-FBA3-4A67-B0C8-03B8115AC890}" dt="2021-01-26T00:12:40.081" v="1982" actId="47"/>
+        <pc:sldMkLst>
+          <pc:docMk/>
+          <pc:sldMk cId="3482514963" sldId="266"/>
+        </pc:sldMkLst>
+      </pc:sldChg>
+      <pc:sldChg chg="addSp modSp add mod">
+        <pc:chgData name="KAUFMAN Quentin" userId="f44c8c26-e98f-4243-a31c-eda067c79b62" providerId="ADAL" clId="{506DCE55-FBA3-4A67-B0C8-03B8115AC890}" dt="2021-01-26T00:22:27.219" v="2196" actId="1076"/>
+        <pc:sldMkLst>
+          <pc:docMk/>
+          <pc:sldMk cId="2189569553" sldId="267"/>
+        </pc:sldMkLst>
+        <pc:spChg chg="mod">
+          <ac:chgData name="KAUFMAN Quentin" userId="f44c8c26-e98f-4243-a31c-eda067c79b62" providerId="ADAL" clId="{506DCE55-FBA3-4A67-B0C8-03B8115AC890}" dt="2021-01-26T00:22:11.669" v="2194" actId="20577"/>
+          <ac:spMkLst>
+            <pc:docMk/>
+            <pc:sldMk cId="2189569553" sldId="267"/>
+            <ac:spMk id="3" creationId="{44D58449-F6D3-4C65-9B14-E28EA1EA3AE3}"/>
+          </ac:spMkLst>
+        </pc:spChg>
+        <pc:picChg chg="add mod">
+          <ac:chgData name="KAUFMAN Quentin" userId="f44c8c26-e98f-4243-a31c-eda067c79b62" providerId="ADAL" clId="{506DCE55-FBA3-4A67-B0C8-03B8115AC890}" dt="2021-01-26T00:22:27.219" v="2196" actId="1076"/>
+          <ac:picMkLst>
+            <pc:docMk/>
+            <pc:sldMk cId="2189569553" sldId="267"/>
+            <ac:picMk id="5" creationId="{335A9509-5098-4250-A184-AE11B1ED9644}"/>
+          </ac:picMkLst>
+        </pc:picChg>
+      </pc:sldChg>
+      <pc:sldChg chg="addSp modSp add mod">
+        <pc:chgData name="KAUFMAN Quentin" userId="f44c8c26-e98f-4243-a31c-eda067c79b62" providerId="ADAL" clId="{506DCE55-FBA3-4A67-B0C8-03B8115AC890}" dt="2021-01-26T00:07:45.814" v="1899" actId="1076"/>
+        <pc:sldMkLst>
+          <pc:docMk/>
+          <pc:sldMk cId="1867919913" sldId="268"/>
+        </pc:sldMkLst>
+        <pc:spChg chg="mod">
+          <ac:chgData name="KAUFMAN Quentin" userId="f44c8c26-e98f-4243-a31c-eda067c79b62" providerId="ADAL" clId="{506DCE55-FBA3-4A67-B0C8-03B8115AC890}" dt="2021-01-26T00:07:26.947" v="1895" actId="20577"/>
+          <ac:spMkLst>
+            <pc:docMk/>
+            <pc:sldMk cId="1867919913" sldId="268"/>
+            <ac:spMk id="3" creationId="{44D58449-F6D3-4C65-9B14-E28EA1EA3AE3}"/>
+          </ac:spMkLst>
+        </pc:spChg>
+        <pc:picChg chg="add mod">
+          <ac:chgData name="KAUFMAN Quentin" userId="f44c8c26-e98f-4243-a31c-eda067c79b62" providerId="ADAL" clId="{506DCE55-FBA3-4A67-B0C8-03B8115AC890}" dt="2021-01-26T00:07:45.814" v="1899" actId="1076"/>
+          <ac:picMkLst>
+            <pc:docMk/>
+            <pc:sldMk cId="1867919913" sldId="268"/>
+            <ac:picMk id="5" creationId="{BC1F8844-ACEF-44CD-A539-B8C5A3649F42}"/>
+          </ac:picMkLst>
+        </pc:picChg>
+      </pc:sldChg>
+      <pc:sldChg chg="addSp delSp modSp add mod">
+        <pc:chgData name="KAUFMAN Quentin" userId="f44c8c26-e98f-4243-a31c-eda067c79b62" providerId="ADAL" clId="{506DCE55-FBA3-4A67-B0C8-03B8115AC890}" dt="2021-01-26T00:08:42.136" v="1919" actId="120"/>
+        <pc:sldMkLst>
+          <pc:docMk/>
+          <pc:sldMk cId="1655905688" sldId="269"/>
+        </pc:sldMkLst>
+        <pc:spChg chg="mod">
+          <ac:chgData name="KAUFMAN Quentin" userId="f44c8c26-e98f-4243-a31c-eda067c79b62" providerId="ADAL" clId="{506DCE55-FBA3-4A67-B0C8-03B8115AC890}" dt="2021-01-26T00:08:42.136" v="1919" actId="120"/>
+          <ac:spMkLst>
+            <pc:docMk/>
+            <pc:sldMk cId="1655905688" sldId="269"/>
+            <ac:spMk id="3" creationId="{44D58449-F6D3-4C65-9B14-E28EA1EA3AE3}"/>
+          </ac:spMkLst>
+        </pc:spChg>
+        <pc:picChg chg="add del mod">
+          <ac:chgData name="KAUFMAN Quentin" userId="f44c8c26-e98f-4243-a31c-eda067c79b62" providerId="ADAL" clId="{506DCE55-FBA3-4A67-B0C8-03B8115AC890}" dt="2021-01-26T00:07:54.147" v="1902" actId="478"/>
+          <ac:picMkLst>
+            <pc:docMk/>
+            <pc:sldMk cId="1655905688" sldId="269"/>
+            <ac:picMk id="5" creationId="{7AC7EC31-A8CB-4BD8-88A0-40CE32F21F81}"/>
+          </ac:picMkLst>
+        </pc:picChg>
+        <pc:picChg chg="add mod">
+          <ac:chgData name="KAUFMAN Quentin" userId="f44c8c26-e98f-4243-a31c-eda067c79b62" providerId="ADAL" clId="{506DCE55-FBA3-4A67-B0C8-03B8115AC890}" dt="2021-01-26T00:08:30.094" v="1917" actId="1076"/>
+          <ac:picMkLst>
+            <pc:docMk/>
+            <pc:sldMk cId="1655905688" sldId="269"/>
+            <ac:picMk id="7" creationId="{69ECBC85-5B43-4CAB-8BDE-7F4907BA8866}"/>
+          </ac:picMkLst>
+        </pc:picChg>
+      </pc:sldChg>
+      <pc:sldChg chg="addSp modSp add mod">
+        <pc:chgData name="KAUFMAN Quentin" userId="f44c8c26-e98f-4243-a31c-eda067c79b62" providerId="ADAL" clId="{506DCE55-FBA3-4A67-B0C8-03B8115AC890}" dt="2021-01-26T00:09:35.243" v="1936" actId="1076"/>
+        <pc:sldMkLst>
+          <pc:docMk/>
+          <pc:sldMk cId="3765266718" sldId="270"/>
+        </pc:sldMkLst>
+        <pc:spChg chg="mod">
+          <ac:chgData name="KAUFMAN Quentin" userId="f44c8c26-e98f-4243-a31c-eda067c79b62" providerId="ADAL" clId="{506DCE55-FBA3-4A67-B0C8-03B8115AC890}" dt="2021-01-26T00:09:16.096" v="1932" actId="20577"/>
+          <ac:spMkLst>
+            <pc:docMk/>
+            <pc:sldMk cId="3765266718" sldId="270"/>
+            <ac:spMk id="3" creationId="{44D58449-F6D3-4C65-9B14-E28EA1EA3AE3}"/>
+          </ac:spMkLst>
+        </pc:spChg>
+        <pc:picChg chg="add mod">
+          <ac:chgData name="KAUFMAN Quentin" userId="f44c8c26-e98f-4243-a31c-eda067c79b62" providerId="ADAL" clId="{506DCE55-FBA3-4A67-B0C8-03B8115AC890}" dt="2021-01-26T00:09:35.243" v="1936" actId="1076"/>
+          <ac:picMkLst>
+            <pc:docMk/>
+            <pc:sldMk cId="3765266718" sldId="270"/>
+            <ac:picMk id="5" creationId="{47D6DFBD-0FA0-4E66-B1F9-A7FDA729150D}"/>
+          </ac:picMkLst>
+        </pc:picChg>
+      </pc:sldChg>
+      <pc:sldChg chg="addSp delSp modSp add mod">
+        <pc:chgData name="KAUFMAN Quentin" userId="f44c8c26-e98f-4243-a31c-eda067c79b62" providerId="ADAL" clId="{506DCE55-FBA3-4A67-B0C8-03B8115AC890}" dt="2021-01-26T00:16:06.181" v="1995" actId="1076"/>
+        <pc:sldMkLst>
+          <pc:docMk/>
+          <pc:sldMk cId="1376869653" sldId="271"/>
+        </pc:sldMkLst>
+        <pc:spChg chg="mod">
+          <ac:chgData name="KAUFMAN Quentin" userId="f44c8c26-e98f-4243-a31c-eda067c79b62" providerId="ADAL" clId="{506DCE55-FBA3-4A67-B0C8-03B8115AC890}" dt="2021-01-26T00:10:08.340" v="1950" actId="20577"/>
+          <ac:spMkLst>
+            <pc:docMk/>
+            <pc:sldMk cId="1376869653" sldId="271"/>
+            <ac:spMk id="3" creationId="{44D58449-F6D3-4C65-9B14-E28EA1EA3AE3}"/>
+          </ac:spMkLst>
+        </pc:spChg>
+        <pc:picChg chg="del">
+          <ac:chgData name="KAUFMAN Quentin" userId="f44c8c26-e98f-4243-a31c-eda067c79b62" providerId="ADAL" clId="{506DCE55-FBA3-4A67-B0C8-03B8115AC890}" dt="2021-01-26T00:10:15.539" v="1951" actId="478"/>
+          <ac:picMkLst>
+            <pc:docMk/>
+            <pc:sldMk cId="1376869653" sldId="271"/>
+            <ac:picMk id="5" creationId="{47D6DFBD-0FA0-4E66-B1F9-A7FDA729150D}"/>
+          </ac:picMkLst>
+        </pc:picChg>
+        <pc:picChg chg="add del mod">
+          <ac:chgData name="KAUFMAN Quentin" userId="f44c8c26-e98f-4243-a31c-eda067c79b62" providerId="ADAL" clId="{506DCE55-FBA3-4A67-B0C8-03B8115AC890}" dt="2021-01-26T00:12:28.668" v="1981" actId="478"/>
+          <ac:picMkLst>
+            <pc:docMk/>
+            <pc:sldMk cId="1376869653" sldId="271"/>
+            <ac:picMk id="6" creationId="{B59428E4-0376-4D87-B14A-8C0F1B3855EF}"/>
+          </ac:picMkLst>
+        </pc:picChg>
+        <pc:picChg chg="add del mod">
+          <ac:chgData name="KAUFMAN Quentin" userId="f44c8c26-e98f-4243-a31c-eda067c79b62" providerId="ADAL" clId="{506DCE55-FBA3-4A67-B0C8-03B8115AC890}" dt="2021-01-26T00:15:46.783" v="1990" actId="478"/>
+          <ac:picMkLst>
+            <pc:docMk/>
+            <pc:sldMk cId="1376869653" sldId="271"/>
+            <ac:picMk id="13314" creationId="{336F41CB-2D08-431B-B7C1-C341F0F94107}"/>
+          </ac:picMkLst>
+        </pc:picChg>
+        <pc:picChg chg="add mod">
+          <ac:chgData name="KAUFMAN Quentin" userId="f44c8c26-e98f-4243-a31c-eda067c79b62" providerId="ADAL" clId="{506DCE55-FBA3-4A67-B0C8-03B8115AC890}" dt="2021-01-26T00:16:06.181" v="1995" actId="1076"/>
+          <ac:picMkLst>
+            <pc:docMk/>
+            <pc:sldMk cId="1376869653" sldId="271"/>
+            <ac:picMk id="13316" creationId="{72543269-728C-4EEB-B255-B49D97BC6F8C}"/>
+          </ac:picMkLst>
+        </pc:picChg>
+      </pc:sldChg>
+      <pc:sldChg chg="addSp delSp modSp add mod">
+        <pc:chgData name="KAUFMAN Quentin" userId="f44c8c26-e98f-4243-a31c-eda067c79b62" providerId="ADAL" clId="{506DCE55-FBA3-4A67-B0C8-03B8115AC890}" dt="2021-01-26T00:11:45.856" v="1968" actId="1076"/>
+        <pc:sldMkLst>
+          <pc:docMk/>
+          <pc:sldMk cId="910655585" sldId="272"/>
+        </pc:sldMkLst>
+        <pc:spChg chg="mod">
+          <ac:chgData name="KAUFMAN Quentin" userId="f44c8c26-e98f-4243-a31c-eda067c79b62" providerId="ADAL" clId="{506DCE55-FBA3-4A67-B0C8-03B8115AC890}" dt="2021-01-26T00:11:26.256" v="1962" actId="20577"/>
+          <ac:spMkLst>
+            <pc:docMk/>
+            <pc:sldMk cId="910655585" sldId="272"/>
+            <ac:spMk id="3" creationId="{44D58449-F6D3-4C65-9B14-E28EA1EA3AE3}"/>
+          </ac:spMkLst>
+        </pc:spChg>
+        <pc:picChg chg="del">
+          <ac:chgData name="KAUFMAN Quentin" userId="f44c8c26-e98f-4243-a31c-eda067c79b62" providerId="ADAL" clId="{506DCE55-FBA3-4A67-B0C8-03B8115AC890}" dt="2021-01-26T00:11:28.595" v="1963" actId="478"/>
+          <ac:picMkLst>
+            <pc:docMk/>
+            <pc:sldMk cId="910655585" sldId="272"/>
+            <ac:picMk id="5" creationId="{47D6DFBD-0FA0-4E66-B1F9-A7FDA729150D}"/>
+          </ac:picMkLst>
+        </pc:picChg>
+        <pc:picChg chg="add mod">
+          <ac:chgData name="KAUFMAN Quentin" userId="f44c8c26-e98f-4243-a31c-eda067c79b62" providerId="ADAL" clId="{506DCE55-FBA3-4A67-B0C8-03B8115AC890}" dt="2021-01-26T00:11:45.856" v="1968" actId="1076"/>
+          <ac:picMkLst>
+            <pc:docMk/>
+            <pc:sldMk cId="910655585" sldId="272"/>
+            <ac:picMk id="6" creationId="{407DA815-0504-49F9-9466-4CF30082DB92}"/>
+          </ac:picMkLst>
+        </pc:picChg>
+      </pc:sldChg>
+      <pc:sldChg chg="addSp delSp modSp add mod">
+        <pc:chgData name="KAUFMAN Quentin" userId="f44c8c26-e98f-4243-a31c-eda067c79b62" providerId="ADAL" clId="{506DCE55-FBA3-4A67-B0C8-03B8115AC890}" dt="2021-01-26T00:12:17.356" v="1980" actId="1076"/>
+        <pc:sldMkLst>
+          <pc:docMk/>
+          <pc:sldMk cId="2081388128" sldId="273"/>
+        </pc:sldMkLst>
+        <pc:spChg chg="mod">
+          <ac:chgData name="KAUFMAN Quentin" userId="f44c8c26-e98f-4243-a31c-eda067c79b62" providerId="ADAL" clId="{506DCE55-FBA3-4A67-B0C8-03B8115AC890}" dt="2021-01-26T00:12:06.218" v="1976" actId="20577"/>
+          <ac:spMkLst>
+            <pc:docMk/>
+            <pc:sldMk cId="2081388128" sldId="273"/>
+            <ac:spMk id="3" creationId="{44D58449-F6D3-4C65-9B14-E28EA1EA3AE3}"/>
+          </ac:spMkLst>
+        </pc:spChg>
+        <pc:picChg chg="del">
+          <ac:chgData name="KAUFMAN Quentin" userId="f44c8c26-e98f-4243-a31c-eda067c79b62" providerId="ADAL" clId="{506DCE55-FBA3-4A67-B0C8-03B8115AC890}" dt="2021-01-26T00:11:52.085" v="1969" actId="478"/>
+          <ac:picMkLst>
+            <pc:docMk/>
+            <pc:sldMk cId="2081388128" sldId="273"/>
+            <ac:picMk id="5" creationId="{47D6DFBD-0FA0-4E66-B1F9-A7FDA729150D}"/>
+          </ac:picMkLst>
+        </pc:picChg>
+        <pc:picChg chg="add mod">
+          <ac:chgData name="KAUFMAN Quentin" userId="f44c8c26-e98f-4243-a31c-eda067c79b62" providerId="ADAL" clId="{506DCE55-FBA3-4A67-B0C8-03B8115AC890}" dt="2021-01-26T00:12:17.356" v="1980" actId="1076"/>
+          <ac:picMkLst>
+            <pc:docMk/>
+            <pc:sldMk cId="2081388128" sldId="273"/>
+            <ac:picMk id="6" creationId="{E3869ED5-D178-4ECF-8157-F7C1BB516232}"/>
+          </ac:picMkLst>
+        </pc:picChg>
+      </pc:sldChg>
+    </pc:docChg>
+  </pc:docChgLst>
+</pc:chgInfo>
 </file>
 
 <file path=ppt/slideLayouts/slideLayout1.xml><?xml version="1.0" encoding="utf-8"?>
@@ -3337,12 +4295,29 @@
             <p:ph type="ctrTitle"/>
           </p:nvPr>
         </p:nvSpPr>
-        <p:spPr/>
+        <p:spPr>
+          <a:xfrm>
+            <a:off x="0" y="0"/>
+            <a:ext cx="12192000" cy="1031631"/>
+          </a:xfrm>
+          <a:solidFill>
+            <a:srgbClr val="0070C0">
+              <a:alpha val="52000"/>
+            </a:srgbClr>
+          </a:solidFill>
+        </p:spPr>
         <p:txBody>
           <a:bodyPr/>
           <a:lstStyle/>
           <a:p>
-            <a:endParaRPr lang="fr-FR"/>
+            <a:r>
+              <a:rPr lang="fr-FR" dirty="0">
+                <a:solidFill>
+                  <a:schemeClr val="bg1"/>
+                </a:solidFill>
+              </a:rPr>
+              <a:t>Mini-projet : Coloration de graphe</a:t>
+            </a:r>
           </a:p>
         </p:txBody>
       </p:sp>
@@ -3362,19 +4337,4128 @@
             <p:ph type="subTitle" idx="1"/>
           </p:nvPr>
         </p:nvSpPr>
-        <p:spPr/>
-        <p:txBody>
-          <a:bodyPr/>
-          <a:lstStyle/>
-          <a:p>
-            <a:endParaRPr lang="fr-FR"/>
-          </a:p>
-        </p:txBody>
-      </p:sp>
+        <p:spPr>
+          <a:xfrm>
+            <a:off x="0" y="1169196"/>
+            <a:ext cx="12192000" cy="640940"/>
+          </a:xfrm>
+        </p:spPr>
+        <p:txBody>
+          <a:bodyPr>
+            <a:normAutofit/>
+          </a:bodyPr>
+          <a:lstStyle/>
+          <a:p>
+            <a:r>
+              <a:rPr lang="fr-FR" sz="3200" dirty="0"/>
+              <a:t>Le projet </a:t>
+            </a:r>
+          </a:p>
+        </p:txBody>
+      </p:sp>
+      <p:pic>
+        <p:nvPicPr>
+          <p:cNvPr id="4" name="Image 3">
+            <a:extLst>
+              <a:ext uri="{FF2B5EF4-FFF2-40B4-BE49-F238E27FC236}">
+                <a16:creationId xmlns:a16="http://schemas.microsoft.com/office/drawing/2014/main" id="{617F49F3-2DD1-4F8E-8C90-981CB4D6A0EE}"/>
+              </a:ext>
+            </a:extLst>
+          </p:cNvPr>
+          <p:cNvPicPr>
+            <a:picLocks noChangeAspect="1"/>
+          </p:cNvPicPr>
+          <p:nvPr/>
+        </p:nvPicPr>
+        <p:blipFill rotWithShape="1">
+          <a:blip r:embed="rId2"/>
+          <a:srcRect l="1703" r="4390"/>
+          <a:stretch/>
+        </p:blipFill>
+        <p:spPr>
+          <a:xfrm>
+            <a:off x="3975887" y="2063262"/>
+            <a:ext cx="4240226" cy="4277937"/>
+          </a:xfrm>
+          <a:prstGeom prst="rect">
+            <a:avLst/>
+          </a:prstGeom>
+          <a:ln>
+            <a:noFill/>
+          </a:ln>
+          <a:effectLst>
+            <a:outerShdw blurRad="292100" dist="139700" dir="2700000" algn="tl" rotWithShape="0">
+              <a:srgbClr val="333333">
+                <a:alpha val="65000"/>
+              </a:srgbClr>
+            </a:outerShdw>
+          </a:effectLst>
+        </p:spPr>
+      </p:pic>
     </p:spTree>
     <p:extLst>
       <p:ext uri="{BB962C8B-B14F-4D97-AF65-F5344CB8AC3E}">
         <p14:creationId xmlns:p14="http://schemas.microsoft.com/office/powerpoint/2010/main" val="3203228779"/>
+      </p:ext>
+    </p:extLst>
+  </p:cSld>
+  <p:clrMapOvr>
+    <a:masterClrMapping/>
+  </p:clrMapOvr>
+</p:sld>
+</file>
+
+<file path=ppt/slides/slide10.xml><?xml version="1.0" encoding="utf-8"?>
+<p:sld xmlns:a="http://schemas.openxmlformats.org/drawingml/2006/main" xmlns:r="http://schemas.openxmlformats.org/officeDocument/2006/relationships" xmlns:p="http://schemas.openxmlformats.org/presentationml/2006/main">
+  <p:cSld>
+    <p:spTree>
+      <p:nvGrpSpPr>
+        <p:cNvPr id="1" name=""/>
+        <p:cNvGrpSpPr/>
+        <p:nvPr/>
+      </p:nvGrpSpPr>
+      <p:grpSpPr>
+        <a:xfrm>
+          <a:off x="0" y="0"/>
+          <a:ext cx="0" cy="0"/>
+          <a:chOff x="0" y="0"/>
+          <a:chExt cx="0" cy="0"/>
+        </a:xfrm>
+      </p:grpSpPr>
+      <p:sp>
+        <p:nvSpPr>
+          <p:cNvPr id="2" name="Titre 1">
+            <a:extLst>
+              <a:ext uri="{FF2B5EF4-FFF2-40B4-BE49-F238E27FC236}">
+                <a16:creationId xmlns:a16="http://schemas.microsoft.com/office/drawing/2014/main" id="{279E3435-A935-4487-8F61-B0D9C64CDA2A}"/>
+              </a:ext>
+            </a:extLst>
+          </p:cNvPr>
+          <p:cNvSpPr>
+            <a:spLocks noGrp="1"/>
+          </p:cNvSpPr>
+          <p:nvPr>
+            <p:ph type="ctrTitle"/>
+          </p:nvPr>
+        </p:nvSpPr>
+        <p:spPr>
+          <a:xfrm>
+            <a:off x="0" y="0"/>
+            <a:ext cx="12192000" cy="1031631"/>
+          </a:xfrm>
+          <a:solidFill>
+            <a:srgbClr val="0070C0">
+              <a:alpha val="52000"/>
+            </a:srgbClr>
+          </a:solidFill>
+        </p:spPr>
+        <p:txBody>
+          <a:bodyPr/>
+          <a:lstStyle/>
+          <a:p>
+            <a:r>
+              <a:rPr lang="fr-FR" dirty="0">
+                <a:solidFill>
+                  <a:schemeClr val="bg1"/>
+                </a:solidFill>
+              </a:rPr>
+              <a:t>Mini-projet : Coloration de graphe</a:t>
+            </a:r>
+          </a:p>
+        </p:txBody>
+      </p:sp>
+      <p:sp>
+        <p:nvSpPr>
+          <p:cNvPr id="3" name="Sous-titre 2">
+            <a:extLst>
+              <a:ext uri="{FF2B5EF4-FFF2-40B4-BE49-F238E27FC236}">
+                <a16:creationId xmlns:a16="http://schemas.microsoft.com/office/drawing/2014/main" id="{44D58449-F6D3-4C65-9B14-E28EA1EA3AE3}"/>
+              </a:ext>
+            </a:extLst>
+          </p:cNvPr>
+          <p:cNvSpPr>
+            <a:spLocks noGrp="1"/>
+          </p:cNvSpPr>
+          <p:nvPr>
+            <p:ph type="subTitle" idx="1"/>
+          </p:nvPr>
+        </p:nvSpPr>
+        <p:spPr>
+          <a:xfrm>
+            <a:off x="0" y="1169196"/>
+            <a:ext cx="12192000" cy="640940"/>
+          </a:xfrm>
+        </p:spPr>
+        <p:txBody>
+          <a:bodyPr>
+            <a:normAutofit/>
+          </a:bodyPr>
+          <a:lstStyle/>
+          <a:p>
+            <a:r>
+              <a:rPr lang="fr-FR" sz="3200" dirty="0"/>
+              <a:t>Résultats : 2-Coloration (Complexe)</a:t>
+            </a:r>
+          </a:p>
+        </p:txBody>
+      </p:sp>
+      <p:pic>
+        <p:nvPicPr>
+          <p:cNvPr id="5" name="Image 4">
+            <a:extLst>
+              <a:ext uri="{FF2B5EF4-FFF2-40B4-BE49-F238E27FC236}">
+                <a16:creationId xmlns:a16="http://schemas.microsoft.com/office/drawing/2014/main" id="{BC1F8844-ACEF-44CD-A539-B8C5A3649F42}"/>
+              </a:ext>
+            </a:extLst>
+          </p:cNvPr>
+          <p:cNvPicPr>
+            <a:picLocks noChangeAspect="1"/>
+          </p:cNvPicPr>
+          <p:nvPr/>
+        </p:nvPicPr>
+        <p:blipFill>
+          <a:blip r:embed="rId2">
+            <a:extLst>
+              <a:ext uri="{28A0092B-C50C-407E-A947-70E740481C1C}">
+                <a14:useLocalDpi xmlns:a14="http://schemas.microsoft.com/office/drawing/2010/main" val="0"/>
+              </a:ext>
+            </a:extLst>
+          </a:blip>
+          <a:stretch>
+            <a:fillRect/>
+          </a:stretch>
+        </p:blipFill>
+        <p:spPr>
+          <a:xfrm>
+            <a:off x="3020303" y="2090737"/>
+            <a:ext cx="6151394" cy="4100929"/>
+          </a:xfrm>
+          <a:prstGeom prst="rect">
+            <a:avLst/>
+          </a:prstGeom>
+        </p:spPr>
+      </p:pic>
+    </p:spTree>
+    <p:extLst>
+      <p:ext uri="{BB962C8B-B14F-4D97-AF65-F5344CB8AC3E}">
+        <p14:creationId xmlns:p14="http://schemas.microsoft.com/office/powerpoint/2010/main" val="1867919913"/>
+      </p:ext>
+    </p:extLst>
+  </p:cSld>
+  <p:clrMapOvr>
+    <a:masterClrMapping/>
+  </p:clrMapOvr>
+</p:sld>
+</file>
+
+<file path=ppt/slides/slide11.xml><?xml version="1.0" encoding="utf-8"?>
+<p:sld xmlns:a="http://schemas.openxmlformats.org/drawingml/2006/main" xmlns:r="http://schemas.openxmlformats.org/officeDocument/2006/relationships" xmlns:p="http://schemas.openxmlformats.org/presentationml/2006/main">
+  <p:cSld>
+    <p:spTree>
+      <p:nvGrpSpPr>
+        <p:cNvPr id="1" name=""/>
+        <p:cNvGrpSpPr/>
+        <p:nvPr/>
+      </p:nvGrpSpPr>
+      <p:grpSpPr>
+        <a:xfrm>
+          <a:off x="0" y="0"/>
+          <a:ext cx="0" cy="0"/>
+          <a:chOff x="0" y="0"/>
+          <a:chExt cx="0" cy="0"/>
+        </a:xfrm>
+      </p:grpSpPr>
+      <p:sp>
+        <p:nvSpPr>
+          <p:cNvPr id="2" name="Titre 1">
+            <a:extLst>
+              <a:ext uri="{FF2B5EF4-FFF2-40B4-BE49-F238E27FC236}">
+                <a16:creationId xmlns:a16="http://schemas.microsoft.com/office/drawing/2014/main" id="{279E3435-A935-4487-8F61-B0D9C64CDA2A}"/>
+              </a:ext>
+            </a:extLst>
+          </p:cNvPr>
+          <p:cNvSpPr>
+            <a:spLocks noGrp="1"/>
+          </p:cNvSpPr>
+          <p:nvPr>
+            <p:ph type="ctrTitle"/>
+          </p:nvPr>
+        </p:nvSpPr>
+        <p:spPr>
+          <a:xfrm>
+            <a:off x="0" y="0"/>
+            <a:ext cx="12192000" cy="1031631"/>
+          </a:xfrm>
+          <a:solidFill>
+            <a:srgbClr val="0070C0">
+              <a:alpha val="52000"/>
+            </a:srgbClr>
+          </a:solidFill>
+        </p:spPr>
+        <p:txBody>
+          <a:bodyPr/>
+          <a:lstStyle/>
+          <a:p>
+            <a:r>
+              <a:rPr lang="fr-FR" dirty="0">
+                <a:solidFill>
+                  <a:schemeClr val="bg1"/>
+                </a:solidFill>
+              </a:rPr>
+              <a:t>Mini-projet : Coloration de graphe</a:t>
+            </a:r>
+          </a:p>
+        </p:txBody>
+      </p:sp>
+      <p:sp>
+        <p:nvSpPr>
+          <p:cNvPr id="3" name="Sous-titre 2">
+            <a:extLst>
+              <a:ext uri="{FF2B5EF4-FFF2-40B4-BE49-F238E27FC236}">
+                <a16:creationId xmlns:a16="http://schemas.microsoft.com/office/drawing/2014/main" id="{44D58449-F6D3-4C65-9B14-E28EA1EA3AE3}"/>
+              </a:ext>
+            </a:extLst>
+          </p:cNvPr>
+          <p:cNvSpPr>
+            <a:spLocks noGrp="1"/>
+          </p:cNvSpPr>
+          <p:nvPr>
+            <p:ph type="subTitle" idx="1"/>
+          </p:nvPr>
+        </p:nvSpPr>
+        <p:spPr>
+          <a:xfrm>
+            <a:off x="0" y="1169196"/>
+            <a:ext cx="12192000" cy="640940"/>
+          </a:xfrm>
+        </p:spPr>
+        <p:txBody>
+          <a:bodyPr>
+            <a:normAutofit/>
+          </a:bodyPr>
+          <a:lstStyle/>
+          <a:p>
+            <a:r>
+              <a:rPr lang="fr-FR" sz="3200" dirty="0"/>
+              <a:t>Résultats : 2-Coloration (échec)</a:t>
+            </a:r>
+          </a:p>
+        </p:txBody>
+      </p:sp>
+      <p:pic>
+        <p:nvPicPr>
+          <p:cNvPr id="7" name="Image 6">
+            <a:extLst>
+              <a:ext uri="{FF2B5EF4-FFF2-40B4-BE49-F238E27FC236}">
+                <a16:creationId xmlns:a16="http://schemas.microsoft.com/office/drawing/2014/main" id="{69ECBC85-5B43-4CAB-8BDE-7F4907BA8866}"/>
+              </a:ext>
+            </a:extLst>
+          </p:cNvPr>
+          <p:cNvPicPr>
+            <a:picLocks noChangeAspect="1"/>
+          </p:cNvPicPr>
+          <p:nvPr/>
+        </p:nvPicPr>
+        <p:blipFill>
+          <a:blip r:embed="rId2">
+            <a:extLst>
+              <a:ext uri="{28A0092B-C50C-407E-A947-70E740481C1C}">
+                <a14:useLocalDpi xmlns:a14="http://schemas.microsoft.com/office/drawing/2010/main" val="0"/>
+              </a:ext>
+            </a:extLst>
+          </a:blip>
+          <a:stretch>
+            <a:fillRect/>
+          </a:stretch>
+        </p:blipFill>
+        <p:spPr>
+          <a:xfrm>
+            <a:off x="2992919" y="2090320"/>
+            <a:ext cx="6206162" cy="4137441"/>
+          </a:xfrm>
+          <a:prstGeom prst="rect">
+            <a:avLst/>
+          </a:prstGeom>
+        </p:spPr>
+      </p:pic>
+    </p:spTree>
+    <p:extLst>
+      <p:ext uri="{BB962C8B-B14F-4D97-AF65-F5344CB8AC3E}">
+        <p14:creationId xmlns:p14="http://schemas.microsoft.com/office/powerpoint/2010/main" val="1655905688"/>
+      </p:ext>
+    </p:extLst>
+  </p:cSld>
+  <p:clrMapOvr>
+    <a:masterClrMapping/>
+  </p:clrMapOvr>
+</p:sld>
+</file>
+
+<file path=ppt/slides/slide12.xml><?xml version="1.0" encoding="utf-8"?>
+<p:sld xmlns:a="http://schemas.openxmlformats.org/drawingml/2006/main" xmlns:r="http://schemas.openxmlformats.org/officeDocument/2006/relationships" xmlns:p="http://schemas.openxmlformats.org/presentationml/2006/main">
+  <p:cSld>
+    <p:spTree>
+      <p:nvGrpSpPr>
+        <p:cNvPr id="1" name=""/>
+        <p:cNvGrpSpPr/>
+        <p:nvPr/>
+      </p:nvGrpSpPr>
+      <p:grpSpPr>
+        <a:xfrm>
+          <a:off x="0" y="0"/>
+          <a:ext cx="0" cy="0"/>
+          <a:chOff x="0" y="0"/>
+          <a:chExt cx="0" cy="0"/>
+        </a:xfrm>
+      </p:grpSpPr>
+      <p:sp>
+        <p:nvSpPr>
+          <p:cNvPr id="2" name="Titre 1">
+            <a:extLst>
+              <a:ext uri="{FF2B5EF4-FFF2-40B4-BE49-F238E27FC236}">
+                <a16:creationId xmlns:a16="http://schemas.microsoft.com/office/drawing/2014/main" id="{279E3435-A935-4487-8F61-B0D9C64CDA2A}"/>
+              </a:ext>
+            </a:extLst>
+          </p:cNvPr>
+          <p:cNvSpPr>
+            <a:spLocks noGrp="1"/>
+          </p:cNvSpPr>
+          <p:nvPr>
+            <p:ph type="ctrTitle"/>
+          </p:nvPr>
+        </p:nvSpPr>
+        <p:spPr>
+          <a:xfrm>
+            <a:off x="0" y="0"/>
+            <a:ext cx="12192000" cy="1031631"/>
+          </a:xfrm>
+          <a:solidFill>
+            <a:srgbClr val="0070C0">
+              <a:alpha val="52000"/>
+            </a:srgbClr>
+          </a:solidFill>
+        </p:spPr>
+        <p:txBody>
+          <a:bodyPr/>
+          <a:lstStyle/>
+          <a:p>
+            <a:r>
+              <a:rPr lang="fr-FR" dirty="0">
+                <a:solidFill>
+                  <a:schemeClr val="bg1"/>
+                </a:solidFill>
+              </a:rPr>
+              <a:t>Mini-projet : Coloration de graphe</a:t>
+            </a:r>
+          </a:p>
+        </p:txBody>
+      </p:sp>
+      <p:sp>
+        <p:nvSpPr>
+          <p:cNvPr id="3" name="Sous-titre 2">
+            <a:extLst>
+              <a:ext uri="{FF2B5EF4-FFF2-40B4-BE49-F238E27FC236}">
+                <a16:creationId xmlns:a16="http://schemas.microsoft.com/office/drawing/2014/main" id="{44D58449-F6D3-4C65-9B14-E28EA1EA3AE3}"/>
+              </a:ext>
+            </a:extLst>
+          </p:cNvPr>
+          <p:cNvSpPr>
+            <a:spLocks noGrp="1"/>
+          </p:cNvSpPr>
+          <p:nvPr>
+            <p:ph type="subTitle" idx="1"/>
+          </p:nvPr>
+        </p:nvSpPr>
+        <p:spPr>
+          <a:xfrm>
+            <a:off x="0" y="1169196"/>
+            <a:ext cx="12192000" cy="640940"/>
+          </a:xfrm>
+        </p:spPr>
+        <p:txBody>
+          <a:bodyPr>
+            <a:normAutofit/>
+          </a:bodyPr>
+          <a:lstStyle/>
+          <a:p>
+            <a:r>
+              <a:rPr lang="fr-FR" sz="3200" dirty="0"/>
+              <a:t>Résultats : 3-Coloration (simple)</a:t>
+            </a:r>
+          </a:p>
+        </p:txBody>
+      </p:sp>
+      <p:pic>
+        <p:nvPicPr>
+          <p:cNvPr id="5" name="Image 4">
+            <a:extLst>
+              <a:ext uri="{FF2B5EF4-FFF2-40B4-BE49-F238E27FC236}">
+                <a16:creationId xmlns:a16="http://schemas.microsoft.com/office/drawing/2014/main" id="{47D6DFBD-0FA0-4E66-B1F9-A7FDA729150D}"/>
+              </a:ext>
+            </a:extLst>
+          </p:cNvPr>
+          <p:cNvPicPr>
+            <a:picLocks noChangeAspect="1"/>
+          </p:cNvPicPr>
+          <p:nvPr/>
+        </p:nvPicPr>
+        <p:blipFill>
+          <a:blip r:embed="rId2">
+            <a:extLst>
+              <a:ext uri="{28A0092B-C50C-407E-A947-70E740481C1C}">
+                <a14:useLocalDpi xmlns:a14="http://schemas.microsoft.com/office/drawing/2010/main" val="0"/>
+              </a:ext>
+            </a:extLst>
+          </a:blip>
+          <a:stretch>
+            <a:fillRect/>
+          </a:stretch>
+        </p:blipFill>
+        <p:spPr>
+          <a:xfrm>
+            <a:off x="2956008" y="2161758"/>
+            <a:ext cx="6279983" cy="4186655"/>
+          </a:xfrm>
+          <a:prstGeom prst="rect">
+            <a:avLst/>
+          </a:prstGeom>
+        </p:spPr>
+      </p:pic>
+    </p:spTree>
+    <p:extLst>
+      <p:ext uri="{BB962C8B-B14F-4D97-AF65-F5344CB8AC3E}">
+        <p14:creationId xmlns:p14="http://schemas.microsoft.com/office/powerpoint/2010/main" val="3765266718"/>
+      </p:ext>
+    </p:extLst>
+  </p:cSld>
+  <p:clrMapOvr>
+    <a:masterClrMapping/>
+  </p:clrMapOvr>
+</p:sld>
+</file>
+
+<file path=ppt/slides/slide13.xml><?xml version="1.0" encoding="utf-8"?>
+<p:sld xmlns:a="http://schemas.openxmlformats.org/drawingml/2006/main" xmlns:r="http://schemas.openxmlformats.org/officeDocument/2006/relationships" xmlns:p="http://schemas.openxmlformats.org/presentationml/2006/main">
+  <p:cSld>
+    <p:spTree>
+      <p:nvGrpSpPr>
+        <p:cNvPr id="1" name=""/>
+        <p:cNvGrpSpPr/>
+        <p:nvPr/>
+      </p:nvGrpSpPr>
+      <p:grpSpPr>
+        <a:xfrm>
+          <a:off x="0" y="0"/>
+          <a:ext cx="0" cy="0"/>
+          <a:chOff x="0" y="0"/>
+          <a:chExt cx="0" cy="0"/>
+        </a:xfrm>
+      </p:grpSpPr>
+      <p:sp>
+        <p:nvSpPr>
+          <p:cNvPr id="2" name="Titre 1">
+            <a:extLst>
+              <a:ext uri="{FF2B5EF4-FFF2-40B4-BE49-F238E27FC236}">
+                <a16:creationId xmlns:a16="http://schemas.microsoft.com/office/drawing/2014/main" id="{279E3435-A935-4487-8F61-B0D9C64CDA2A}"/>
+              </a:ext>
+            </a:extLst>
+          </p:cNvPr>
+          <p:cNvSpPr>
+            <a:spLocks noGrp="1"/>
+          </p:cNvSpPr>
+          <p:nvPr>
+            <p:ph type="ctrTitle"/>
+          </p:nvPr>
+        </p:nvSpPr>
+        <p:spPr>
+          <a:xfrm>
+            <a:off x="0" y="0"/>
+            <a:ext cx="12192000" cy="1031631"/>
+          </a:xfrm>
+          <a:solidFill>
+            <a:srgbClr val="0070C0">
+              <a:alpha val="52000"/>
+            </a:srgbClr>
+          </a:solidFill>
+        </p:spPr>
+        <p:txBody>
+          <a:bodyPr/>
+          <a:lstStyle/>
+          <a:p>
+            <a:r>
+              <a:rPr lang="fr-FR" dirty="0">
+                <a:solidFill>
+                  <a:schemeClr val="bg1"/>
+                </a:solidFill>
+              </a:rPr>
+              <a:t>Mini-projet : Coloration de graphe</a:t>
+            </a:r>
+          </a:p>
+        </p:txBody>
+      </p:sp>
+      <p:sp>
+        <p:nvSpPr>
+          <p:cNvPr id="3" name="Sous-titre 2">
+            <a:extLst>
+              <a:ext uri="{FF2B5EF4-FFF2-40B4-BE49-F238E27FC236}">
+                <a16:creationId xmlns:a16="http://schemas.microsoft.com/office/drawing/2014/main" id="{44D58449-F6D3-4C65-9B14-E28EA1EA3AE3}"/>
+              </a:ext>
+            </a:extLst>
+          </p:cNvPr>
+          <p:cNvSpPr>
+            <a:spLocks noGrp="1"/>
+          </p:cNvSpPr>
+          <p:nvPr>
+            <p:ph type="subTitle" idx="1"/>
+          </p:nvPr>
+        </p:nvSpPr>
+        <p:spPr>
+          <a:xfrm>
+            <a:off x="0" y="1169196"/>
+            <a:ext cx="12192000" cy="640940"/>
+          </a:xfrm>
+        </p:spPr>
+        <p:txBody>
+          <a:bodyPr>
+            <a:normAutofit/>
+          </a:bodyPr>
+          <a:lstStyle/>
+          <a:p>
+            <a:r>
+              <a:rPr lang="fr-FR" sz="3200" dirty="0"/>
+              <a:t>Résultats : 3-Coloration (Complexe)</a:t>
+            </a:r>
+          </a:p>
+        </p:txBody>
+      </p:sp>
+      <p:pic>
+        <p:nvPicPr>
+          <p:cNvPr id="13316" name="Picture 4">
+            <a:extLst>
+              <a:ext uri="{FF2B5EF4-FFF2-40B4-BE49-F238E27FC236}">
+                <a16:creationId xmlns:a16="http://schemas.microsoft.com/office/drawing/2014/main" id="{72543269-728C-4EEB-B255-B49D97BC6F8C}"/>
+              </a:ext>
+            </a:extLst>
+          </p:cNvPr>
+          <p:cNvPicPr>
+            <a:picLocks noChangeAspect="1" noChangeArrowheads="1"/>
+          </p:cNvPicPr>
+          <p:nvPr/>
+        </p:nvPicPr>
+        <p:blipFill>
+          <a:blip r:embed="rId2">
+            <a:extLst>
+              <a:ext uri="{28A0092B-C50C-407E-A947-70E740481C1C}">
+                <a14:useLocalDpi xmlns:a14="http://schemas.microsoft.com/office/drawing/2010/main" val="0"/>
+              </a:ext>
+            </a:extLst>
+          </a:blip>
+          <a:srcRect/>
+          <a:stretch>
+            <a:fillRect/>
+          </a:stretch>
+        </p:blipFill>
+        <p:spPr bwMode="auto">
+          <a:xfrm>
+            <a:off x="3059906" y="2143126"/>
+            <a:ext cx="6072187" cy="4048124"/>
+          </a:xfrm>
+          <a:prstGeom prst="rect">
+            <a:avLst/>
+          </a:prstGeom>
+          <a:noFill/>
+          <a:extLst>
+            <a:ext uri="{909E8E84-426E-40DD-AFC4-6F175D3DCCD1}">
+              <a14:hiddenFill xmlns:a14="http://schemas.microsoft.com/office/drawing/2010/main">
+                <a:solidFill>
+                  <a:srgbClr val="FFFFFF"/>
+                </a:solidFill>
+              </a14:hiddenFill>
+            </a:ext>
+          </a:extLst>
+        </p:spPr>
+      </p:pic>
+    </p:spTree>
+    <p:extLst>
+      <p:ext uri="{BB962C8B-B14F-4D97-AF65-F5344CB8AC3E}">
+        <p14:creationId xmlns:p14="http://schemas.microsoft.com/office/powerpoint/2010/main" val="1376869653"/>
+      </p:ext>
+    </p:extLst>
+  </p:cSld>
+  <p:clrMapOvr>
+    <a:masterClrMapping/>
+  </p:clrMapOvr>
+</p:sld>
+</file>
+
+<file path=ppt/slides/slide14.xml><?xml version="1.0" encoding="utf-8"?>
+<p:sld xmlns:a="http://schemas.openxmlformats.org/drawingml/2006/main" xmlns:r="http://schemas.openxmlformats.org/officeDocument/2006/relationships" xmlns:p="http://schemas.openxmlformats.org/presentationml/2006/main">
+  <p:cSld>
+    <p:spTree>
+      <p:nvGrpSpPr>
+        <p:cNvPr id="1" name=""/>
+        <p:cNvGrpSpPr/>
+        <p:nvPr/>
+      </p:nvGrpSpPr>
+      <p:grpSpPr>
+        <a:xfrm>
+          <a:off x="0" y="0"/>
+          <a:ext cx="0" cy="0"/>
+          <a:chOff x="0" y="0"/>
+          <a:chExt cx="0" cy="0"/>
+        </a:xfrm>
+      </p:grpSpPr>
+      <p:sp>
+        <p:nvSpPr>
+          <p:cNvPr id="2" name="Titre 1">
+            <a:extLst>
+              <a:ext uri="{FF2B5EF4-FFF2-40B4-BE49-F238E27FC236}">
+                <a16:creationId xmlns:a16="http://schemas.microsoft.com/office/drawing/2014/main" id="{279E3435-A935-4487-8F61-B0D9C64CDA2A}"/>
+              </a:ext>
+            </a:extLst>
+          </p:cNvPr>
+          <p:cNvSpPr>
+            <a:spLocks noGrp="1"/>
+          </p:cNvSpPr>
+          <p:nvPr>
+            <p:ph type="ctrTitle"/>
+          </p:nvPr>
+        </p:nvSpPr>
+        <p:spPr>
+          <a:xfrm>
+            <a:off x="0" y="0"/>
+            <a:ext cx="12192000" cy="1031631"/>
+          </a:xfrm>
+          <a:solidFill>
+            <a:srgbClr val="0070C0">
+              <a:alpha val="52000"/>
+            </a:srgbClr>
+          </a:solidFill>
+        </p:spPr>
+        <p:txBody>
+          <a:bodyPr/>
+          <a:lstStyle/>
+          <a:p>
+            <a:r>
+              <a:rPr lang="fr-FR" dirty="0">
+                <a:solidFill>
+                  <a:schemeClr val="bg1"/>
+                </a:solidFill>
+              </a:rPr>
+              <a:t>Mini-projet : Coloration de graphe</a:t>
+            </a:r>
+          </a:p>
+        </p:txBody>
+      </p:sp>
+      <p:sp>
+        <p:nvSpPr>
+          <p:cNvPr id="3" name="Sous-titre 2">
+            <a:extLst>
+              <a:ext uri="{FF2B5EF4-FFF2-40B4-BE49-F238E27FC236}">
+                <a16:creationId xmlns:a16="http://schemas.microsoft.com/office/drawing/2014/main" id="{44D58449-F6D3-4C65-9B14-E28EA1EA3AE3}"/>
+              </a:ext>
+            </a:extLst>
+          </p:cNvPr>
+          <p:cNvSpPr>
+            <a:spLocks noGrp="1"/>
+          </p:cNvSpPr>
+          <p:nvPr>
+            <p:ph type="subTitle" idx="1"/>
+          </p:nvPr>
+        </p:nvSpPr>
+        <p:spPr>
+          <a:xfrm>
+            <a:off x="0" y="1169196"/>
+            <a:ext cx="12192000" cy="640940"/>
+          </a:xfrm>
+        </p:spPr>
+        <p:txBody>
+          <a:bodyPr>
+            <a:normAutofit/>
+          </a:bodyPr>
+          <a:lstStyle/>
+          <a:p>
+            <a:r>
+              <a:rPr lang="fr-FR" sz="3200" dirty="0"/>
+              <a:t>Résultats : 3-Coloration (</a:t>
+            </a:r>
+            <a:r>
+              <a:rPr lang="fr-FR" sz="3200" dirty="0" err="1"/>
+              <a:t>echec</a:t>
+            </a:r>
+            <a:r>
+              <a:rPr lang="fr-FR" sz="3200" dirty="0"/>
+              <a:t>)</a:t>
+            </a:r>
+          </a:p>
+        </p:txBody>
+      </p:sp>
+      <p:pic>
+        <p:nvPicPr>
+          <p:cNvPr id="6" name="Image 5">
+            <a:extLst>
+              <a:ext uri="{FF2B5EF4-FFF2-40B4-BE49-F238E27FC236}">
+                <a16:creationId xmlns:a16="http://schemas.microsoft.com/office/drawing/2014/main" id="{407DA815-0504-49F9-9466-4CF30082DB92}"/>
+              </a:ext>
+            </a:extLst>
+          </p:cNvPr>
+          <p:cNvPicPr>
+            <a:picLocks noChangeAspect="1"/>
+          </p:cNvPicPr>
+          <p:nvPr/>
+        </p:nvPicPr>
+        <p:blipFill>
+          <a:blip r:embed="rId2">
+            <a:extLst>
+              <a:ext uri="{28A0092B-C50C-407E-A947-70E740481C1C}">
+                <a14:useLocalDpi xmlns:a14="http://schemas.microsoft.com/office/drawing/2010/main" val="0"/>
+              </a:ext>
+            </a:extLst>
+          </a:blip>
+          <a:stretch>
+            <a:fillRect/>
+          </a:stretch>
+        </p:blipFill>
+        <p:spPr>
+          <a:xfrm>
+            <a:off x="2834756" y="1885789"/>
+            <a:ext cx="6522487" cy="4348324"/>
+          </a:xfrm>
+          <a:prstGeom prst="rect">
+            <a:avLst/>
+          </a:prstGeom>
+        </p:spPr>
+      </p:pic>
+    </p:spTree>
+    <p:extLst>
+      <p:ext uri="{BB962C8B-B14F-4D97-AF65-F5344CB8AC3E}">
+        <p14:creationId xmlns:p14="http://schemas.microsoft.com/office/powerpoint/2010/main" val="910655585"/>
+      </p:ext>
+    </p:extLst>
+  </p:cSld>
+  <p:clrMapOvr>
+    <a:masterClrMapping/>
+  </p:clrMapOvr>
+</p:sld>
+</file>
+
+<file path=ppt/slides/slide15.xml><?xml version="1.0" encoding="utf-8"?>
+<p:sld xmlns:a="http://schemas.openxmlformats.org/drawingml/2006/main" xmlns:r="http://schemas.openxmlformats.org/officeDocument/2006/relationships" xmlns:p="http://schemas.openxmlformats.org/presentationml/2006/main">
+  <p:cSld>
+    <p:spTree>
+      <p:nvGrpSpPr>
+        <p:cNvPr id="1" name=""/>
+        <p:cNvGrpSpPr/>
+        <p:nvPr/>
+      </p:nvGrpSpPr>
+      <p:grpSpPr>
+        <a:xfrm>
+          <a:off x="0" y="0"/>
+          <a:ext cx="0" cy="0"/>
+          <a:chOff x="0" y="0"/>
+          <a:chExt cx="0" cy="0"/>
+        </a:xfrm>
+      </p:grpSpPr>
+      <p:sp>
+        <p:nvSpPr>
+          <p:cNvPr id="2" name="Titre 1">
+            <a:extLst>
+              <a:ext uri="{FF2B5EF4-FFF2-40B4-BE49-F238E27FC236}">
+                <a16:creationId xmlns:a16="http://schemas.microsoft.com/office/drawing/2014/main" id="{279E3435-A935-4487-8F61-B0D9C64CDA2A}"/>
+              </a:ext>
+            </a:extLst>
+          </p:cNvPr>
+          <p:cNvSpPr>
+            <a:spLocks noGrp="1"/>
+          </p:cNvSpPr>
+          <p:nvPr>
+            <p:ph type="ctrTitle"/>
+          </p:nvPr>
+        </p:nvSpPr>
+        <p:spPr>
+          <a:xfrm>
+            <a:off x="0" y="0"/>
+            <a:ext cx="12192000" cy="1031631"/>
+          </a:xfrm>
+          <a:solidFill>
+            <a:srgbClr val="0070C0">
+              <a:alpha val="52000"/>
+            </a:srgbClr>
+          </a:solidFill>
+        </p:spPr>
+        <p:txBody>
+          <a:bodyPr/>
+          <a:lstStyle/>
+          <a:p>
+            <a:r>
+              <a:rPr lang="fr-FR" dirty="0">
+                <a:solidFill>
+                  <a:schemeClr val="bg1"/>
+                </a:solidFill>
+              </a:rPr>
+              <a:t>Mini-projet : Coloration de graphe</a:t>
+            </a:r>
+          </a:p>
+        </p:txBody>
+      </p:sp>
+      <p:sp>
+        <p:nvSpPr>
+          <p:cNvPr id="3" name="Sous-titre 2">
+            <a:extLst>
+              <a:ext uri="{FF2B5EF4-FFF2-40B4-BE49-F238E27FC236}">
+                <a16:creationId xmlns:a16="http://schemas.microsoft.com/office/drawing/2014/main" id="{44D58449-F6D3-4C65-9B14-E28EA1EA3AE3}"/>
+              </a:ext>
+            </a:extLst>
+          </p:cNvPr>
+          <p:cNvSpPr>
+            <a:spLocks noGrp="1"/>
+          </p:cNvSpPr>
+          <p:nvPr>
+            <p:ph type="subTitle" idx="1"/>
+          </p:nvPr>
+        </p:nvSpPr>
+        <p:spPr>
+          <a:xfrm>
+            <a:off x="0" y="1169196"/>
+            <a:ext cx="12192000" cy="640940"/>
+          </a:xfrm>
+        </p:spPr>
+        <p:txBody>
+          <a:bodyPr>
+            <a:normAutofit/>
+          </a:bodyPr>
+          <a:lstStyle/>
+          <a:p>
+            <a:r>
+              <a:rPr lang="fr-FR" sz="3200" dirty="0"/>
+              <a:t>Résultats : 6-Coloration</a:t>
+            </a:r>
+          </a:p>
+        </p:txBody>
+      </p:sp>
+      <p:pic>
+        <p:nvPicPr>
+          <p:cNvPr id="6" name="Image 5">
+            <a:extLst>
+              <a:ext uri="{FF2B5EF4-FFF2-40B4-BE49-F238E27FC236}">
+                <a16:creationId xmlns:a16="http://schemas.microsoft.com/office/drawing/2014/main" id="{E3869ED5-D178-4ECF-8157-F7C1BB516232}"/>
+              </a:ext>
+            </a:extLst>
+          </p:cNvPr>
+          <p:cNvPicPr>
+            <a:picLocks noChangeAspect="1"/>
+          </p:cNvPicPr>
+          <p:nvPr/>
+        </p:nvPicPr>
+        <p:blipFill>
+          <a:blip r:embed="rId2">
+            <a:extLst>
+              <a:ext uri="{28A0092B-C50C-407E-A947-70E740481C1C}">
+                <a14:useLocalDpi xmlns:a14="http://schemas.microsoft.com/office/drawing/2010/main" val="0"/>
+              </a:ext>
+            </a:extLst>
+          </a:blip>
+          <a:stretch>
+            <a:fillRect/>
+          </a:stretch>
+        </p:blipFill>
+        <p:spPr>
+          <a:xfrm>
+            <a:off x="2981012" y="2109626"/>
+            <a:ext cx="6229975" cy="4153316"/>
+          </a:xfrm>
+          <a:prstGeom prst="rect">
+            <a:avLst/>
+          </a:prstGeom>
+        </p:spPr>
+      </p:pic>
+    </p:spTree>
+    <p:extLst>
+      <p:ext uri="{BB962C8B-B14F-4D97-AF65-F5344CB8AC3E}">
+        <p14:creationId xmlns:p14="http://schemas.microsoft.com/office/powerpoint/2010/main" val="2081388128"/>
+      </p:ext>
+    </p:extLst>
+  </p:cSld>
+  <p:clrMapOvr>
+    <a:masterClrMapping/>
+  </p:clrMapOvr>
+</p:sld>
+</file>
+
+<file path=ppt/slides/slide16.xml><?xml version="1.0" encoding="utf-8"?>
+<p:sld xmlns:a="http://schemas.openxmlformats.org/drawingml/2006/main" xmlns:r="http://schemas.openxmlformats.org/officeDocument/2006/relationships" xmlns:p="http://schemas.openxmlformats.org/presentationml/2006/main">
+  <p:cSld>
+    <p:spTree>
+      <p:nvGrpSpPr>
+        <p:cNvPr id="1" name=""/>
+        <p:cNvGrpSpPr/>
+        <p:nvPr/>
+      </p:nvGrpSpPr>
+      <p:grpSpPr>
+        <a:xfrm>
+          <a:off x="0" y="0"/>
+          <a:ext cx="0" cy="0"/>
+          <a:chOff x="0" y="0"/>
+          <a:chExt cx="0" cy="0"/>
+        </a:xfrm>
+      </p:grpSpPr>
+      <p:sp>
+        <p:nvSpPr>
+          <p:cNvPr id="2" name="Titre 1">
+            <a:extLst>
+              <a:ext uri="{FF2B5EF4-FFF2-40B4-BE49-F238E27FC236}">
+                <a16:creationId xmlns:a16="http://schemas.microsoft.com/office/drawing/2014/main" id="{279E3435-A935-4487-8F61-B0D9C64CDA2A}"/>
+              </a:ext>
+            </a:extLst>
+          </p:cNvPr>
+          <p:cNvSpPr>
+            <a:spLocks noGrp="1"/>
+          </p:cNvSpPr>
+          <p:nvPr>
+            <p:ph type="ctrTitle"/>
+          </p:nvPr>
+        </p:nvSpPr>
+        <p:spPr>
+          <a:xfrm>
+            <a:off x="0" y="0"/>
+            <a:ext cx="12192000" cy="1031631"/>
+          </a:xfrm>
+          <a:solidFill>
+            <a:srgbClr val="0070C0">
+              <a:alpha val="52000"/>
+            </a:srgbClr>
+          </a:solidFill>
+        </p:spPr>
+        <p:txBody>
+          <a:bodyPr/>
+          <a:lstStyle/>
+          <a:p>
+            <a:r>
+              <a:rPr lang="fr-FR" dirty="0">
+                <a:solidFill>
+                  <a:schemeClr val="bg1"/>
+                </a:solidFill>
+              </a:rPr>
+              <a:t>Mini-projet : Coloration de graphe</a:t>
+            </a:r>
+          </a:p>
+        </p:txBody>
+      </p:sp>
+      <p:sp>
+        <p:nvSpPr>
+          <p:cNvPr id="3" name="Sous-titre 2">
+            <a:extLst>
+              <a:ext uri="{FF2B5EF4-FFF2-40B4-BE49-F238E27FC236}">
+                <a16:creationId xmlns:a16="http://schemas.microsoft.com/office/drawing/2014/main" id="{44D58449-F6D3-4C65-9B14-E28EA1EA3AE3}"/>
+              </a:ext>
+            </a:extLst>
+          </p:cNvPr>
+          <p:cNvSpPr>
+            <a:spLocks noGrp="1"/>
+          </p:cNvSpPr>
+          <p:nvPr>
+            <p:ph type="subTitle" idx="1"/>
+          </p:nvPr>
+        </p:nvSpPr>
+        <p:spPr>
+          <a:xfrm>
+            <a:off x="0" y="1169196"/>
+            <a:ext cx="12192000" cy="640940"/>
+          </a:xfrm>
+        </p:spPr>
+        <p:txBody>
+          <a:bodyPr>
+            <a:normAutofit/>
+          </a:bodyPr>
+          <a:lstStyle/>
+          <a:p>
+            <a:r>
+              <a:rPr lang="fr-FR" sz="3200" dirty="0"/>
+              <a:t>Complexité</a:t>
+            </a:r>
+          </a:p>
+        </p:txBody>
+      </p:sp>
+      <p:sp>
+        <p:nvSpPr>
+          <p:cNvPr id="4" name="ZoneTexte 3">
+            <a:extLst>
+              <a:ext uri="{FF2B5EF4-FFF2-40B4-BE49-F238E27FC236}">
+                <a16:creationId xmlns:a16="http://schemas.microsoft.com/office/drawing/2014/main" id="{A6D1C108-C3F8-4E73-8E04-0AFD5C951738}"/>
+              </a:ext>
+            </a:extLst>
+          </p:cNvPr>
+          <p:cNvSpPr txBox="1"/>
+          <p:nvPr/>
+        </p:nvSpPr>
+        <p:spPr>
+          <a:xfrm>
+            <a:off x="2605088" y="2922806"/>
+            <a:ext cx="5561595" cy="1785104"/>
+          </a:xfrm>
+          <a:prstGeom prst="rect">
+            <a:avLst/>
+          </a:prstGeom>
+          <a:noFill/>
+        </p:spPr>
+        <p:txBody>
+          <a:bodyPr wrap="square" rtlCol="0">
+            <a:spAutoFit/>
+          </a:bodyPr>
+          <a:lstStyle/>
+          <a:p>
+            <a:r>
+              <a:rPr lang="fr-FR" sz="2000" b="1" dirty="0"/>
+              <a:t>Résultats des calculs de complexité :</a:t>
+            </a:r>
+          </a:p>
+          <a:p>
+            <a:endParaRPr lang="fr-FR" dirty="0"/>
+          </a:p>
+          <a:p>
+            <a:pPr marL="285750" indent="-285750">
+              <a:buFont typeface="Arial" panose="020B0604020202020204" pitchFamily="34" charset="0"/>
+              <a:buChar char="•"/>
+            </a:pPr>
+            <a:r>
+              <a:rPr lang="fr-FR" dirty="0"/>
+              <a:t>O(n²) pour tous les algorithmes </a:t>
+            </a:r>
+          </a:p>
+          <a:p>
+            <a:pPr marL="285750" indent="-285750">
+              <a:buFont typeface="Arial" panose="020B0604020202020204" pitchFamily="34" charset="0"/>
+              <a:buChar char="•"/>
+            </a:pPr>
+            <a:r>
+              <a:rPr lang="fr-FR" dirty="0"/>
+              <a:t>O(n*j) pour celui parcourant la demi-matrice</a:t>
+            </a:r>
+          </a:p>
+          <a:p>
+            <a:endParaRPr lang="fr-FR" dirty="0"/>
+          </a:p>
+          <a:p>
+            <a:r>
+              <a:rPr lang="fr-FR" dirty="0"/>
+              <a:t>Conclusion : Complexité polynomiale </a:t>
+            </a:r>
+          </a:p>
+        </p:txBody>
+      </p:sp>
+    </p:spTree>
+    <p:extLst>
+      <p:ext uri="{BB962C8B-B14F-4D97-AF65-F5344CB8AC3E}">
+        <p14:creationId xmlns:p14="http://schemas.microsoft.com/office/powerpoint/2010/main" val="2170675609"/>
+      </p:ext>
+    </p:extLst>
+  </p:cSld>
+  <p:clrMapOvr>
+    <a:masterClrMapping/>
+  </p:clrMapOvr>
+</p:sld>
+</file>
+
+<file path=ppt/slides/slide17.xml><?xml version="1.0" encoding="utf-8"?>
+<p:sld xmlns:a="http://schemas.openxmlformats.org/drawingml/2006/main" xmlns:r="http://schemas.openxmlformats.org/officeDocument/2006/relationships" xmlns:p="http://schemas.openxmlformats.org/presentationml/2006/main">
+  <p:cSld>
+    <p:spTree>
+      <p:nvGrpSpPr>
+        <p:cNvPr id="1" name=""/>
+        <p:cNvGrpSpPr/>
+        <p:nvPr/>
+      </p:nvGrpSpPr>
+      <p:grpSpPr>
+        <a:xfrm>
+          <a:off x="0" y="0"/>
+          <a:ext cx="0" cy="0"/>
+          <a:chOff x="0" y="0"/>
+          <a:chExt cx="0" cy="0"/>
+        </a:xfrm>
+      </p:grpSpPr>
+      <p:sp>
+        <p:nvSpPr>
+          <p:cNvPr id="2" name="Titre 1">
+            <a:extLst>
+              <a:ext uri="{FF2B5EF4-FFF2-40B4-BE49-F238E27FC236}">
+                <a16:creationId xmlns:a16="http://schemas.microsoft.com/office/drawing/2014/main" id="{279E3435-A935-4487-8F61-B0D9C64CDA2A}"/>
+              </a:ext>
+            </a:extLst>
+          </p:cNvPr>
+          <p:cNvSpPr>
+            <a:spLocks noGrp="1"/>
+          </p:cNvSpPr>
+          <p:nvPr>
+            <p:ph type="ctrTitle"/>
+          </p:nvPr>
+        </p:nvSpPr>
+        <p:spPr>
+          <a:xfrm>
+            <a:off x="0" y="0"/>
+            <a:ext cx="12192000" cy="1031631"/>
+          </a:xfrm>
+          <a:solidFill>
+            <a:srgbClr val="0070C0">
+              <a:alpha val="52000"/>
+            </a:srgbClr>
+          </a:solidFill>
+        </p:spPr>
+        <p:txBody>
+          <a:bodyPr/>
+          <a:lstStyle/>
+          <a:p>
+            <a:r>
+              <a:rPr lang="fr-FR" dirty="0">
+                <a:solidFill>
+                  <a:schemeClr val="bg1"/>
+                </a:solidFill>
+              </a:rPr>
+              <a:t>Mini-projet : Coloration de graphe</a:t>
+            </a:r>
+          </a:p>
+        </p:txBody>
+      </p:sp>
+      <p:sp>
+        <p:nvSpPr>
+          <p:cNvPr id="3" name="Sous-titre 2">
+            <a:extLst>
+              <a:ext uri="{FF2B5EF4-FFF2-40B4-BE49-F238E27FC236}">
+                <a16:creationId xmlns:a16="http://schemas.microsoft.com/office/drawing/2014/main" id="{44D58449-F6D3-4C65-9B14-E28EA1EA3AE3}"/>
+              </a:ext>
+            </a:extLst>
+          </p:cNvPr>
+          <p:cNvSpPr>
+            <a:spLocks noGrp="1"/>
+          </p:cNvSpPr>
+          <p:nvPr>
+            <p:ph type="subTitle" idx="1"/>
+          </p:nvPr>
+        </p:nvSpPr>
+        <p:spPr>
+          <a:xfrm>
+            <a:off x="0" y="1169196"/>
+            <a:ext cx="12192000" cy="640940"/>
+          </a:xfrm>
+        </p:spPr>
+        <p:txBody>
+          <a:bodyPr>
+            <a:normAutofit/>
+          </a:bodyPr>
+          <a:lstStyle/>
+          <a:p>
+            <a:r>
+              <a:rPr lang="fr-FR" sz="3200" dirty="0"/>
+              <a:t> </a:t>
+            </a:r>
+          </a:p>
+          <a:p>
+            <a:endParaRPr lang="fr-FR" sz="3200" dirty="0"/>
+          </a:p>
+        </p:txBody>
+      </p:sp>
+      <p:pic>
+        <p:nvPicPr>
+          <p:cNvPr id="5" name="Graphique 4">
+            <a:extLst>
+              <a:ext uri="{FF2B5EF4-FFF2-40B4-BE49-F238E27FC236}">
+                <a16:creationId xmlns:a16="http://schemas.microsoft.com/office/drawing/2014/main" id="{335A9509-5098-4250-A184-AE11B1ED9644}"/>
+              </a:ext>
+            </a:extLst>
+          </p:cNvPr>
+          <p:cNvPicPr>
+            <a:picLocks noChangeAspect="1"/>
+          </p:cNvPicPr>
+          <p:nvPr/>
+        </p:nvPicPr>
+        <p:blipFill>
+          <a:blip r:embed="rId2">
+            <a:extLst>
+              <a:ext uri="{28A0092B-C50C-407E-A947-70E740481C1C}">
+                <a14:useLocalDpi xmlns:a14="http://schemas.microsoft.com/office/drawing/2010/main" val="0"/>
+              </a:ext>
+              <a:ext uri="{96DAC541-7B7A-43D3-8B79-37D633B846F1}">
+                <asvg:svgBlip xmlns:asvg="http://schemas.microsoft.com/office/drawing/2016/SVG/main" r:embed="rId3"/>
+              </a:ext>
+            </a:extLst>
+          </a:blip>
+          <a:stretch>
+            <a:fillRect/>
+          </a:stretch>
+        </p:blipFill>
+        <p:spPr>
+          <a:xfrm>
+            <a:off x="3728957" y="1489666"/>
+            <a:ext cx="4734086" cy="4734086"/>
+          </a:xfrm>
+          <a:prstGeom prst="rect">
+            <a:avLst/>
+          </a:prstGeom>
+        </p:spPr>
+      </p:pic>
+    </p:spTree>
+    <p:extLst>
+      <p:ext uri="{BB962C8B-B14F-4D97-AF65-F5344CB8AC3E}">
+        <p14:creationId xmlns:p14="http://schemas.microsoft.com/office/powerpoint/2010/main" val="2189569553"/>
+      </p:ext>
+    </p:extLst>
+  </p:cSld>
+  <p:clrMapOvr>
+    <a:masterClrMapping/>
+  </p:clrMapOvr>
+</p:sld>
+</file>
+
+<file path=ppt/slides/slide2.xml><?xml version="1.0" encoding="utf-8"?>
+<p:sld xmlns:a="http://schemas.openxmlformats.org/drawingml/2006/main" xmlns:r="http://schemas.openxmlformats.org/officeDocument/2006/relationships" xmlns:p="http://schemas.openxmlformats.org/presentationml/2006/main">
+  <p:cSld>
+    <p:spTree>
+      <p:nvGrpSpPr>
+        <p:cNvPr id="1" name=""/>
+        <p:cNvGrpSpPr/>
+        <p:nvPr/>
+      </p:nvGrpSpPr>
+      <p:grpSpPr>
+        <a:xfrm>
+          <a:off x="0" y="0"/>
+          <a:ext cx="0" cy="0"/>
+          <a:chOff x="0" y="0"/>
+          <a:chExt cx="0" cy="0"/>
+        </a:xfrm>
+      </p:grpSpPr>
+      <p:pic>
+        <p:nvPicPr>
+          <p:cNvPr id="1032" name="Picture 8" descr="LV 9 CPU Ganondorf VS Link - Super Smash Bros. Ultimate - YouTube">
+            <a:extLst>
+              <a:ext uri="{FF2B5EF4-FFF2-40B4-BE49-F238E27FC236}">
+                <a16:creationId xmlns:a16="http://schemas.microsoft.com/office/drawing/2014/main" id="{31BDF485-E228-4FF6-A27E-2C8584659EF4}"/>
+              </a:ext>
+            </a:extLst>
+          </p:cNvPr>
+          <p:cNvPicPr>
+            <a:picLocks noChangeAspect="1" noChangeArrowheads="1"/>
+          </p:cNvPicPr>
+          <p:nvPr/>
+        </p:nvPicPr>
+        <p:blipFill>
+          <a:blip r:embed="rId2">
+            <a:extLst>
+              <a:ext uri="{28A0092B-C50C-407E-A947-70E740481C1C}">
+                <a14:useLocalDpi xmlns:a14="http://schemas.microsoft.com/office/drawing/2010/main" val="0"/>
+              </a:ext>
+            </a:extLst>
+          </a:blip>
+          <a:srcRect/>
+          <a:stretch>
+            <a:fillRect/>
+          </a:stretch>
+        </p:blipFill>
+        <p:spPr bwMode="auto">
+          <a:xfrm>
+            <a:off x="0" y="0"/>
+            <a:ext cx="12192000" cy="6858000"/>
+          </a:xfrm>
+          <a:prstGeom prst="rect">
+            <a:avLst/>
+          </a:prstGeom>
+          <a:noFill/>
+          <a:extLst>
+            <a:ext uri="{909E8E84-426E-40DD-AFC4-6F175D3DCCD1}">
+              <a14:hiddenFill xmlns:a14="http://schemas.microsoft.com/office/drawing/2010/main">
+                <a:solidFill>
+                  <a:srgbClr val="FFFFFF"/>
+                </a:solidFill>
+              </a14:hiddenFill>
+            </a:ext>
+          </a:extLst>
+        </p:spPr>
+      </p:pic>
+      <p:sp>
+        <p:nvSpPr>
+          <p:cNvPr id="2" name="Titre 1">
+            <a:extLst>
+              <a:ext uri="{FF2B5EF4-FFF2-40B4-BE49-F238E27FC236}">
+                <a16:creationId xmlns:a16="http://schemas.microsoft.com/office/drawing/2014/main" id="{279E3435-A935-4487-8F61-B0D9C64CDA2A}"/>
+              </a:ext>
+            </a:extLst>
+          </p:cNvPr>
+          <p:cNvSpPr>
+            <a:spLocks noGrp="1"/>
+          </p:cNvSpPr>
+          <p:nvPr>
+            <p:ph type="ctrTitle"/>
+          </p:nvPr>
+        </p:nvSpPr>
+        <p:spPr>
+          <a:xfrm>
+            <a:off x="0" y="0"/>
+            <a:ext cx="12192000" cy="1031631"/>
+          </a:xfrm>
+          <a:solidFill>
+            <a:srgbClr val="0070C0"/>
+          </a:solidFill>
+        </p:spPr>
+        <p:txBody>
+          <a:bodyPr/>
+          <a:lstStyle/>
+          <a:p>
+            <a:r>
+              <a:rPr lang="fr-FR" dirty="0">
+                <a:solidFill>
+                  <a:schemeClr val="bg1"/>
+                </a:solidFill>
+              </a:rPr>
+              <a:t>Mini-projet : Coloration de graphe</a:t>
+            </a:r>
+          </a:p>
+        </p:txBody>
+      </p:sp>
+      <p:grpSp>
+        <p:nvGrpSpPr>
+          <p:cNvPr id="8" name="Groupe 7">
+            <a:extLst>
+              <a:ext uri="{FF2B5EF4-FFF2-40B4-BE49-F238E27FC236}">
+                <a16:creationId xmlns:a16="http://schemas.microsoft.com/office/drawing/2014/main" id="{88C93943-80FD-49AA-A451-4FF18456B34C}"/>
+              </a:ext>
+            </a:extLst>
+          </p:cNvPr>
+          <p:cNvGrpSpPr/>
+          <p:nvPr/>
+        </p:nvGrpSpPr>
+        <p:grpSpPr>
+          <a:xfrm>
+            <a:off x="1504754" y="1031631"/>
+            <a:ext cx="2965098" cy="2814267"/>
+            <a:chOff x="699324" y="2291184"/>
+            <a:chExt cx="2965098" cy="2814267"/>
+          </a:xfrm>
+        </p:grpSpPr>
+        <p:sp>
+          <p:nvSpPr>
+            <p:cNvPr id="7" name="Ellipse 6">
+              <a:extLst>
+                <a:ext uri="{FF2B5EF4-FFF2-40B4-BE49-F238E27FC236}">
+                  <a16:creationId xmlns:a16="http://schemas.microsoft.com/office/drawing/2014/main" id="{8AF35D27-14A6-41CB-B2E3-960897D5869E}"/>
+                </a:ext>
+              </a:extLst>
+            </p:cNvPr>
+            <p:cNvSpPr/>
+            <p:nvPr/>
+          </p:nvSpPr>
+          <p:spPr>
+            <a:xfrm>
+              <a:off x="774740" y="2291184"/>
+              <a:ext cx="2814267" cy="2814267"/>
+            </a:xfrm>
+            <a:prstGeom prst="ellipse">
+              <a:avLst/>
+            </a:prstGeom>
+            <a:solidFill>
+              <a:schemeClr val="bg1"/>
+            </a:solidFill>
+            <a:ln>
+              <a:noFill/>
+            </a:ln>
+          </p:spPr>
+          <p:style>
+            <a:lnRef idx="2">
+              <a:schemeClr val="accent1">
+                <a:shade val="50000"/>
+              </a:schemeClr>
+            </a:lnRef>
+            <a:fillRef idx="1">
+              <a:schemeClr val="accent1"/>
+            </a:fillRef>
+            <a:effectRef idx="0">
+              <a:schemeClr val="accent1"/>
+            </a:effectRef>
+            <a:fontRef idx="minor">
+              <a:schemeClr val="lt1"/>
+            </a:fontRef>
+          </p:style>
+          <p:txBody>
+            <a:bodyPr rtlCol="0" anchor="ctr"/>
+            <a:lstStyle/>
+            <a:p>
+              <a:pPr algn="ctr"/>
+              <a:endParaRPr lang="fr-FR"/>
+            </a:p>
+          </p:txBody>
+        </p:sp>
+        <p:pic>
+          <p:nvPicPr>
+            <p:cNvPr id="1030" name="Picture 6" descr="C Sharp Logo - LogoDix">
+              <a:extLst>
+                <a:ext uri="{FF2B5EF4-FFF2-40B4-BE49-F238E27FC236}">
+                  <a16:creationId xmlns:a16="http://schemas.microsoft.com/office/drawing/2014/main" id="{8DFC3B6E-52CA-4EF7-A6DE-4F1E105A9DDC}"/>
+                </a:ext>
+              </a:extLst>
+            </p:cNvPr>
+            <p:cNvPicPr>
+              <a:picLocks noChangeAspect="1" noChangeArrowheads="1"/>
+            </p:cNvPicPr>
+            <p:nvPr/>
+          </p:nvPicPr>
+          <p:blipFill>
+            <a:blip r:embed="rId3">
+              <a:extLst>
+                <a:ext uri="{28A0092B-C50C-407E-A947-70E740481C1C}">
+                  <a14:useLocalDpi xmlns:a14="http://schemas.microsoft.com/office/drawing/2010/main" val="0"/>
+                </a:ext>
+              </a:extLst>
+            </a:blip>
+            <a:srcRect/>
+            <a:stretch>
+              <a:fillRect/>
+            </a:stretch>
+          </p:blipFill>
+          <p:spPr bwMode="auto">
+            <a:xfrm>
+              <a:off x="699324" y="2306290"/>
+              <a:ext cx="2965098" cy="2784054"/>
+            </a:xfrm>
+            <a:prstGeom prst="rect">
+              <a:avLst/>
+            </a:prstGeom>
+            <a:noFill/>
+            <a:extLst>
+              <a:ext uri="{909E8E84-426E-40DD-AFC4-6F175D3DCCD1}">
+                <a14:hiddenFill xmlns:a14="http://schemas.microsoft.com/office/drawing/2010/main">
+                  <a:solidFill>
+                    <a:srgbClr val="FFFFFF"/>
+                  </a:solidFill>
+                </a14:hiddenFill>
+              </a:ext>
+            </a:extLst>
+          </p:spPr>
+        </p:pic>
+      </p:grpSp>
+      <p:grpSp>
+        <p:nvGrpSpPr>
+          <p:cNvPr id="9" name="Groupe 8">
+            <a:extLst>
+              <a:ext uri="{FF2B5EF4-FFF2-40B4-BE49-F238E27FC236}">
+                <a16:creationId xmlns:a16="http://schemas.microsoft.com/office/drawing/2014/main" id="{DAA28BC7-3AE2-428D-8467-03F2F2D154EC}"/>
+              </a:ext>
+            </a:extLst>
+          </p:cNvPr>
+          <p:cNvGrpSpPr/>
+          <p:nvPr/>
+        </p:nvGrpSpPr>
+        <p:grpSpPr>
+          <a:xfrm>
+            <a:off x="7954282" y="1031631"/>
+            <a:ext cx="2814267" cy="2814267"/>
+            <a:chOff x="7243608" y="2021867"/>
+            <a:chExt cx="2814267" cy="2814267"/>
+          </a:xfrm>
+        </p:grpSpPr>
+        <p:sp>
+          <p:nvSpPr>
+            <p:cNvPr id="12" name="Ellipse 11">
+              <a:extLst>
+                <a:ext uri="{FF2B5EF4-FFF2-40B4-BE49-F238E27FC236}">
+                  <a16:creationId xmlns:a16="http://schemas.microsoft.com/office/drawing/2014/main" id="{A8391F71-03EC-4477-A29D-88F441F646AB}"/>
+                </a:ext>
+              </a:extLst>
+            </p:cNvPr>
+            <p:cNvSpPr/>
+            <p:nvPr/>
+          </p:nvSpPr>
+          <p:spPr>
+            <a:xfrm>
+              <a:off x="7243608" y="2021867"/>
+              <a:ext cx="2814267" cy="2814267"/>
+            </a:xfrm>
+            <a:prstGeom prst="ellipse">
+              <a:avLst/>
+            </a:prstGeom>
+            <a:solidFill>
+              <a:schemeClr val="bg1"/>
+            </a:solidFill>
+            <a:ln>
+              <a:noFill/>
+            </a:ln>
+          </p:spPr>
+          <p:style>
+            <a:lnRef idx="2">
+              <a:schemeClr val="accent1">
+                <a:shade val="50000"/>
+              </a:schemeClr>
+            </a:lnRef>
+            <a:fillRef idx="1">
+              <a:schemeClr val="accent1"/>
+            </a:fillRef>
+            <a:effectRef idx="0">
+              <a:schemeClr val="accent1"/>
+            </a:effectRef>
+            <a:fontRef idx="minor">
+              <a:schemeClr val="lt1"/>
+            </a:fontRef>
+          </p:style>
+          <p:txBody>
+            <a:bodyPr rtlCol="0" anchor="ctr"/>
+            <a:lstStyle/>
+            <a:p>
+              <a:pPr algn="ctr"/>
+              <a:endParaRPr lang="fr-FR"/>
+            </a:p>
+          </p:txBody>
+        </p:sp>
+        <p:pic>
+          <p:nvPicPr>
+            <p:cNvPr id="1028" name="Picture 4">
+              <a:extLst>
+                <a:ext uri="{FF2B5EF4-FFF2-40B4-BE49-F238E27FC236}">
+                  <a16:creationId xmlns:a16="http://schemas.microsoft.com/office/drawing/2014/main" id="{000646DF-443D-4B67-9C6F-579D6BCCF636}"/>
+                </a:ext>
+              </a:extLst>
+            </p:cNvPr>
+            <p:cNvPicPr>
+              <a:picLocks noChangeAspect="1" noChangeArrowheads="1"/>
+            </p:cNvPicPr>
+            <p:nvPr/>
+          </p:nvPicPr>
+          <p:blipFill>
+            <a:blip r:embed="rId4">
+              <a:extLst>
+                <a:ext uri="{28A0092B-C50C-407E-A947-70E740481C1C}">
+                  <a14:useLocalDpi xmlns:a14="http://schemas.microsoft.com/office/drawing/2010/main" val="0"/>
+                </a:ext>
+              </a:extLst>
+            </a:blip>
+            <a:srcRect/>
+            <a:stretch>
+              <a:fillRect/>
+            </a:stretch>
+          </p:blipFill>
+          <p:spPr bwMode="auto">
+            <a:xfrm>
+              <a:off x="7422774" y="2201033"/>
+              <a:ext cx="2455934" cy="2455934"/>
+            </a:xfrm>
+            <a:prstGeom prst="rect">
+              <a:avLst/>
+            </a:prstGeom>
+            <a:noFill/>
+            <a:extLst>
+              <a:ext uri="{909E8E84-426E-40DD-AFC4-6F175D3DCCD1}">
+                <a14:hiddenFill xmlns:a14="http://schemas.microsoft.com/office/drawing/2010/main">
+                  <a:solidFill>
+                    <a:srgbClr val="FFFFFF"/>
+                  </a:solidFill>
+                </a14:hiddenFill>
+              </a:ext>
+            </a:extLst>
+          </p:spPr>
+        </p:pic>
+      </p:grpSp>
+    </p:spTree>
+    <p:extLst>
+      <p:ext uri="{BB962C8B-B14F-4D97-AF65-F5344CB8AC3E}">
+        <p14:creationId xmlns:p14="http://schemas.microsoft.com/office/powerpoint/2010/main" val="1132052320"/>
+      </p:ext>
+    </p:extLst>
+  </p:cSld>
+  <p:clrMapOvr>
+    <a:masterClrMapping/>
+  </p:clrMapOvr>
+</p:sld>
+</file>
+
+<file path=ppt/slides/slide3.xml><?xml version="1.0" encoding="utf-8"?>
+<p:sld xmlns:a="http://schemas.openxmlformats.org/drawingml/2006/main" xmlns:r="http://schemas.openxmlformats.org/officeDocument/2006/relationships" xmlns:p="http://schemas.openxmlformats.org/presentationml/2006/main">
+  <p:cSld>
+    <p:spTree>
+      <p:nvGrpSpPr>
+        <p:cNvPr id="1" name=""/>
+        <p:cNvGrpSpPr/>
+        <p:nvPr/>
+      </p:nvGrpSpPr>
+      <p:grpSpPr>
+        <a:xfrm>
+          <a:off x="0" y="0"/>
+          <a:ext cx="0" cy="0"/>
+          <a:chOff x="0" y="0"/>
+          <a:chExt cx="0" cy="0"/>
+        </a:xfrm>
+      </p:grpSpPr>
+      <p:sp>
+        <p:nvSpPr>
+          <p:cNvPr id="2" name="Titre 1">
+            <a:extLst>
+              <a:ext uri="{FF2B5EF4-FFF2-40B4-BE49-F238E27FC236}">
+                <a16:creationId xmlns:a16="http://schemas.microsoft.com/office/drawing/2014/main" id="{279E3435-A935-4487-8F61-B0D9C64CDA2A}"/>
+              </a:ext>
+            </a:extLst>
+          </p:cNvPr>
+          <p:cNvSpPr>
+            <a:spLocks noGrp="1"/>
+          </p:cNvSpPr>
+          <p:nvPr>
+            <p:ph type="ctrTitle"/>
+          </p:nvPr>
+        </p:nvSpPr>
+        <p:spPr>
+          <a:xfrm>
+            <a:off x="0" y="0"/>
+            <a:ext cx="12192000" cy="1031631"/>
+          </a:xfrm>
+          <a:solidFill>
+            <a:srgbClr val="0070C0">
+              <a:alpha val="52000"/>
+            </a:srgbClr>
+          </a:solidFill>
+        </p:spPr>
+        <p:txBody>
+          <a:bodyPr/>
+          <a:lstStyle/>
+          <a:p>
+            <a:r>
+              <a:rPr lang="fr-FR" dirty="0">
+                <a:solidFill>
+                  <a:schemeClr val="bg1"/>
+                </a:solidFill>
+              </a:rPr>
+              <a:t>Mini-projet : Coloration de graphe</a:t>
+            </a:r>
+          </a:p>
+        </p:txBody>
+      </p:sp>
+      <p:sp>
+        <p:nvSpPr>
+          <p:cNvPr id="3" name="Sous-titre 2">
+            <a:extLst>
+              <a:ext uri="{FF2B5EF4-FFF2-40B4-BE49-F238E27FC236}">
+                <a16:creationId xmlns:a16="http://schemas.microsoft.com/office/drawing/2014/main" id="{44D58449-F6D3-4C65-9B14-E28EA1EA3AE3}"/>
+              </a:ext>
+            </a:extLst>
+          </p:cNvPr>
+          <p:cNvSpPr>
+            <a:spLocks noGrp="1"/>
+          </p:cNvSpPr>
+          <p:nvPr>
+            <p:ph type="subTitle" idx="1"/>
+          </p:nvPr>
+        </p:nvSpPr>
+        <p:spPr>
+          <a:xfrm>
+            <a:off x="0" y="1169196"/>
+            <a:ext cx="12192000" cy="640940"/>
+          </a:xfrm>
+        </p:spPr>
+        <p:txBody>
+          <a:bodyPr>
+            <a:normAutofit/>
+          </a:bodyPr>
+          <a:lstStyle/>
+          <a:p>
+            <a:r>
+              <a:rPr lang="fr-FR" sz="3200" dirty="0"/>
+              <a:t>Critères de sélection</a:t>
+            </a:r>
+          </a:p>
+        </p:txBody>
+      </p:sp>
+      <p:sp>
+        <p:nvSpPr>
+          <p:cNvPr id="6" name="ZoneTexte 5">
+            <a:extLst>
+              <a:ext uri="{FF2B5EF4-FFF2-40B4-BE49-F238E27FC236}">
+                <a16:creationId xmlns:a16="http://schemas.microsoft.com/office/drawing/2014/main" id="{4D366FF7-FA42-443A-BE99-C89B19E964BA}"/>
+              </a:ext>
+            </a:extLst>
+          </p:cNvPr>
+          <p:cNvSpPr txBox="1"/>
+          <p:nvPr/>
+        </p:nvSpPr>
+        <p:spPr>
+          <a:xfrm>
+            <a:off x="2630510" y="2696927"/>
+            <a:ext cx="2957961" cy="2923877"/>
+          </a:xfrm>
+          <a:prstGeom prst="rect">
+            <a:avLst/>
+          </a:prstGeom>
+          <a:noFill/>
+        </p:spPr>
+        <p:txBody>
+          <a:bodyPr wrap="square" rtlCol="0">
+            <a:spAutoFit/>
+          </a:bodyPr>
+          <a:lstStyle/>
+          <a:p>
+            <a:r>
+              <a:rPr lang="fr-FR" sz="2000" b="1" dirty="0"/>
+              <a:t>Avantages :</a:t>
+            </a:r>
+          </a:p>
+          <a:p>
+            <a:pPr marL="285750" indent="-285750">
+              <a:buFont typeface="Arial" panose="020B0604020202020204" pitchFamily="34" charset="0"/>
+              <a:buChar char="•"/>
+            </a:pPr>
+            <a:r>
+              <a:rPr lang="fr-FR" dirty="0"/>
+              <a:t>Maitrise du langage</a:t>
+            </a:r>
+          </a:p>
+          <a:p>
+            <a:pPr marL="285750" indent="-285750">
+              <a:buFont typeface="Arial" panose="020B0604020202020204" pitchFamily="34" charset="0"/>
+              <a:buChar char="•"/>
+            </a:pPr>
+            <a:r>
+              <a:rPr lang="fr-FR" dirty="0"/>
+              <a:t>Orienté Objets</a:t>
+            </a:r>
+          </a:p>
+          <a:p>
+            <a:pPr marL="285750" indent="-285750">
+              <a:buFont typeface="Arial" panose="020B0604020202020204" pitchFamily="34" charset="0"/>
+              <a:buChar char="•"/>
+            </a:pPr>
+            <a:r>
+              <a:rPr lang="fr-FR" dirty="0"/>
+              <a:t>Bas niveau </a:t>
+            </a:r>
+          </a:p>
+          <a:p>
+            <a:endParaRPr lang="fr-FR" dirty="0"/>
+          </a:p>
+          <a:p>
+            <a:r>
+              <a:rPr lang="fr-FR" sz="2000" b="1" dirty="0"/>
+              <a:t>Inconvénients :</a:t>
+            </a:r>
+          </a:p>
+          <a:p>
+            <a:pPr marL="285750" indent="-285750">
+              <a:buFont typeface="Arial" panose="020B0604020202020204" pitchFamily="34" charset="0"/>
+              <a:buChar char="•"/>
+            </a:pPr>
+            <a:r>
+              <a:rPr lang="fr-FR" dirty="0"/>
+              <a:t>Bas niveau</a:t>
+            </a:r>
+          </a:p>
+          <a:p>
+            <a:pPr marL="285750" indent="-285750">
+              <a:buFont typeface="Arial" panose="020B0604020202020204" pitchFamily="34" charset="0"/>
+              <a:buChar char="•"/>
+            </a:pPr>
+            <a:r>
+              <a:rPr lang="fr-FR" dirty="0"/>
+              <a:t>GUI Graphes</a:t>
+            </a:r>
+          </a:p>
+          <a:p>
+            <a:pPr marL="285750" indent="-285750">
+              <a:buFont typeface="Arial" panose="020B0604020202020204" pitchFamily="34" charset="0"/>
+              <a:buChar char="•"/>
+            </a:pPr>
+            <a:r>
+              <a:rPr lang="fr-FR" dirty="0"/>
+              <a:t>Librairies </a:t>
+            </a:r>
+          </a:p>
+          <a:p>
+            <a:pPr marL="285750" indent="-285750">
+              <a:buFont typeface="Arial" panose="020B0604020202020204" pitchFamily="34" charset="0"/>
+              <a:buChar char="•"/>
+            </a:pPr>
+            <a:r>
+              <a:rPr lang="fr-FR" dirty="0"/>
+              <a:t>Peu de bibliographie</a:t>
+            </a:r>
+          </a:p>
+        </p:txBody>
+      </p:sp>
+      <p:sp>
+        <p:nvSpPr>
+          <p:cNvPr id="9" name="ZoneTexte 8">
+            <a:extLst>
+              <a:ext uri="{FF2B5EF4-FFF2-40B4-BE49-F238E27FC236}">
+                <a16:creationId xmlns:a16="http://schemas.microsoft.com/office/drawing/2014/main" id="{DD68DCEA-F743-421E-A37F-1A4E4CFE51A6}"/>
+              </a:ext>
+            </a:extLst>
+          </p:cNvPr>
+          <p:cNvSpPr txBox="1"/>
+          <p:nvPr/>
+        </p:nvSpPr>
+        <p:spPr>
+          <a:xfrm>
+            <a:off x="6830475" y="2696929"/>
+            <a:ext cx="3057802" cy="2923877"/>
+          </a:xfrm>
+          <a:prstGeom prst="rect">
+            <a:avLst/>
+          </a:prstGeom>
+          <a:noFill/>
+        </p:spPr>
+        <p:txBody>
+          <a:bodyPr wrap="square" rtlCol="0">
+            <a:spAutoFit/>
+          </a:bodyPr>
+          <a:lstStyle/>
+          <a:p>
+            <a:r>
+              <a:rPr lang="fr-FR" sz="2000" b="1" dirty="0"/>
+              <a:t>Avantages :</a:t>
+            </a:r>
+          </a:p>
+          <a:p>
+            <a:pPr marL="285750" indent="-285750">
+              <a:buFont typeface="Arial" panose="020B0604020202020204" pitchFamily="34" charset="0"/>
+              <a:buChar char="•"/>
+            </a:pPr>
+            <a:r>
+              <a:rPr lang="fr-FR" dirty="0"/>
+              <a:t>Langage simple</a:t>
+            </a:r>
+          </a:p>
+          <a:p>
+            <a:pPr marL="285750" indent="-285750">
+              <a:buFont typeface="Arial" panose="020B0604020202020204" pitchFamily="34" charset="0"/>
+              <a:buChar char="•"/>
+            </a:pPr>
+            <a:r>
+              <a:rPr lang="fr-FR" dirty="0"/>
+              <a:t>Démocratisé</a:t>
+            </a:r>
+          </a:p>
+          <a:p>
+            <a:pPr marL="285750" indent="-285750">
+              <a:buFont typeface="Arial" panose="020B0604020202020204" pitchFamily="34" charset="0"/>
+              <a:buChar char="•"/>
+            </a:pPr>
+            <a:r>
+              <a:rPr lang="fr-FR" dirty="0"/>
+              <a:t>Librairies</a:t>
+            </a:r>
+          </a:p>
+          <a:p>
+            <a:pPr marL="285750" indent="-285750">
+              <a:buFont typeface="Arial" panose="020B0604020202020204" pitchFamily="34" charset="0"/>
+              <a:buChar char="•"/>
+            </a:pPr>
+            <a:r>
+              <a:rPr lang="fr-FR" dirty="0"/>
+              <a:t>GUI Graphes</a:t>
+            </a:r>
+          </a:p>
+          <a:p>
+            <a:pPr marL="285750" indent="-285750">
+              <a:buFont typeface="Arial" panose="020B0604020202020204" pitchFamily="34" charset="0"/>
+              <a:buChar char="•"/>
+            </a:pPr>
+            <a:r>
+              <a:rPr lang="fr-FR" dirty="0"/>
+              <a:t>Beaucoup de bibliographie</a:t>
+            </a:r>
+          </a:p>
+          <a:p>
+            <a:pPr marL="285750" indent="-285750">
+              <a:buFont typeface="Arial" panose="020B0604020202020204" pitchFamily="34" charset="0"/>
+              <a:buChar char="•"/>
+            </a:pPr>
+            <a:endParaRPr lang="fr-FR" dirty="0"/>
+          </a:p>
+          <a:p>
+            <a:r>
+              <a:rPr lang="fr-FR" sz="2000" b="1" dirty="0"/>
+              <a:t>Inconvénients :</a:t>
+            </a:r>
+          </a:p>
+          <a:p>
+            <a:pPr marL="285750" indent="-285750">
+              <a:buFont typeface="Arial" panose="020B0604020202020204" pitchFamily="34" charset="0"/>
+              <a:buChar char="•"/>
+            </a:pPr>
+            <a:r>
+              <a:rPr lang="fr-FR" dirty="0"/>
+              <a:t>Haut niveau </a:t>
+            </a:r>
+          </a:p>
+          <a:p>
+            <a:pPr marL="285750" indent="-285750">
+              <a:buFont typeface="Arial" panose="020B0604020202020204" pitchFamily="34" charset="0"/>
+              <a:buChar char="•"/>
+            </a:pPr>
+            <a:r>
+              <a:rPr lang="fr-FR" dirty="0"/>
+              <a:t>Maitrise du langage</a:t>
+            </a:r>
+          </a:p>
+        </p:txBody>
+      </p:sp>
+      <p:pic>
+        <p:nvPicPr>
+          <p:cNvPr id="10" name="Picture 6" descr="C Sharp Logo - LogoDix">
+            <a:extLst>
+              <a:ext uri="{FF2B5EF4-FFF2-40B4-BE49-F238E27FC236}">
+                <a16:creationId xmlns:a16="http://schemas.microsoft.com/office/drawing/2014/main" id="{ACE93122-C92E-4EB1-9958-4961FB1FD73F}"/>
+              </a:ext>
+            </a:extLst>
+          </p:cNvPr>
+          <p:cNvPicPr>
+            <a:picLocks noChangeAspect="1" noChangeArrowheads="1"/>
+          </p:cNvPicPr>
+          <p:nvPr/>
+        </p:nvPicPr>
+        <p:blipFill>
+          <a:blip r:embed="rId2">
+            <a:extLst>
+              <a:ext uri="{28A0092B-C50C-407E-A947-70E740481C1C}">
+                <a14:useLocalDpi xmlns:a14="http://schemas.microsoft.com/office/drawing/2010/main" val="0"/>
+              </a:ext>
+            </a:extLst>
+          </a:blip>
+          <a:srcRect/>
+          <a:stretch>
+            <a:fillRect/>
+          </a:stretch>
+        </p:blipFill>
+        <p:spPr bwMode="auto">
+          <a:xfrm>
+            <a:off x="785611" y="3429000"/>
+            <a:ext cx="1302884" cy="1223332"/>
+          </a:xfrm>
+          <a:prstGeom prst="rect">
+            <a:avLst/>
+          </a:prstGeom>
+          <a:noFill/>
+          <a:extLst>
+            <a:ext uri="{909E8E84-426E-40DD-AFC4-6F175D3DCCD1}">
+              <a14:hiddenFill xmlns:a14="http://schemas.microsoft.com/office/drawing/2010/main">
+                <a:solidFill>
+                  <a:srgbClr val="FFFFFF"/>
+                </a:solidFill>
+              </a14:hiddenFill>
+            </a:ext>
+          </a:extLst>
+        </p:spPr>
+      </p:pic>
+      <p:pic>
+        <p:nvPicPr>
+          <p:cNvPr id="11" name="Picture 4">
+            <a:extLst>
+              <a:ext uri="{FF2B5EF4-FFF2-40B4-BE49-F238E27FC236}">
+                <a16:creationId xmlns:a16="http://schemas.microsoft.com/office/drawing/2014/main" id="{1218A4E1-9269-424B-A3E8-9C3D8820FF91}"/>
+              </a:ext>
+            </a:extLst>
+          </p:cNvPr>
+          <p:cNvPicPr>
+            <a:picLocks noChangeAspect="1" noChangeArrowheads="1"/>
+          </p:cNvPicPr>
+          <p:nvPr/>
+        </p:nvPicPr>
+        <p:blipFill>
+          <a:blip r:embed="rId3">
+            <a:extLst>
+              <a:ext uri="{28A0092B-C50C-407E-A947-70E740481C1C}">
+                <a14:useLocalDpi xmlns:a14="http://schemas.microsoft.com/office/drawing/2010/main" val="0"/>
+              </a:ext>
+            </a:extLst>
+          </a:blip>
+          <a:srcRect/>
+          <a:stretch>
+            <a:fillRect/>
+          </a:stretch>
+        </p:blipFill>
+        <p:spPr bwMode="auto">
+          <a:xfrm>
+            <a:off x="10400098" y="3594751"/>
+            <a:ext cx="1128231" cy="1128231"/>
+          </a:xfrm>
+          <a:prstGeom prst="rect">
+            <a:avLst/>
+          </a:prstGeom>
+          <a:noFill/>
+          <a:extLst>
+            <a:ext uri="{909E8E84-426E-40DD-AFC4-6F175D3DCCD1}">
+              <a14:hiddenFill xmlns:a14="http://schemas.microsoft.com/office/drawing/2010/main">
+                <a:solidFill>
+                  <a:srgbClr val="FFFFFF"/>
+                </a:solidFill>
+              </a14:hiddenFill>
+            </a:ext>
+          </a:extLst>
+        </p:spPr>
+      </p:pic>
+      <p:cxnSp>
+        <p:nvCxnSpPr>
+          <p:cNvPr id="13" name="Connecteur droit 12">
+            <a:extLst>
+              <a:ext uri="{FF2B5EF4-FFF2-40B4-BE49-F238E27FC236}">
+                <a16:creationId xmlns:a16="http://schemas.microsoft.com/office/drawing/2014/main" id="{FCDC6004-42ED-4009-8BAA-A35FA7B39A9C}"/>
+              </a:ext>
+            </a:extLst>
+          </p:cNvPr>
+          <p:cNvCxnSpPr>
+            <a:cxnSpLocks/>
+          </p:cNvCxnSpPr>
+          <p:nvPr/>
+        </p:nvCxnSpPr>
+        <p:spPr>
+          <a:xfrm>
+            <a:off x="6100292" y="2077791"/>
+            <a:ext cx="1" cy="4848896"/>
+          </a:xfrm>
+          <a:prstGeom prst="line">
+            <a:avLst/>
+          </a:prstGeom>
+          <a:ln w="76200">
+            <a:gradFill>
+              <a:gsLst>
+                <a:gs pos="41000">
+                  <a:srgbClr val="BDDAEF"/>
+                </a:gs>
+                <a:gs pos="100000">
+                  <a:srgbClr val="7AB4DE"/>
+                </a:gs>
+                <a:gs pos="0">
+                  <a:schemeClr val="bg1"/>
+                </a:gs>
+              </a:gsLst>
+              <a:lin ang="5400000" scaled="1"/>
+            </a:gradFill>
+          </a:ln>
+        </p:spPr>
+        <p:style>
+          <a:lnRef idx="1">
+            <a:schemeClr val="accent1"/>
+          </a:lnRef>
+          <a:fillRef idx="0">
+            <a:schemeClr val="accent1"/>
+          </a:fillRef>
+          <a:effectRef idx="0">
+            <a:schemeClr val="accent1"/>
+          </a:effectRef>
+          <a:fontRef idx="minor">
+            <a:schemeClr val="tx1"/>
+          </a:fontRef>
+        </p:style>
+      </p:cxnSp>
+    </p:spTree>
+    <p:extLst>
+      <p:ext uri="{BB962C8B-B14F-4D97-AF65-F5344CB8AC3E}">
+        <p14:creationId xmlns:p14="http://schemas.microsoft.com/office/powerpoint/2010/main" val="2067489053"/>
+      </p:ext>
+    </p:extLst>
+  </p:cSld>
+  <p:clrMapOvr>
+    <a:masterClrMapping/>
+  </p:clrMapOvr>
+</p:sld>
+</file>
+
+<file path=ppt/slides/slide4.xml><?xml version="1.0" encoding="utf-8"?>
+<p:sld xmlns:a="http://schemas.openxmlformats.org/drawingml/2006/main" xmlns:r="http://schemas.openxmlformats.org/officeDocument/2006/relationships" xmlns:p="http://schemas.openxmlformats.org/presentationml/2006/main">
+  <p:cSld>
+    <p:spTree>
+      <p:nvGrpSpPr>
+        <p:cNvPr id="1" name=""/>
+        <p:cNvGrpSpPr/>
+        <p:nvPr/>
+      </p:nvGrpSpPr>
+      <p:grpSpPr>
+        <a:xfrm>
+          <a:off x="0" y="0"/>
+          <a:ext cx="0" cy="0"/>
+          <a:chOff x="0" y="0"/>
+          <a:chExt cx="0" cy="0"/>
+        </a:xfrm>
+      </p:grpSpPr>
+      <p:sp>
+        <p:nvSpPr>
+          <p:cNvPr id="2" name="Titre 1">
+            <a:extLst>
+              <a:ext uri="{FF2B5EF4-FFF2-40B4-BE49-F238E27FC236}">
+                <a16:creationId xmlns:a16="http://schemas.microsoft.com/office/drawing/2014/main" id="{279E3435-A935-4487-8F61-B0D9C64CDA2A}"/>
+              </a:ext>
+            </a:extLst>
+          </p:cNvPr>
+          <p:cNvSpPr>
+            <a:spLocks noGrp="1"/>
+          </p:cNvSpPr>
+          <p:nvPr>
+            <p:ph type="ctrTitle"/>
+          </p:nvPr>
+        </p:nvSpPr>
+        <p:spPr>
+          <a:xfrm>
+            <a:off x="0" y="0"/>
+            <a:ext cx="12192000" cy="1031631"/>
+          </a:xfrm>
+          <a:solidFill>
+            <a:srgbClr val="0070C0">
+              <a:alpha val="52000"/>
+            </a:srgbClr>
+          </a:solidFill>
+        </p:spPr>
+        <p:txBody>
+          <a:bodyPr/>
+          <a:lstStyle/>
+          <a:p>
+            <a:r>
+              <a:rPr lang="fr-FR" dirty="0">
+                <a:solidFill>
+                  <a:schemeClr val="bg1"/>
+                </a:solidFill>
+              </a:rPr>
+              <a:t>Mini-projet : Coloration de graphe</a:t>
+            </a:r>
+          </a:p>
+        </p:txBody>
+      </p:sp>
+      <p:sp>
+        <p:nvSpPr>
+          <p:cNvPr id="3" name="Sous-titre 2">
+            <a:extLst>
+              <a:ext uri="{FF2B5EF4-FFF2-40B4-BE49-F238E27FC236}">
+                <a16:creationId xmlns:a16="http://schemas.microsoft.com/office/drawing/2014/main" id="{44D58449-F6D3-4C65-9B14-E28EA1EA3AE3}"/>
+              </a:ext>
+            </a:extLst>
+          </p:cNvPr>
+          <p:cNvSpPr>
+            <a:spLocks noGrp="1"/>
+          </p:cNvSpPr>
+          <p:nvPr>
+            <p:ph type="subTitle" idx="1"/>
+          </p:nvPr>
+        </p:nvSpPr>
+        <p:spPr>
+          <a:xfrm>
+            <a:off x="0" y="1169196"/>
+            <a:ext cx="12192000" cy="640940"/>
+          </a:xfrm>
+        </p:spPr>
+        <p:txBody>
+          <a:bodyPr>
+            <a:normAutofit/>
+          </a:bodyPr>
+          <a:lstStyle/>
+          <a:p>
+            <a:r>
+              <a:rPr lang="fr-FR" sz="3200" dirty="0" err="1"/>
+              <a:t>NetworkX</a:t>
+            </a:r>
+            <a:endParaRPr lang="fr-FR" sz="3200" dirty="0"/>
+          </a:p>
+        </p:txBody>
+      </p:sp>
+      <p:pic>
+        <p:nvPicPr>
+          <p:cNvPr id="2054" name="Picture 6" descr="NetworkX | Berkeley Institute for Data Science">
+            <a:extLst>
+              <a:ext uri="{FF2B5EF4-FFF2-40B4-BE49-F238E27FC236}">
+                <a16:creationId xmlns:a16="http://schemas.microsoft.com/office/drawing/2014/main" id="{14A72E29-A2AF-4058-BDA6-6E0EF0581529}"/>
+              </a:ext>
+            </a:extLst>
+          </p:cNvPr>
+          <p:cNvPicPr>
+            <a:picLocks noChangeAspect="1" noChangeArrowheads="1"/>
+          </p:cNvPicPr>
+          <p:nvPr/>
+        </p:nvPicPr>
+        <p:blipFill>
+          <a:blip r:embed="rId2">
+            <a:extLst>
+              <a:ext uri="{28A0092B-C50C-407E-A947-70E740481C1C}">
+                <a14:useLocalDpi xmlns:a14="http://schemas.microsoft.com/office/drawing/2010/main" val="0"/>
+              </a:ext>
+            </a:extLst>
+          </a:blip>
+          <a:srcRect/>
+          <a:stretch>
+            <a:fillRect/>
+          </a:stretch>
+        </p:blipFill>
+        <p:spPr bwMode="auto">
+          <a:xfrm>
+            <a:off x="6739944" y="2357435"/>
+            <a:ext cx="3810000" cy="2143125"/>
+          </a:xfrm>
+          <a:prstGeom prst="rect">
+            <a:avLst/>
+          </a:prstGeom>
+          <a:noFill/>
+          <a:extLst>
+            <a:ext uri="{909E8E84-426E-40DD-AFC4-6F175D3DCCD1}">
+              <a14:hiddenFill xmlns:a14="http://schemas.microsoft.com/office/drawing/2010/main">
+                <a:solidFill>
+                  <a:srgbClr val="FFFFFF"/>
+                </a:solidFill>
+              </a14:hiddenFill>
+            </a:ext>
+          </a:extLst>
+        </p:spPr>
+      </p:pic>
+      <p:sp>
+        <p:nvSpPr>
+          <p:cNvPr id="7" name="ZoneTexte 6">
+            <a:extLst>
+              <a:ext uri="{FF2B5EF4-FFF2-40B4-BE49-F238E27FC236}">
+                <a16:creationId xmlns:a16="http://schemas.microsoft.com/office/drawing/2014/main" id="{16C96641-B280-4636-971A-99EE78476F34}"/>
+              </a:ext>
+            </a:extLst>
+          </p:cNvPr>
+          <p:cNvSpPr txBox="1"/>
+          <p:nvPr/>
+        </p:nvSpPr>
+        <p:spPr>
+          <a:xfrm>
+            <a:off x="2208727" y="2674946"/>
+            <a:ext cx="4765183" cy="1508105"/>
+          </a:xfrm>
+          <a:prstGeom prst="rect">
+            <a:avLst/>
+          </a:prstGeom>
+          <a:noFill/>
+        </p:spPr>
+        <p:txBody>
+          <a:bodyPr wrap="square" rtlCol="0">
+            <a:spAutoFit/>
+          </a:bodyPr>
+          <a:lstStyle/>
+          <a:p>
+            <a:r>
+              <a:rPr lang="fr-FR" sz="2000" b="1" dirty="0"/>
+              <a:t>Caractéristiques :</a:t>
+            </a:r>
+          </a:p>
+          <a:p>
+            <a:pPr marL="285750" indent="-285750">
+              <a:buFont typeface="Arial" panose="020B0604020202020204" pitchFamily="34" charset="0"/>
+              <a:buChar char="•"/>
+            </a:pPr>
+            <a:r>
+              <a:rPr lang="fr-FR" dirty="0"/>
+              <a:t>Librairie Python </a:t>
+            </a:r>
+          </a:p>
+          <a:p>
+            <a:pPr marL="285750" indent="-285750">
+              <a:buFont typeface="Arial" panose="020B0604020202020204" pitchFamily="34" charset="0"/>
+              <a:buChar char="•"/>
+            </a:pPr>
+            <a:r>
+              <a:rPr lang="fr-FR" dirty="0"/>
+              <a:t>Data science</a:t>
+            </a:r>
+          </a:p>
+          <a:p>
+            <a:pPr marL="285750" indent="-285750">
+              <a:buFont typeface="Arial" panose="020B0604020202020204" pitchFamily="34" charset="0"/>
+              <a:buChar char="•"/>
+            </a:pPr>
+            <a:r>
+              <a:rPr lang="fr-FR" dirty="0"/>
+              <a:t>Graphes</a:t>
+            </a:r>
+          </a:p>
+          <a:p>
+            <a:pPr marL="285750" indent="-285750">
+              <a:buFont typeface="Arial" panose="020B0604020202020204" pitchFamily="34" charset="0"/>
+              <a:buChar char="•"/>
+            </a:pPr>
+            <a:r>
+              <a:rPr lang="fr-FR" dirty="0"/>
+              <a:t>GUI</a:t>
+            </a:r>
+          </a:p>
+        </p:txBody>
+      </p:sp>
+    </p:spTree>
+    <p:extLst>
+      <p:ext uri="{BB962C8B-B14F-4D97-AF65-F5344CB8AC3E}">
+        <p14:creationId xmlns:p14="http://schemas.microsoft.com/office/powerpoint/2010/main" val="570360656"/>
+      </p:ext>
+    </p:extLst>
+  </p:cSld>
+  <p:clrMapOvr>
+    <a:masterClrMapping/>
+  </p:clrMapOvr>
+</p:sld>
+</file>
+
+<file path=ppt/slides/slide5.xml><?xml version="1.0" encoding="utf-8"?>
+<p:sld xmlns:a="http://schemas.openxmlformats.org/drawingml/2006/main" xmlns:r="http://schemas.openxmlformats.org/officeDocument/2006/relationships" xmlns:p="http://schemas.openxmlformats.org/presentationml/2006/main">
+  <p:cSld>
+    <p:spTree>
+      <p:nvGrpSpPr>
+        <p:cNvPr id="1" name=""/>
+        <p:cNvGrpSpPr/>
+        <p:nvPr/>
+      </p:nvGrpSpPr>
+      <p:grpSpPr>
+        <a:xfrm>
+          <a:off x="0" y="0"/>
+          <a:ext cx="0" cy="0"/>
+          <a:chOff x="0" y="0"/>
+          <a:chExt cx="0" cy="0"/>
+        </a:xfrm>
+      </p:grpSpPr>
+      <p:sp>
+        <p:nvSpPr>
+          <p:cNvPr id="2" name="Titre 1">
+            <a:extLst>
+              <a:ext uri="{FF2B5EF4-FFF2-40B4-BE49-F238E27FC236}">
+                <a16:creationId xmlns:a16="http://schemas.microsoft.com/office/drawing/2014/main" id="{279E3435-A935-4487-8F61-B0D9C64CDA2A}"/>
+              </a:ext>
+            </a:extLst>
+          </p:cNvPr>
+          <p:cNvSpPr>
+            <a:spLocks noGrp="1"/>
+          </p:cNvSpPr>
+          <p:nvPr>
+            <p:ph type="ctrTitle"/>
+          </p:nvPr>
+        </p:nvSpPr>
+        <p:spPr>
+          <a:xfrm>
+            <a:off x="0" y="0"/>
+            <a:ext cx="12192000" cy="1031631"/>
+          </a:xfrm>
+          <a:solidFill>
+            <a:srgbClr val="0070C0">
+              <a:alpha val="52000"/>
+            </a:srgbClr>
+          </a:solidFill>
+        </p:spPr>
+        <p:txBody>
+          <a:bodyPr/>
+          <a:lstStyle/>
+          <a:p>
+            <a:r>
+              <a:rPr lang="fr-FR" dirty="0">
+                <a:solidFill>
+                  <a:schemeClr val="bg1"/>
+                </a:solidFill>
+              </a:rPr>
+              <a:t>Mini-projet : Coloration de graphe</a:t>
+            </a:r>
+          </a:p>
+        </p:txBody>
+      </p:sp>
+      <p:sp>
+        <p:nvSpPr>
+          <p:cNvPr id="3" name="Sous-titre 2">
+            <a:extLst>
+              <a:ext uri="{FF2B5EF4-FFF2-40B4-BE49-F238E27FC236}">
+                <a16:creationId xmlns:a16="http://schemas.microsoft.com/office/drawing/2014/main" id="{44D58449-F6D3-4C65-9B14-E28EA1EA3AE3}"/>
+              </a:ext>
+            </a:extLst>
+          </p:cNvPr>
+          <p:cNvSpPr>
+            <a:spLocks noGrp="1"/>
+          </p:cNvSpPr>
+          <p:nvPr>
+            <p:ph type="subTitle" idx="1"/>
+          </p:nvPr>
+        </p:nvSpPr>
+        <p:spPr>
+          <a:xfrm>
+            <a:off x="0" y="1169196"/>
+            <a:ext cx="12192000" cy="640940"/>
+          </a:xfrm>
+        </p:spPr>
+        <p:txBody>
+          <a:bodyPr>
+            <a:normAutofit/>
+          </a:bodyPr>
+          <a:lstStyle/>
+          <a:p>
+            <a:r>
+              <a:rPr lang="fr-FR" sz="3200" dirty="0"/>
+              <a:t>Algorithme de base</a:t>
+            </a:r>
+          </a:p>
+        </p:txBody>
+      </p:sp>
+      <p:sp>
+        <p:nvSpPr>
+          <p:cNvPr id="5" name="ZoneTexte 4">
+            <a:extLst>
+              <a:ext uri="{FF2B5EF4-FFF2-40B4-BE49-F238E27FC236}">
+                <a16:creationId xmlns:a16="http://schemas.microsoft.com/office/drawing/2014/main" id="{78E0A6CE-8AA7-411A-AD05-8692B88591CF}"/>
+              </a:ext>
+            </a:extLst>
+          </p:cNvPr>
+          <p:cNvSpPr txBox="1"/>
+          <p:nvPr/>
+        </p:nvSpPr>
+        <p:spPr>
+          <a:xfrm>
+            <a:off x="1353021" y="2844408"/>
+            <a:ext cx="5847008" cy="2339102"/>
+          </a:xfrm>
+          <a:prstGeom prst="rect">
+            <a:avLst/>
+          </a:prstGeom>
+          <a:noFill/>
+        </p:spPr>
+        <p:txBody>
+          <a:bodyPr wrap="square" rtlCol="0">
+            <a:spAutoFit/>
+          </a:bodyPr>
+          <a:lstStyle/>
+          <a:p>
+            <a:r>
+              <a:rPr lang="fr-FR" sz="2000" b="1" dirty="0"/>
+              <a:t>Étapes</a:t>
+            </a:r>
+            <a:r>
+              <a:rPr lang="fr-FR" dirty="0"/>
+              <a:t> :</a:t>
+            </a:r>
+          </a:p>
+          <a:p>
+            <a:pPr marL="285750" indent="-285750">
+              <a:buFont typeface="Arial" panose="020B0604020202020204" pitchFamily="34" charset="0"/>
+              <a:buChar char="•"/>
+            </a:pPr>
+            <a:r>
+              <a:rPr lang="fr-FR" dirty="0"/>
+              <a:t>Import des librairies</a:t>
+            </a:r>
+          </a:p>
+          <a:p>
+            <a:pPr marL="285750" indent="-285750">
+              <a:buFont typeface="Arial" panose="020B0604020202020204" pitchFamily="34" charset="0"/>
+              <a:buChar char="•"/>
+            </a:pPr>
+            <a:r>
+              <a:rPr lang="fr-FR" dirty="0"/>
+              <a:t>Création de graphe</a:t>
+            </a:r>
+          </a:p>
+          <a:p>
+            <a:pPr marL="285750" indent="-285750">
+              <a:buFont typeface="Arial" panose="020B0604020202020204" pitchFamily="34" charset="0"/>
+              <a:buChar char="•"/>
+            </a:pPr>
+            <a:r>
+              <a:rPr lang="fr-FR" dirty="0"/>
+              <a:t>Création d’un tableau de couleurs (de taille n sommets)</a:t>
+            </a:r>
+          </a:p>
+          <a:p>
+            <a:pPr marL="285750" indent="-285750">
+              <a:buFont typeface="Arial" panose="020B0604020202020204" pitchFamily="34" charset="0"/>
+              <a:buChar char="•"/>
+            </a:pPr>
+            <a:r>
+              <a:rPr lang="fr-FR" dirty="0"/>
+              <a:t>Génération de la matrice d'adjacence </a:t>
+            </a:r>
+          </a:p>
+          <a:p>
+            <a:pPr marL="285750" indent="-285750">
+              <a:buFont typeface="Arial" panose="020B0604020202020204" pitchFamily="34" charset="0"/>
+              <a:buChar char="•"/>
+            </a:pPr>
+            <a:r>
+              <a:rPr lang="fr-FR" dirty="0"/>
+              <a:t>Parcourt de la matrice</a:t>
+            </a:r>
+          </a:p>
+          <a:p>
+            <a:pPr marL="285750" indent="-285750">
+              <a:buFont typeface="Arial" panose="020B0604020202020204" pitchFamily="34" charset="0"/>
+              <a:buChar char="•"/>
+            </a:pPr>
+            <a:r>
+              <a:rPr lang="fr-FR" dirty="0"/>
+              <a:t>Test/correction de la couleur</a:t>
+            </a:r>
+          </a:p>
+          <a:p>
+            <a:pPr marL="285750" indent="-285750">
+              <a:buFont typeface="Arial" panose="020B0604020202020204" pitchFamily="34" charset="0"/>
+              <a:buChar char="•"/>
+            </a:pPr>
+            <a:r>
+              <a:rPr lang="fr-FR" dirty="0"/>
+              <a:t>Affichage</a:t>
+            </a:r>
+          </a:p>
+        </p:txBody>
+      </p:sp>
+      <p:grpSp>
+        <p:nvGrpSpPr>
+          <p:cNvPr id="6" name="Groupe 5">
+            <a:extLst>
+              <a:ext uri="{FF2B5EF4-FFF2-40B4-BE49-F238E27FC236}">
+                <a16:creationId xmlns:a16="http://schemas.microsoft.com/office/drawing/2014/main" id="{5A05BFCC-8DF0-4A11-A638-7EE3830A7C7D}"/>
+              </a:ext>
+            </a:extLst>
+          </p:cNvPr>
+          <p:cNvGrpSpPr/>
+          <p:nvPr/>
+        </p:nvGrpSpPr>
+        <p:grpSpPr>
+          <a:xfrm>
+            <a:off x="7712991" y="1583175"/>
+            <a:ext cx="3926270" cy="5074323"/>
+            <a:chOff x="7828902" y="999333"/>
+            <a:chExt cx="3926270" cy="5074323"/>
+          </a:xfrm>
+        </p:grpSpPr>
+        <p:pic>
+          <p:nvPicPr>
+            <p:cNvPr id="4098" name="Picture 2">
+              <a:extLst>
+                <a:ext uri="{FF2B5EF4-FFF2-40B4-BE49-F238E27FC236}">
+                  <a16:creationId xmlns:a16="http://schemas.microsoft.com/office/drawing/2014/main" id="{5DE13E51-A178-4985-B7E6-9BD611CCF70E}"/>
+                </a:ext>
+              </a:extLst>
+            </p:cNvPr>
+            <p:cNvPicPr>
+              <a:picLocks noChangeAspect="1" noChangeArrowheads="1"/>
+            </p:cNvPicPr>
+            <p:nvPr/>
+          </p:nvPicPr>
+          <p:blipFill>
+            <a:blip r:embed="rId2">
+              <a:extLst>
+                <a:ext uri="{28A0092B-C50C-407E-A947-70E740481C1C}">
+                  <a14:useLocalDpi xmlns:a14="http://schemas.microsoft.com/office/drawing/2010/main" val="0"/>
+                </a:ext>
+              </a:extLst>
+            </a:blip>
+            <a:srcRect/>
+            <a:stretch>
+              <a:fillRect/>
+            </a:stretch>
+          </p:blipFill>
+          <p:spPr bwMode="auto">
+            <a:xfrm>
+              <a:off x="7828902" y="999333"/>
+              <a:ext cx="3584463" cy="3282086"/>
+            </a:xfrm>
+            <a:prstGeom prst="rect">
+              <a:avLst/>
+            </a:prstGeom>
+            <a:noFill/>
+            <a:extLst>
+              <a:ext uri="{909E8E84-426E-40DD-AFC4-6F175D3DCCD1}">
+                <a14:hiddenFill xmlns:a14="http://schemas.microsoft.com/office/drawing/2010/main">
+                  <a:solidFill>
+                    <a:srgbClr val="FFFFFF"/>
+                  </a:solidFill>
+                </a14:hiddenFill>
+              </a:ext>
+            </a:extLst>
+          </p:spPr>
+        </p:pic>
+        <p:pic>
+          <p:nvPicPr>
+            <p:cNvPr id="4102" name="Picture 6">
+              <a:extLst>
+                <a:ext uri="{FF2B5EF4-FFF2-40B4-BE49-F238E27FC236}">
+                  <a16:creationId xmlns:a16="http://schemas.microsoft.com/office/drawing/2014/main" id="{932F780F-5081-4BF2-854B-ED53586DD606}"/>
+                </a:ext>
+              </a:extLst>
+            </p:cNvPr>
+            <p:cNvPicPr>
+              <a:picLocks noChangeAspect="1" noChangeArrowheads="1"/>
+            </p:cNvPicPr>
+            <p:nvPr/>
+          </p:nvPicPr>
+          <p:blipFill>
+            <a:blip r:embed="rId3">
+              <a:extLst>
+                <a:ext uri="{28A0092B-C50C-407E-A947-70E740481C1C}">
+                  <a14:useLocalDpi xmlns:a14="http://schemas.microsoft.com/office/drawing/2010/main" val="0"/>
+                </a:ext>
+              </a:extLst>
+            </a:blip>
+            <a:srcRect/>
+            <a:stretch>
+              <a:fillRect/>
+            </a:stretch>
+          </p:blipFill>
+          <p:spPr bwMode="auto">
+            <a:xfrm>
+              <a:off x="7828902" y="4281419"/>
+              <a:ext cx="3926270" cy="1792237"/>
+            </a:xfrm>
+            <a:prstGeom prst="rect">
+              <a:avLst/>
+            </a:prstGeom>
+            <a:noFill/>
+            <a:extLst>
+              <a:ext uri="{909E8E84-426E-40DD-AFC4-6F175D3DCCD1}">
+                <a14:hiddenFill xmlns:a14="http://schemas.microsoft.com/office/drawing/2010/main">
+                  <a:solidFill>
+                    <a:srgbClr val="FFFFFF"/>
+                  </a:solidFill>
+                </a14:hiddenFill>
+              </a:ext>
+            </a:extLst>
+          </p:spPr>
+        </p:pic>
+      </p:grpSp>
+      <p:sp>
+        <p:nvSpPr>
+          <p:cNvPr id="7" name="Rectangle 6">
+            <a:extLst>
+              <a:ext uri="{FF2B5EF4-FFF2-40B4-BE49-F238E27FC236}">
+                <a16:creationId xmlns:a16="http://schemas.microsoft.com/office/drawing/2014/main" id="{FFE8608F-2966-48C2-B1BD-EE0148BFAF89}"/>
+              </a:ext>
+            </a:extLst>
+          </p:cNvPr>
+          <p:cNvSpPr/>
+          <p:nvPr/>
+        </p:nvSpPr>
+        <p:spPr>
+          <a:xfrm>
+            <a:off x="7732619" y="6334702"/>
+            <a:ext cx="3164136" cy="347662"/>
+          </a:xfrm>
+          <a:prstGeom prst="rect">
+            <a:avLst/>
+          </a:prstGeom>
+          <a:noFill/>
+          <a:ln w="19050">
+            <a:solidFill>
+              <a:srgbClr val="FF0000"/>
+            </a:solidFill>
+          </a:ln>
+        </p:spPr>
+        <p:style>
+          <a:lnRef idx="2">
+            <a:schemeClr val="accent1">
+              <a:shade val="50000"/>
+            </a:schemeClr>
+          </a:lnRef>
+          <a:fillRef idx="1">
+            <a:schemeClr val="accent1"/>
+          </a:fillRef>
+          <a:effectRef idx="0">
+            <a:schemeClr val="accent1"/>
+          </a:effectRef>
+          <a:fontRef idx="minor">
+            <a:schemeClr val="lt1"/>
+          </a:fontRef>
+        </p:style>
+        <p:txBody>
+          <a:bodyPr rtlCol="0" anchor="ctr"/>
+          <a:lstStyle/>
+          <a:p>
+            <a:pPr algn="ctr"/>
+            <a:endParaRPr lang="fr-FR"/>
+          </a:p>
+        </p:txBody>
+      </p:sp>
+      <p:sp>
+        <p:nvSpPr>
+          <p:cNvPr id="11" name="Rectangle 10">
+            <a:extLst>
+              <a:ext uri="{FF2B5EF4-FFF2-40B4-BE49-F238E27FC236}">
+                <a16:creationId xmlns:a16="http://schemas.microsoft.com/office/drawing/2014/main" id="{5FEAC163-2DDC-4FA8-9DD4-C95FDAD2F58A}"/>
+              </a:ext>
+            </a:extLst>
+          </p:cNvPr>
+          <p:cNvSpPr/>
+          <p:nvPr/>
+        </p:nvSpPr>
+        <p:spPr>
+          <a:xfrm>
+            <a:off x="7732619" y="1726360"/>
+            <a:ext cx="3167201" cy="467342"/>
+          </a:xfrm>
+          <a:prstGeom prst="rect">
+            <a:avLst/>
+          </a:prstGeom>
+          <a:noFill/>
+          <a:ln w="19050">
+            <a:solidFill>
+              <a:srgbClr val="FF0000"/>
+            </a:solidFill>
+          </a:ln>
+        </p:spPr>
+        <p:style>
+          <a:lnRef idx="2">
+            <a:schemeClr val="accent1">
+              <a:shade val="50000"/>
+            </a:schemeClr>
+          </a:lnRef>
+          <a:fillRef idx="1">
+            <a:schemeClr val="accent1"/>
+          </a:fillRef>
+          <a:effectRef idx="0">
+            <a:schemeClr val="accent1"/>
+          </a:effectRef>
+          <a:fontRef idx="minor">
+            <a:schemeClr val="lt1"/>
+          </a:fontRef>
+        </p:style>
+        <p:txBody>
+          <a:bodyPr rtlCol="0" anchor="ctr"/>
+          <a:lstStyle/>
+          <a:p>
+            <a:pPr algn="ctr"/>
+            <a:endParaRPr lang="fr-FR"/>
+          </a:p>
+        </p:txBody>
+      </p:sp>
+      <p:sp>
+        <p:nvSpPr>
+          <p:cNvPr id="12" name="Rectangle 11">
+            <a:extLst>
+              <a:ext uri="{FF2B5EF4-FFF2-40B4-BE49-F238E27FC236}">
+                <a16:creationId xmlns:a16="http://schemas.microsoft.com/office/drawing/2014/main" id="{4CDF7906-EF60-4B7F-AB20-356A3735934D}"/>
+              </a:ext>
+            </a:extLst>
+          </p:cNvPr>
+          <p:cNvSpPr/>
+          <p:nvPr/>
+        </p:nvSpPr>
+        <p:spPr>
+          <a:xfrm>
+            <a:off x="7732619" y="2259450"/>
+            <a:ext cx="3167201" cy="299154"/>
+          </a:xfrm>
+          <a:prstGeom prst="rect">
+            <a:avLst/>
+          </a:prstGeom>
+          <a:noFill/>
+          <a:ln w="19050">
+            <a:solidFill>
+              <a:srgbClr val="FF0000"/>
+            </a:solidFill>
+          </a:ln>
+        </p:spPr>
+        <p:style>
+          <a:lnRef idx="2">
+            <a:schemeClr val="accent1">
+              <a:shade val="50000"/>
+            </a:schemeClr>
+          </a:lnRef>
+          <a:fillRef idx="1">
+            <a:schemeClr val="accent1"/>
+          </a:fillRef>
+          <a:effectRef idx="0">
+            <a:schemeClr val="accent1"/>
+          </a:effectRef>
+          <a:fontRef idx="minor">
+            <a:schemeClr val="lt1"/>
+          </a:fontRef>
+        </p:style>
+        <p:txBody>
+          <a:bodyPr rtlCol="0" anchor="ctr"/>
+          <a:lstStyle/>
+          <a:p>
+            <a:pPr algn="ctr"/>
+            <a:endParaRPr lang="fr-FR"/>
+          </a:p>
+        </p:txBody>
+      </p:sp>
+      <p:sp>
+        <p:nvSpPr>
+          <p:cNvPr id="13" name="Rectangle 12">
+            <a:extLst>
+              <a:ext uri="{FF2B5EF4-FFF2-40B4-BE49-F238E27FC236}">
+                <a16:creationId xmlns:a16="http://schemas.microsoft.com/office/drawing/2014/main" id="{BC87CA8D-8A5A-4B5B-A736-3BBE5FB16B17}"/>
+              </a:ext>
+            </a:extLst>
+          </p:cNvPr>
+          <p:cNvSpPr/>
+          <p:nvPr/>
+        </p:nvSpPr>
+        <p:spPr>
+          <a:xfrm>
+            <a:off x="7732619" y="2624352"/>
+            <a:ext cx="3164136" cy="299155"/>
+          </a:xfrm>
+          <a:prstGeom prst="rect">
+            <a:avLst/>
+          </a:prstGeom>
+          <a:noFill/>
+          <a:ln w="19050">
+            <a:solidFill>
+              <a:srgbClr val="FF0000"/>
+            </a:solidFill>
+          </a:ln>
+        </p:spPr>
+        <p:style>
+          <a:lnRef idx="2">
+            <a:schemeClr val="accent1">
+              <a:shade val="50000"/>
+            </a:schemeClr>
+          </a:lnRef>
+          <a:fillRef idx="1">
+            <a:schemeClr val="accent1"/>
+          </a:fillRef>
+          <a:effectRef idx="0">
+            <a:schemeClr val="accent1"/>
+          </a:effectRef>
+          <a:fontRef idx="minor">
+            <a:schemeClr val="lt1"/>
+          </a:fontRef>
+        </p:style>
+        <p:txBody>
+          <a:bodyPr rtlCol="0" anchor="ctr"/>
+          <a:lstStyle/>
+          <a:p>
+            <a:pPr algn="ctr"/>
+            <a:endParaRPr lang="fr-FR"/>
+          </a:p>
+        </p:txBody>
+      </p:sp>
+      <p:sp>
+        <p:nvSpPr>
+          <p:cNvPr id="14" name="Rectangle 13">
+            <a:extLst>
+              <a:ext uri="{FF2B5EF4-FFF2-40B4-BE49-F238E27FC236}">
+                <a16:creationId xmlns:a16="http://schemas.microsoft.com/office/drawing/2014/main" id="{FE645BCD-B500-4425-B135-CCD66A4678CA}"/>
+              </a:ext>
+            </a:extLst>
+          </p:cNvPr>
+          <p:cNvSpPr/>
+          <p:nvPr/>
+        </p:nvSpPr>
+        <p:spPr>
+          <a:xfrm>
+            <a:off x="7732620" y="3187522"/>
+            <a:ext cx="3164136" cy="1652874"/>
+          </a:xfrm>
+          <a:prstGeom prst="rect">
+            <a:avLst/>
+          </a:prstGeom>
+          <a:noFill/>
+          <a:ln w="19050">
+            <a:solidFill>
+              <a:srgbClr val="FF0000"/>
+            </a:solidFill>
+          </a:ln>
+        </p:spPr>
+        <p:style>
+          <a:lnRef idx="2">
+            <a:schemeClr val="accent1">
+              <a:shade val="50000"/>
+            </a:schemeClr>
+          </a:lnRef>
+          <a:fillRef idx="1">
+            <a:schemeClr val="accent1"/>
+          </a:fillRef>
+          <a:effectRef idx="0">
+            <a:schemeClr val="accent1"/>
+          </a:effectRef>
+          <a:fontRef idx="minor">
+            <a:schemeClr val="lt1"/>
+          </a:fontRef>
+        </p:style>
+        <p:txBody>
+          <a:bodyPr rtlCol="0" anchor="ctr"/>
+          <a:lstStyle/>
+          <a:p>
+            <a:pPr algn="ctr"/>
+            <a:endParaRPr lang="fr-FR"/>
+          </a:p>
+        </p:txBody>
+      </p:sp>
+      <p:sp>
+        <p:nvSpPr>
+          <p:cNvPr id="15" name="Rectangle 14">
+            <a:extLst>
+              <a:ext uri="{FF2B5EF4-FFF2-40B4-BE49-F238E27FC236}">
+                <a16:creationId xmlns:a16="http://schemas.microsoft.com/office/drawing/2014/main" id="{D7D1EC30-26E9-4FD9-B2BB-D6B7E2895016}"/>
+              </a:ext>
+            </a:extLst>
+          </p:cNvPr>
+          <p:cNvSpPr/>
+          <p:nvPr/>
+        </p:nvSpPr>
+        <p:spPr>
+          <a:xfrm>
+            <a:off x="7732619" y="4969668"/>
+            <a:ext cx="3164136" cy="1319213"/>
+          </a:xfrm>
+          <a:prstGeom prst="rect">
+            <a:avLst/>
+          </a:prstGeom>
+          <a:noFill/>
+          <a:ln w="19050">
+            <a:solidFill>
+              <a:srgbClr val="FF0000"/>
+            </a:solidFill>
+          </a:ln>
+        </p:spPr>
+        <p:style>
+          <a:lnRef idx="2">
+            <a:schemeClr val="accent1">
+              <a:shade val="50000"/>
+            </a:schemeClr>
+          </a:lnRef>
+          <a:fillRef idx="1">
+            <a:schemeClr val="accent1"/>
+          </a:fillRef>
+          <a:effectRef idx="0">
+            <a:schemeClr val="accent1"/>
+          </a:effectRef>
+          <a:fontRef idx="minor">
+            <a:schemeClr val="lt1"/>
+          </a:fontRef>
+        </p:style>
+        <p:txBody>
+          <a:bodyPr rtlCol="0" anchor="ctr"/>
+          <a:lstStyle/>
+          <a:p>
+            <a:pPr algn="ctr"/>
+            <a:endParaRPr lang="fr-FR"/>
+          </a:p>
+        </p:txBody>
+      </p:sp>
+    </p:spTree>
+    <p:extLst>
+      <p:ext uri="{BB962C8B-B14F-4D97-AF65-F5344CB8AC3E}">
+        <p14:creationId xmlns:p14="http://schemas.microsoft.com/office/powerpoint/2010/main" val="4279169323"/>
+      </p:ext>
+    </p:extLst>
+  </p:cSld>
+  <p:clrMapOvr>
+    <a:masterClrMapping/>
+  </p:clrMapOvr>
+</p:sld>
+</file>
+
+<file path=ppt/slides/slide6.xml><?xml version="1.0" encoding="utf-8"?>
+<p:sld xmlns:a="http://schemas.openxmlformats.org/drawingml/2006/main" xmlns:r="http://schemas.openxmlformats.org/officeDocument/2006/relationships" xmlns:p="http://schemas.openxmlformats.org/presentationml/2006/main">
+  <p:cSld>
+    <p:spTree>
+      <p:nvGrpSpPr>
+        <p:cNvPr id="1" name=""/>
+        <p:cNvGrpSpPr/>
+        <p:nvPr/>
+      </p:nvGrpSpPr>
+      <p:grpSpPr>
+        <a:xfrm>
+          <a:off x="0" y="0"/>
+          <a:ext cx="0" cy="0"/>
+          <a:chOff x="0" y="0"/>
+          <a:chExt cx="0" cy="0"/>
+        </a:xfrm>
+      </p:grpSpPr>
+      <p:sp>
+        <p:nvSpPr>
+          <p:cNvPr id="2" name="Titre 1">
+            <a:extLst>
+              <a:ext uri="{FF2B5EF4-FFF2-40B4-BE49-F238E27FC236}">
+                <a16:creationId xmlns:a16="http://schemas.microsoft.com/office/drawing/2014/main" id="{279E3435-A935-4487-8F61-B0D9C64CDA2A}"/>
+              </a:ext>
+            </a:extLst>
+          </p:cNvPr>
+          <p:cNvSpPr>
+            <a:spLocks noGrp="1"/>
+          </p:cNvSpPr>
+          <p:nvPr>
+            <p:ph type="ctrTitle"/>
+          </p:nvPr>
+        </p:nvSpPr>
+        <p:spPr>
+          <a:xfrm>
+            <a:off x="0" y="0"/>
+            <a:ext cx="12192000" cy="1031631"/>
+          </a:xfrm>
+          <a:solidFill>
+            <a:srgbClr val="0070C0">
+              <a:alpha val="52000"/>
+            </a:srgbClr>
+          </a:solidFill>
+        </p:spPr>
+        <p:txBody>
+          <a:bodyPr/>
+          <a:lstStyle/>
+          <a:p>
+            <a:r>
+              <a:rPr lang="fr-FR" dirty="0">
+                <a:solidFill>
+                  <a:schemeClr val="bg1"/>
+                </a:solidFill>
+              </a:rPr>
+              <a:t>Mini-projet : Coloration de graphe</a:t>
+            </a:r>
+          </a:p>
+        </p:txBody>
+      </p:sp>
+      <p:sp>
+        <p:nvSpPr>
+          <p:cNvPr id="3" name="Sous-titre 2">
+            <a:extLst>
+              <a:ext uri="{FF2B5EF4-FFF2-40B4-BE49-F238E27FC236}">
+                <a16:creationId xmlns:a16="http://schemas.microsoft.com/office/drawing/2014/main" id="{44D58449-F6D3-4C65-9B14-E28EA1EA3AE3}"/>
+              </a:ext>
+            </a:extLst>
+          </p:cNvPr>
+          <p:cNvSpPr>
+            <a:spLocks noGrp="1"/>
+          </p:cNvSpPr>
+          <p:nvPr>
+            <p:ph type="subTitle" idx="1"/>
+          </p:nvPr>
+        </p:nvSpPr>
+        <p:spPr>
+          <a:xfrm>
+            <a:off x="0" y="1169196"/>
+            <a:ext cx="12192000" cy="640940"/>
+          </a:xfrm>
+        </p:spPr>
+        <p:txBody>
+          <a:bodyPr>
+            <a:normAutofit/>
+          </a:bodyPr>
+          <a:lstStyle/>
+          <a:p>
+            <a:r>
+              <a:rPr lang="fr-FR" sz="3200" dirty="0"/>
+              <a:t>Matrice d’adjacence</a:t>
+            </a:r>
+          </a:p>
+        </p:txBody>
+      </p:sp>
+      <p:pic>
+        <p:nvPicPr>
+          <p:cNvPr id="10242" name="Picture 2">
+            <a:extLst>
+              <a:ext uri="{FF2B5EF4-FFF2-40B4-BE49-F238E27FC236}">
+                <a16:creationId xmlns:a16="http://schemas.microsoft.com/office/drawing/2014/main" id="{90B64A88-477A-4E58-862C-1342532B8B37}"/>
+              </a:ext>
+            </a:extLst>
+          </p:cNvPr>
+          <p:cNvPicPr>
+            <a:picLocks noChangeAspect="1" noChangeArrowheads="1"/>
+          </p:cNvPicPr>
+          <p:nvPr/>
+        </p:nvPicPr>
+        <p:blipFill rotWithShape="1">
+          <a:blip r:embed="rId2">
+            <a:extLst>
+              <a:ext uri="{28A0092B-C50C-407E-A947-70E740481C1C}">
+                <a14:useLocalDpi xmlns:a14="http://schemas.microsoft.com/office/drawing/2010/main" val="0"/>
+              </a:ext>
+            </a:extLst>
+          </a:blip>
+          <a:srcRect t="784" b="3258"/>
+          <a:stretch/>
+        </p:blipFill>
+        <p:spPr bwMode="auto">
+          <a:xfrm>
+            <a:off x="4031455" y="2569754"/>
+            <a:ext cx="4062413" cy="3771900"/>
+          </a:xfrm>
+          <a:prstGeom prst="rect">
+            <a:avLst/>
+          </a:prstGeom>
+          <a:noFill/>
+          <a:extLst>
+            <a:ext uri="{909E8E84-426E-40DD-AFC4-6F175D3DCCD1}">
+              <a14:hiddenFill xmlns:a14="http://schemas.microsoft.com/office/drawing/2010/main">
+                <a:solidFill>
+                  <a:srgbClr val="FFFFFF"/>
+                </a:solidFill>
+              </a14:hiddenFill>
+            </a:ext>
+          </a:extLst>
+        </p:spPr>
+      </p:pic>
+      <p:sp>
+        <p:nvSpPr>
+          <p:cNvPr id="4" name="ZoneTexte 3">
+            <a:extLst>
+              <a:ext uri="{FF2B5EF4-FFF2-40B4-BE49-F238E27FC236}">
+                <a16:creationId xmlns:a16="http://schemas.microsoft.com/office/drawing/2014/main" id="{049224AC-1DD7-4807-A9C0-0DF0E92D4672}"/>
+              </a:ext>
+            </a:extLst>
+          </p:cNvPr>
+          <p:cNvSpPr txBox="1"/>
+          <p:nvPr/>
+        </p:nvSpPr>
+        <p:spPr>
+          <a:xfrm>
+            <a:off x="2878931" y="2224234"/>
+            <a:ext cx="5248275" cy="430887"/>
+          </a:xfrm>
+          <a:prstGeom prst="rect">
+            <a:avLst/>
+          </a:prstGeom>
+          <a:noFill/>
+        </p:spPr>
+        <p:txBody>
+          <a:bodyPr wrap="square" rtlCol="0">
+            <a:spAutoFit/>
+          </a:bodyPr>
+          <a:lstStyle/>
+          <a:p>
+            <a:r>
+              <a:rPr lang="fr-FR" sz="2200" dirty="0"/>
+              <a:t>Sommet Si : S0  S1 S2 S3 S4          …         Sn</a:t>
+            </a:r>
+          </a:p>
+        </p:txBody>
+      </p:sp>
+      <p:sp>
+        <p:nvSpPr>
+          <p:cNvPr id="8" name="Rectangle 7">
+            <a:extLst>
+              <a:ext uri="{FF2B5EF4-FFF2-40B4-BE49-F238E27FC236}">
+                <a16:creationId xmlns:a16="http://schemas.microsoft.com/office/drawing/2014/main" id="{1E40BE0A-7D5F-4B07-A9AE-5C25365A0B07}"/>
+              </a:ext>
+            </a:extLst>
+          </p:cNvPr>
+          <p:cNvSpPr/>
+          <p:nvPr/>
+        </p:nvSpPr>
+        <p:spPr>
+          <a:xfrm>
+            <a:off x="3706686" y="2592581"/>
+            <a:ext cx="649537" cy="3816429"/>
+          </a:xfrm>
+          <a:prstGeom prst="rect">
+            <a:avLst/>
+          </a:prstGeom>
+        </p:spPr>
+        <p:txBody>
+          <a:bodyPr wrap="none">
+            <a:spAutoFit/>
+          </a:bodyPr>
+          <a:lstStyle/>
+          <a:p>
+            <a:r>
+              <a:rPr lang="fr-FR" sz="2200" dirty="0"/>
+              <a:t>S0  </a:t>
+            </a:r>
+          </a:p>
+          <a:p>
+            <a:r>
+              <a:rPr lang="fr-FR" sz="2200" dirty="0"/>
+              <a:t>S1 </a:t>
+            </a:r>
+          </a:p>
+          <a:p>
+            <a:r>
+              <a:rPr lang="fr-FR" sz="2200" dirty="0"/>
+              <a:t>S2 </a:t>
+            </a:r>
+          </a:p>
+          <a:p>
+            <a:r>
+              <a:rPr lang="fr-FR" sz="2200" dirty="0"/>
+              <a:t>S3 </a:t>
+            </a:r>
+          </a:p>
+          <a:p>
+            <a:r>
+              <a:rPr lang="fr-FR" sz="2200" dirty="0"/>
+              <a:t>S4   </a:t>
+            </a:r>
+          </a:p>
+          <a:p>
+            <a:endParaRPr lang="fr-FR" sz="2200" dirty="0"/>
+          </a:p>
+          <a:p>
+            <a:r>
+              <a:rPr lang="fr-FR" sz="2200" dirty="0"/>
+              <a:t>     </a:t>
+            </a:r>
+          </a:p>
+          <a:p>
+            <a:r>
+              <a:rPr lang="fr-FR" sz="2200" dirty="0"/>
+              <a:t>...    </a:t>
+            </a:r>
+          </a:p>
+          <a:p>
+            <a:endParaRPr lang="fr-FR" sz="2200" dirty="0"/>
+          </a:p>
+          <a:p>
+            <a:r>
+              <a:rPr lang="fr-FR" sz="2200" dirty="0"/>
+              <a:t>    </a:t>
+            </a:r>
+          </a:p>
+          <a:p>
+            <a:r>
+              <a:rPr lang="fr-FR" sz="2200" dirty="0"/>
+              <a:t>Sn</a:t>
+            </a:r>
+          </a:p>
+        </p:txBody>
+      </p:sp>
+    </p:spTree>
+    <p:extLst>
+      <p:ext uri="{BB962C8B-B14F-4D97-AF65-F5344CB8AC3E}">
+        <p14:creationId xmlns:p14="http://schemas.microsoft.com/office/powerpoint/2010/main" val="3681344368"/>
+      </p:ext>
+    </p:extLst>
+  </p:cSld>
+  <p:clrMapOvr>
+    <a:masterClrMapping/>
+  </p:clrMapOvr>
+</p:sld>
+</file>
+
+<file path=ppt/slides/slide7.xml><?xml version="1.0" encoding="utf-8"?>
+<p:sld xmlns:a="http://schemas.openxmlformats.org/drawingml/2006/main" xmlns:r="http://schemas.openxmlformats.org/officeDocument/2006/relationships" xmlns:p="http://schemas.openxmlformats.org/presentationml/2006/main">
+  <p:cSld>
+    <p:spTree>
+      <p:nvGrpSpPr>
+        <p:cNvPr id="1" name=""/>
+        <p:cNvGrpSpPr/>
+        <p:nvPr/>
+      </p:nvGrpSpPr>
+      <p:grpSpPr>
+        <a:xfrm>
+          <a:off x="0" y="0"/>
+          <a:ext cx="0" cy="0"/>
+          <a:chOff x="0" y="0"/>
+          <a:chExt cx="0" cy="0"/>
+        </a:xfrm>
+      </p:grpSpPr>
+      <p:sp>
+        <p:nvSpPr>
+          <p:cNvPr id="2" name="Titre 1">
+            <a:extLst>
+              <a:ext uri="{FF2B5EF4-FFF2-40B4-BE49-F238E27FC236}">
+                <a16:creationId xmlns:a16="http://schemas.microsoft.com/office/drawing/2014/main" id="{279E3435-A935-4487-8F61-B0D9C64CDA2A}"/>
+              </a:ext>
+            </a:extLst>
+          </p:cNvPr>
+          <p:cNvSpPr>
+            <a:spLocks noGrp="1"/>
+          </p:cNvSpPr>
+          <p:nvPr>
+            <p:ph type="ctrTitle"/>
+          </p:nvPr>
+        </p:nvSpPr>
+        <p:spPr>
+          <a:xfrm>
+            <a:off x="0" y="0"/>
+            <a:ext cx="12192000" cy="1031631"/>
+          </a:xfrm>
+          <a:solidFill>
+            <a:srgbClr val="0070C0">
+              <a:alpha val="52000"/>
+            </a:srgbClr>
+          </a:solidFill>
+        </p:spPr>
+        <p:txBody>
+          <a:bodyPr/>
+          <a:lstStyle/>
+          <a:p>
+            <a:r>
+              <a:rPr lang="fr-FR" dirty="0">
+                <a:solidFill>
+                  <a:schemeClr val="bg1"/>
+                </a:solidFill>
+              </a:rPr>
+              <a:t>Mini-projet : Coloration de graphe</a:t>
+            </a:r>
+          </a:p>
+        </p:txBody>
+      </p:sp>
+      <p:sp>
+        <p:nvSpPr>
+          <p:cNvPr id="3" name="Sous-titre 2">
+            <a:extLst>
+              <a:ext uri="{FF2B5EF4-FFF2-40B4-BE49-F238E27FC236}">
+                <a16:creationId xmlns:a16="http://schemas.microsoft.com/office/drawing/2014/main" id="{44D58449-F6D3-4C65-9B14-E28EA1EA3AE3}"/>
+              </a:ext>
+            </a:extLst>
+          </p:cNvPr>
+          <p:cNvSpPr>
+            <a:spLocks noGrp="1"/>
+          </p:cNvSpPr>
+          <p:nvPr>
+            <p:ph type="subTitle" idx="1"/>
+          </p:nvPr>
+        </p:nvSpPr>
+        <p:spPr>
+          <a:xfrm>
+            <a:off x="0" y="1169196"/>
+            <a:ext cx="12192000" cy="640940"/>
+          </a:xfrm>
+        </p:spPr>
+        <p:txBody>
+          <a:bodyPr>
+            <a:normAutofit/>
+          </a:bodyPr>
+          <a:lstStyle/>
+          <a:p>
+            <a:r>
+              <a:rPr lang="fr-FR" sz="3200" dirty="0"/>
+              <a:t>Versions</a:t>
+            </a:r>
+          </a:p>
+        </p:txBody>
+      </p:sp>
+      <p:grpSp>
+        <p:nvGrpSpPr>
+          <p:cNvPr id="6" name="Groupe 5">
+            <a:extLst>
+              <a:ext uri="{FF2B5EF4-FFF2-40B4-BE49-F238E27FC236}">
+                <a16:creationId xmlns:a16="http://schemas.microsoft.com/office/drawing/2014/main" id="{7ACA9329-88DF-4E92-B221-4C9A13072981}"/>
+              </a:ext>
+            </a:extLst>
+          </p:cNvPr>
+          <p:cNvGrpSpPr/>
+          <p:nvPr/>
+        </p:nvGrpSpPr>
+        <p:grpSpPr>
+          <a:xfrm>
+            <a:off x="785811" y="2081151"/>
+            <a:ext cx="4340719" cy="2848035"/>
+            <a:chOff x="785811" y="2081151"/>
+            <a:chExt cx="4340719" cy="2848035"/>
+          </a:xfrm>
+        </p:grpSpPr>
+        <p:pic>
+          <p:nvPicPr>
+            <p:cNvPr id="7176" name="Picture 8">
+              <a:extLst>
+                <a:ext uri="{FF2B5EF4-FFF2-40B4-BE49-F238E27FC236}">
+                  <a16:creationId xmlns:a16="http://schemas.microsoft.com/office/drawing/2014/main" id="{88842423-C322-4CA2-9A5E-6F1C767FF8D0}"/>
+                </a:ext>
+              </a:extLst>
+            </p:cNvPr>
+            <p:cNvPicPr>
+              <a:picLocks noChangeAspect="1" noChangeArrowheads="1"/>
+            </p:cNvPicPr>
+            <p:nvPr/>
+          </p:nvPicPr>
+          <p:blipFill>
+            <a:blip r:embed="rId2">
+              <a:extLst>
+                <a:ext uri="{28A0092B-C50C-407E-A947-70E740481C1C}">
+                  <a14:useLocalDpi xmlns:a14="http://schemas.microsoft.com/office/drawing/2010/main" val="0"/>
+                </a:ext>
+              </a:extLst>
+            </a:blip>
+            <a:srcRect/>
+            <a:stretch>
+              <a:fillRect/>
+            </a:stretch>
+          </p:blipFill>
+          <p:spPr bwMode="auto">
+            <a:xfrm>
+              <a:off x="785811" y="2481261"/>
+              <a:ext cx="4340719" cy="2447925"/>
+            </a:xfrm>
+            <a:prstGeom prst="rect">
+              <a:avLst/>
+            </a:prstGeom>
+            <a:noFill/>
+            <a:extLst>
+              <a:ext uri="{909E8E84-426E-40DD-AFC4-6F175D3DCCD1}">
+                <a14:hiddenFill xmlns:a14="http://schemas.microsoft.com/office/drawing/2010/main">
+                  <a:solidFill>
+                    <a:srgbClr val="FFFFFF"/>
+                  </a:solidFill>
+                </a14:hiddenFill>
+              </a:ext>
+            </a:extLst>
+          </p:spPr>
+        </p:pic>
+        <p:sp>
+          <p:nvSpPr>
+            <p:cNvPr id="4" name="ZoneTexte 3">
+              <a:extLst>
+                <a:ext uri="{FF2B5EF4-FFF2-40B4-BE49-F238E27FC236}">
+                  <a16:creationId xmlns:a16="http://schemas.microsoft.com/office/drawing/2014/main" id="{E3609C12-E4DB-4719-8092-32E8B208D976}"/>
+                </a:ext>
+              </a:extLst>
+            </p:cNvPr>
+            <p:cNvSpPr txBox="1"/>
+            <p:nvPr/>
+          </p:nvSpPr>
+          <p:spPr>
+            <a:xfrm>
+              <a:off x="785811" y="2081151"/>
+              <a:ext cx="2052637" cy="400110"/>
+            </a:xfrm>
+            <a:prstGeom prst="rect">
+              <a:avLst/>
+            </a:prstGeom>
+            <a:noFill/>
+          </p:spPr>
+          <p:txBody>
+            <a:bodyPr wrap="square" rtlCol="0">
+              <a:spAutoFit/>
+            </a:bodyPr>
+            <a:lstStyle/>
+            <a:p>
+              <a:r>
+                <a:rPr lang="fr-FR" sz="2000" b="1" dirty="0"/>
+                <a:t>V1 (2-Coloration)</a:t>
+              </a:r>
+            </a:p>
+          </p:txBody>
+        </p:sp>
+      </p:grpSp>
+      <p:grpSp>
+        <p:nvGrpSpPr>
+          <p:cNvPr id="7" name="Groupe 6">
+            <a:extLst>
+              <a:ext uri="{FF2B5EF4-FFF2-40B4-BE49-F238E27FC236}">
+                <a16:creationId xmlns:a16="http://schemas.microsoft.com/office/drawing/2014/main" id="{480BB8B1-D29C-45BA-BFCD-C7EDFFCF8087}"/>
+              </a:ext>
+            </a:extLst>
+          </p:cNvPr>
+          <p:cNvGrpSpPr/>
+          <p:nvPr/>
+        </p:nvGrpSpPr>
+        <p:grpSpPr>
+          <a:xfrm>
+            <a:off x="7596190" y="1943100"/>
+            <a:ext cx="4124324" cy="4497978"/>
+            <a:chOff x="7596190" y="1943100"/>
+            <a:chExt cx="4124324" cy="4497978"/>
+          </a:xfrm>
+        </p:grpSpPr>
+        <p:pic>
+          <p:nvPicPr>
+            <p:cNvPr id="7174" name="Picture 6">
+              <a:extLst>
+                <a:ext uri="{FF2B5EF4-FFF2-40B4-BE49-F238E27FC236}">
+                  <a16:creationId xmlns:a16="http://schemas.microsoft.com/office/drawing/2014/main" id="{3AF45DE2-B99A-417B-9C17-F9CB4CE001B6}"/>
+                </a:ext>
+              </a:extLst>
+            </p:cNvPr>
+            <p:cNvPicPr>
+              <a:picLocks noChangeAspect="1" noChangeArrowheads="1"/>
+            </p:cNvPicPr>
+            <p:nvPr/>
+          </p:nvPicPr>
+          <p:blipFill rotWithShape="1">
+            <a:blip r:embed="rId3">
+              <a:extLst>
+                <a:ext uri="{28A0092B-C50C-407E-A947-70E740481C1C}">
+                  <a14:useLocalDpi xmlns:a14="http://schemas.microsoft.com/office/drawing/2010/main" val="0"/>
+                </a:ext>
+              </a:extLst>
+            </a:blip>
+            <a:srcRect r="28024"/>
+            <a:stretch/>
+          </p:blipFill>
+          <p:spPr bwMode="auto">
+            <a:xfrm>
+              <a:off x="7596190" y="2349948"/>
+              <a:ext cx="4124324" cy="4091130"/>
+            </a:xfrm>
+            <a:prstGeom prst="rect">
+              <a:avLst/>
+            </a:prstGeom>
+            <a:noFill/>
+            <a:extLst>
+              <a:ext uri="{909E8E84-426E-40DD-AFC4-6F175D3DCCD1}">
+                <a14:hiddenFill xmlns:a14="http://schemas.microsoft.com/office/drawing/2010/main">
+                  <a:solidFill>
+                    <a:srgbClr val="FFFFFF"/>
+                  </a:solidFill>
+                </a14:hiddenFill>
+              </a:ext>
+            </a:extLst>
+          </p:spPr>
+        </p:pic>
+        <p:sp>
+          <p:nvSpPr>
+            <p:cNvPr id="9" name="ZoneTexte 8">
+              <a:extLst>
+                <a:ext uri="{FF2B5EF4-FFF2-40B4-BE49-F238E27FC236}">
+                  <a16:creationId xmlns:a16="http://schemas.microsoft.com/office/drawing/2014/main" id="{ACBB9CFE-CFF9-4429-9244-8BAEF338D747}"/>
+                </a:ext>
+              </a:extLst>
+            </p:cNvPr>
+            <p:cNvSpPr txBox="1"/>
+            <p:nvPr/>
+          </p:nvSpPr>
+          <p:spPr>
+            <a:xfrm>
+              <a:off x="7596190" y="1943100"/>
+              <a:ext cx="2738438" cy="400110"/>
+            </a:xfrm>
+            <a:prstGeom prst="rect">
+              <a:avLst/>
+            </a:prstGeom>
+            <a:noFill/>
+          </p:spPr>
+          <p:txBody>
+            <a:bodyPr wrap="square" rtlCol="0">
+              <a:spAutoFit/>
+            </a:bodyPr>
+            <a:lstStyle/>
+            <a:p>
+              <a:r>
+                <a:rPr lang="fr-FR" sz="2000" b="1" dirty="0"/>
+                <a:t>V2 (3-Coloration)</a:t>
+              </a:r>
+            </a:p>
+          </p:txBody>
+        </p:sp>
+      </p:grpSp>
+      <p:grpSp>
+        <p:nvGrpSpPr>
+          <p:cNvPr id="5" name="Groupe 4">
+            <a:extLst>
+              <a:ext uri="{FF2B5EF4-FFF2-40B4-BE49-F238E27FC236}">
+                <a16:creationId xmlns:a16="http://schemas.microsoft.com/office/drawing/2014/main" id="{4296099A-2860-4CAB-8B92-76BC3F48BC82}"/>
+              </a:ext>
+            </a:extLst>
+          </p:cNvPr>
+          <p:cNvGrpSpPr/>
+          <p:nvPr/>
+        </p:nvGrpSpPr>
+        <p:grpSpPr>
+          <a:xfrm>
+            <a:off x="785810" y="5117441"/>
+            <a:ext cx="3919538" cy="1323637"/>
+            <a:chOff x="785810" y="5117441"/>
+            <a:chExt cx="3919538" cy="1323637"/>
+          </a:xfrm>
+        </p:grpSpPr>
+        <p:pic>
+          <p:nvPicPr>
+            <p:cNvPr id="7172" name="Picture 4">
+              <a:extLst>
+                <a:ext uri="{FF2B5EF4-FFF2-40B4-BE49-F238E27FC236}">
+                  <a16:creationId xmlns:a16="http://schemas.microsoft.com/office/drawing/2014/main" id="{D001E5FE-DFFF-4431-B010-6850FE669056}"/>
+                </a:ext>
+              </a:extLst>
+            </p:cNvPr>
+            <p:cNvPicPr>
+              <a:picLocks noChangeAspect="1" noChangeArrowheads="1"/>
+            </p:cNvPicPr>
+            <p:nvPr/>
+          </p:nvPicPr>
+          <p:blipFill>
+            <a:blip r:embed="rId4">
+              <a:extLst>
+                <a:ext uri="{28A0092B-C50C-407E-A947-70E740481C1C}">
+                  <a14:useLocalDpi xmlns:a14="http://schemas.microsoft.com/office/drawing/2010/main" val="0"/>
+                </a:ext>
+              </a:extLst>
+            </a:blip>
+            <a:srcRect/>
+            <a:stretch>
+              <a:fillRect/>
+            </a:stretch>
+          </p:blipFill>
+          <p:spPr bwMode="auto">
+            <a:xfrm>
+              <a:off x="785811" y="5517551"/>
+              <a:ext cx="3919537" cy="923527"/>
+            </a:xfrm>
+            <a:prstGeom prst="rect">
+              <a:avLst/>
+            </a:prstGeom>
+            <a:noFill/>
+            <a:extLst>
+              <a:ext uri="{909E8E84-426E-40DD-AFC4-6F175D3DCCD1}">
+                <a14:hiddenFill xmlns:a14="http://schemas.microsoft.com/office/drawing/2010/main">
+                  <a:solidFill>
+                    <a:srgbClr val="FFFFFF"/>
+                  </a:solidFill>
+                </a14:hiddenFill>
+              </a:ext>
+            </a:extLst>
+          </p:spPr>
+        </p:pic>
+        <p:sp>
+          <p:nvSpPr>
+            <p:cNvPr id="10" name="ZoneTexte 9">
+              <a:extLst>
+                <a:ext uri="{FF2B5EF4-FFF2-40B4-BE49-F238E27FC236}">
+                  <a16:creationId xmlns:a16="http://schemas.microsoft.com/office/drawing/2014/main" id="{2A02F9E3-FE31-4CA1-84DC-223EC5DC84B1}"/>
+                </a:ext>
+              </a:extLst>
+            </p:cNvPr>
+            <p:cNvSpPr txBox="1"/>
+            <p:nvPr/>
+          </p:nvSpPr>
+          <p:spPr>
+            <a:xfrm>
+              <a:off x="785810" y="5117441"/>
+              <a:ext cx="2052637" cy="400110"/>
+            </a:xfrm>
+            <a:prstGeom prst="rect">
+              <a:avLst/>
+            </a:prstGeom>
+            <a:noFill/>
+          </p:spPr>
+          <p:txBody>
+            <a:bodyPr wrap="square" rtlCol="0">
+              <a:spAutoFit/>
+            </a:bodyPr>
+            <a:lstStyle/>
+            <a:p>
+              <a:r>
+                <a:rPr lang="fr-FR" sz="2000" b="1" dirty="0"/>
+                <a:t>V2 (2-Coloration)</a:t>
+              </a:r>
+            </a:p>
+          </p:txBody>
+        </p:sp>
+      </p:grpSp>
+    </p:spTree>
+    <p:extLst>
+      <p:ext uri="{BB962C8B-B14F-4D97-AF65-F5344CB8AC3E}">
+        <p14:creationId xmlns:p14="http://schemas.microsoft.com/office/powerpoint/2010/main" val="2977903949"/>
+      </p:ext>
+    </p:extLst>
+  </p:cSld>
+  <p:clrMapOvr>
+    <a:masterClrMapping/>
+  </p:clrMapOvr>
+</p:sld>
+</file>
+
+<file path=ppt/slides/slide8.xml><?xml version="1.0" encoding="utf-8"?>
+<p:sld xmlns:a="http://schemas.openxmlformats.org/drawingml/2006/main" xmlns:r="http://schemas.openxmlformats.org/officeDocument/2006/relationships" xmlns:p="http://schemas.openxmlformats.org/presentationml/2006/main">
+  <p:cSld>
+    <p:spTree>
+      <p:nvGrpSpPr>
+        <p:cNvPr id="1" name=""/>
+        <p:cNvGrpSpPr/>
+        <p:nvPr/>
+      </p:nvGrpSpPr>
+      <p:grpSpPr>
+        <a:xfrm>
+          <a:off x="0" y="0"/>
+          <a:ext cx="0" cy="0"/>
+          <a:chOff x="0" y="0"/>
+          <a:chExt cx="0" cy="0"/>
+        </a:xfrm>
+      </p:grpSpPr>
+      <p:sp>
+        <p:nvSpPr>
+          <p:cNvPr id="2" name="Titre 1">
+            <a:extLst>
+              <a:ext uri="{FF2B5EF4-FFF2-40B4-BE49-F238E27FC236}">
+                <a16:creationId xmlns:a16="http://schemas.microsoft.com/office/drawing/2014/main" id="{279E3435-A935-4487-8F61-B0D9C64CDA2A}"/>
+              </a:ext>
+            </a:extLst>
+          </p:cNvPr>
+          <p:cNvSpPr>
+            <a:spLocks noGrp="1"/>
+          </p:cNvSpPr>
+          <p:nvPr>
+            <p:ph type="ctrTitle"/>
+          </p:nvPr>
+        </p:nvSpPr>
+        <p:spPr>
+          <a:xfrm>
+            <a:off x="0" y="0"/>
+            <a:ext cx="12192000" cy="1031631"/>
+          </a:xfrm>
+          <a:solidFill>
+            <a:srgbClr val="0070C0">
+              <a:alpha val="52000"/>
+            </a:srgbClr>
+          </a:solidFill>
+        </p:spPr>
+        <p:txBody>
+          <a:bodyPr/>
+          <a:lstStyle/>
+          <a:p>
+            <a:r>
+              <a:rPr lang="fr-FR" dirty="0">
+                <a:solidFill>
+                  <a:schemeClr val="bg1"/>
+                </a:solidFill>
+              </a:rPr>
+              <a:t>Mini-projet : Coloration de graphe</a:t>
+            </a:r>
+          </a:p>
+        </p:txBody>
+      </p:sp>
+      <p:sp>
+        <p:nvSpPr>
+          <p:cNvPr id="3" name="Sous-titre 2">
+            <a:extLst>
+              <a:ext uri="{FF2B5EF4-FFF2-40B4-BE49-F238E27FC236}">
+                <a16:creationId xmlns:a16="http://schemas.microsoft.com/office/drawing/2014/main" id="{44D58449-F6D3-4C65-9B14-E28EA1EA3AE3}"/>
+              </a:ext>
+            </a:extLst>
+          </p:cNvPr>
+          <p:cNvSpPr>
+            <a:spLocks noGrp="1"/>
+          </p:cNvSpPr>
+          <p:nvPr>
+            <p:ph type="subTitle" idx="1"/>
+          </p:nvPr>
+        </p:nvSpPr>
+        <p:spPr>
+          <a:xfrm>
+            <a:off x="0" y="1169196"/>
+            <a:ext cx="12192000" cy="640940"/>
+          </a:xfrm>
+        </p:spPr>
+        <p:txBody>
+          <a:bodyPr>
+            <a:normAutofit/>
+          </a:bodyPr>
+          <a:lstStyle/>
+          <a:p>
+            <a:r>
+              <a:rPr lang="fr-FR" sz="3200" dirty="0"/>
+              <a:t>Idées/Tests</a:t>
+            </a:r>
+          </a:p>
+        </p:txBody>
+      </p:sp>
+      <p:grpSp>
+        <p:nvGrpSpPr>
+          <p:cNvPr id="8" name="Groupe 7">
+            <a:extLst>
+              <a:ext uri="{FF2B5EF4-FFF2-40B4-BE49-F238E27FC236}">
+                <a16:creationId xmlns:a16="http://schemas.microsoft.com/office/drawing/2014/main" id="{B6D5ECA8-53C7-43EB-AF49-156D3729288C}"/>
+              </a:ext>
+            </a:extLst>
+          </p:cNvPr>
+          <p:cNvGrpSpPr/>
+          <p:nvPr/>
+        </p:nvGrpSpPr>
+        <p:grpSpPr>
+          <a:xfrm>
+            <a:off x="1171574" y="2264612"/>
+            <a:ext cx="3857625" cy="3482841"/>
+            <a:chOff x="1171574" y="2264612"/>
+            <a:chExt cx="3857625" cy="3482841"/>
+          </a:xfrm>
+        </p:grpSpPr>
+        <p:pic>
+          <p:nvPicPr>
+            <p:cNvPr id="4" name="Picture 2">
+              <a:extLst>
+                <a:ext uri="{FF2B5EF4-FFF2-40B4-BE49-F238E27FC236}">
+                  <a16:creationId xmlns:a16="http://schemas.microsoft.com/office/drawing/2014/main" id="{FF70B71D-4ECD-4BE2-A619-3C8EEFB9859B}"/>
+                </a:ext>
+              </a:extLst>
+            </p:cNvPr>
+            <p:cNvPicPr>
+              <a:picLocks noChangeAspect="1" noChangeArrowheads="1"/>
+            </p:cNvPicPr>
+            <p:nvPr/>
+          </p:nvPicPr>
+          <p:blipFill>
+            <a:blip r:embed="rId2">
+              <a:extLst>
+                <a:ext uri="{28A0092B-C50C-407E-A947-70E740481C1C}">
+                  <a14:useLocalDpi xmlns:a14="http://schemas.microsoft.com/office/drawing/2010/main" val="0"/>
+                </a:ext>
+              </a:extLst>
+            </a:blip>
+            <a:srcRect/>
+            <a:stretch>
+              <a:fillRect/>
+            </a:stretch>
+          </p:blipFill>
+          <p:spPr bwMode="auto">
+            <a:xfrm>
+              <a:off x="1171574" y="2664722"/>
+              <a:ext cx="3857625" cy="3082731"/>
+            </a:xfrm>
+            <a:prstGeom prst="rect">
+              <a:avLst/>
+            </a:prstGeom>
+            <a:noFill/>
+            <a:extLst>
+              <a:ext uri="{909E8E84-426E-40DD-AFC4-6F175D3DCCD1}">
+                <a14:hiddenFill xmlns:a14="http://schemas.microsoft.com/office/drawing/2010/main">
+                  <a:solidFill>
+                    <a:srgbClr val="FFFFFF"/>
+                  </a:solidFill>
+                </a14:hiddenFill>
+              </a:ext>
+            </a:extLst>
+          </p:spPr>
+        </p:pic>
+        <p:sp>
+          <p:nvSpPr>
+            <p:cNvPr id="5" name="ZoneTexte 4">
+              <a:extLst>
+                <a:ext uri="{FF2B5EF4-FFF2-40B4-BE49-F238E27FC236}">
+                  <a16:creationId xmlns:a16="http://schemas.microsoft.com/office/drawing/2014/main" id="{1FCABDDD-1AAE-49E4-8541-2442EAEB6B74}"/>
+                </a:ext>
+              </a:extLst>
+            </p:cNvPr>
+            <p:cNvSpPr txBox="1"/>
+            <p:nvPr/>
+          </p:nvSpPr>
+          <p:spPr>
+            <a:xfrm>
+              <a:off x="1171575" y="2264612"/>
+              <a:ext cx="3450018" cy="400110"/>
+            </a:xfrm>
+            <a:prstGeom prst="rect">
+              <a:avLst/>
+            </a:prstGeom>
+            <a:noFill/>
+          </p:spPr>
+          <p:txBody>
+            <a:bodyPr wrap="square" rtlCol="0">
+              <a:spAutoFit/>
+            </a:bodyPr>
+            <a:lstStyle/>
+            <a:p>
+              <a:r>
+                <a:rPr lang="fr-FR" sz="2000" b="1" dirty="0"/>
+                <a:t>3-Coloration sur demi-matrice</a:t>
+              </a:r>
+            </a:p>
+          </p:txBody>
+        </p:sp>
+      </p:grpSp>
+      <p:grpSp>
+        <p:nvGrpSpPr>
+          <p:cNvPr id="6" name="Groupe 5">
+            <a:extLst>
+              <a:ext uri="{FF2B5EF4-FFF2-40B4-BE49-F238E27FC236}">
+                <a16:creationId xmlns:a16="http://schemas.microsoft.com/office/drawing/2014/main" id="{647D6A12-9C6C-4EEA-8B67-A8549C75006E}"/>
+              </a:ext>
+            </a:extLst>
+          </p:cNvPr>
+          <p:cNvGrpSpPr/>
+          <p:nvPr/>
+        </p:nvGrpSpPr>
+        <p:grpSpPr>
+          <a:xfrm>
+            <a:off x="7481888" y="2700640"/>
+            <a:ext cx="3857624" cy="1505447"/>
+            <a:chOff x="6019800" y="2264612"/>
+            <a:chExt cx="3857624" cy="1505447"/>
+          </a:xfrm>
+        </p:grpSpPr>
+        <p:pic>
+          <p:nvPicPr>
+            <p:cNvPr id="6146" name="Picture 2">
+              <a:extLst>
+                <a:ext uri="{FF2B5EF4-FFF2-40B4-BE49-F238E27FC236}">
+                  <a16:creationId xmlns:a16="http://schemas.microsoft.com/office/drawing/2014/main" id="{CC78707E-5BAB-42B6-AF19-D8EBD1D9713E}"/>
+                </a:ext>
+              </a:extLst>
+            </p:cNvPr>
+            <p:cNvPicPr>
+              <a:picLocks noChangeAspect="1" noChangeArrowheads="1"/>
+            </p:cNvPicPr>
+            <p:nvPr/>
+          </p:nvPicPr>
+          <p:blipFill rotWithShape="1">
+            <a:blip r:embed="rId3">
+              <a:extLst>
+                <a:ext uri="{28A0092B-C50C-407E-A947-70E740481C1C}">
+                  <a14:useLocalDpi xmlns:a14="http://schemas.microsoft.com/office/drawing/2010/main" val="0"/>
+                </a:ext>
+              </a:extLst>
+            </a:blip>
+            <a:srcRect r="48877"/>
+            <a:stretch/>
+          </p:blipFill>
+          <p:spPr bwMode="auto">
+            <a:xfrm>
+              <a:off x="6019800" y="2664722"/>
+              <a:ext cx="3857624" cy="1105337"/>
+            </a:xfrm>
+            <a:prstGeom prst="rect">
+              <a:avLst/>
+            </a:prstGeom>
+            <a:noFill/>
+            <a:extLst>
+              <a:ext uri="{909E8E84-426E-40DD-AFC4-6F175D3DCCD1}">
+                <a14:hiddenFill xmlns:a14="http://schemas.microsoft.com/office/drawing/2010/main">
+                  <a:solidFill>
+                    <a:srgbClr val="FFFFFF"/>
+                  </a:solidFill>
+                </a14:hiddenFill>
+              </a:ext>
+            </a:extLst>
+          </p:spPr>
+        </p:pic>
+        <p:sp>
+          <p:nvSpPr>
+            <p:cNvPr id="7" name="ZoneTexte 6">
+              <a:extLst>
+                <a:ext uri="{FF2B5EF4-FFF2-40B4-BE49-F238E27FC236}">
+                  <a16:creationId xmlns:a16="http://schemas.microsoft.com/office/drawing/2014/main" id="{DC408726-3EA9-4AB2-B4C5-DAEE08D62F01}"/>
+                </a:ext>
+              </a:extLst>
+            </p:cNvPr>
+            <p:cNvSpPr txBox="1"/>
+            <p:nvPr/>
+          </p:nvSpPr>
+          <p:spPr>
+            <a:xfrm>
+              <a:off x="6019800" y="2264612"/>
+              <a:ext cx="3450018" cy="400110"/>
+            </a:xfrm>
+            <a:prstGeom prst="rect">
+              <a:avLst/>
+            </a:prstGeom>
+            <a:noFill/>
+          </p:spPr>
+          <p:txBody>
+            <a:bodyPr wrap="square" rtlCol="0">
+              <a:spAutoFit/>
+            </a:bodyPr>
+            <a:lstStyle/>
+            <a:p>
+              <a:r>
+                <a:rPr lang="fr-FR" sz="2000" b="1" dirty="0"/>
+                <a:t>Vérification de la coloration </a:t>
+              </a:r>
+            </a:p>
+          </p:txBody>
+        </p:sp>
+      </p:grpSp>
+    </p:spTree>
+    <p:extLst>
+      <p:ext uri="{BB962C8B-B14F-4D97-AF65-F5344CB8AC3E}">
+        <p14:creationId xmlns:p14="http://schemas.microsoft.com/office/powerpoint/2010/main" val="4061499632"/>
+      </p:ext>
+    </p:extLst>
+  </p:cSld>
+  <p:clrMapOvr>
+    <a:masterClrMapping/>
+  </p:clrMapOvr>
+</p:sld>
+</file>
+
+<file path=ppt/slides/slide9.xml><?xml version="1.0" encoding="utf-8"?>
+<p:sld xmlns:a="http://schemas.openxmlformats.org/drawingml/2006/main" xmlns:r="http://schemas.openxmlformats.org/officeDocument/2006/relationships" xmlns:p="http://schemas.openxmlformats.org/presentationml/2006/main">
+  <p:cSld>
+    <p:spTree>
+      <p:nvGrpSpPr>
+        <p:cNvPr id="1" name=""/>
+        <p:cNvGrpSpPr/>
+        <p:nvPr/>
+      </p:nvGrpSpPr>
+      <p:grpSpPr>
+        <a:xfrm>
+          <a:off x="0" y="0"/>
+          <a:ext cx="0" cy="0"/>
+          <a:chOff x="0" y="0"/>
+          <a:chExt cx="0" cy="0"/>
+        </a:xfrm>
+      </p:grpSpPr>
+      <p:sp>
+        <p:nvSpPr>
+          <p:cNvPr id="2" name="Titre 1">
+            <a:extLst>
+              <a:ext uri="{FF2B5EF4-FFF2-40B4-BE49-F238E27FC236}">
+                <a16:creationId xmlns:a16="http://schemas.microsoft.com/office/drawing/2014/main" id="{279E3435-A935-4487-8F61-B0D9C64CDA2A}"/>
+              </a:ext>
+            </a:extLst>
+          </p:cNvPr>
+          <p:cNvSpPr>
+            <a:spLocks noGrp="1"/>
+          </p:cNvSpPr>
+          <p:nvPr>
+            <p:ph type="ctrTitle"/>
+          </p:nvPr>
+        </p:nvSpPr>
+        <p:spPr>
+          <a:xfrm>
+            <a:off x="0" y="0"/>
+            <a:ext cx="12192000" cy="1031631"/>
+          </a:xfrm>
+          <a:solidFill>
+            <a:srgbClr val="0070C0">
+              <a:alpha val="52000"/>
+            </a:srgbClr>
+          </a:solidFill>
+        </p:spPr>
+        <p:txBody>
+          <a:bodyPr/>
+          <a:lstStyle/>
+          <a:p>
+            <a:r>
+              <a:rPr lang="fr-FR" dirty="0">
+                <a:solidFill>
+                  <a:schemeClr val="bg1"/>
+                </a:solidFill>
+              </a:rPr>
+              <a:t>Mini-projet : Coloration de graphe</a:t>
+            </a:r>
+          </a:p>
+        </p:txBody>
+      </p:sp>
+      <p:sp>
+        <p:nvSpPr>
+          <p:cNvPr id="3" name="Sous-titre 2">
+            <a:extLst>
+              <a:ext uri="{FF2B5EF4-FFF2-40B4-BE49-F238E27FC236}">
+                <a16:creationId xmlns:a16="http://schemas.microsoft.com/office/drawing/2014/main" id="{44D58449-F6D3-4C65-9B14-E28EA1EA3AE3}"/>
+              </a:ext>
+            </a:extLst>
+          </p:cNvPr>
+          <p:cNvSpPr>
+            <a:spLocks noGrp="1"/>
+          </p:cNvSpPr>
+          <p:nvPr>
+            <p:ph type="subTitle" idx="1"/>
+          </p:nvPr>
+        </p:nvSpPr>
+        <p:spPr>
+          <a:xfrm>
+            <a:off x="0" y="1169196"/>
+            <a:ext cx="12192000" cy="640940"/>
+          </a:xfrm>
+        </p:spPr>
+        <p:txBody>
+          <a:bodyPr>
+            <a:normAutofit/>
+          </a:bodyPr>
+          <a:lstStyle/>
+          <a:p>
+            <a:r>
+              <a:rPr lang="fr-FR" sz="3200" dirty="0"/>
+              <a:t>Résultats : 2-Coloration (simple)</a:t>
+            </a:r>
+          </a:p>
+        </p:txBody>
+      </p:sp>
+      <p:pic>
+        <p:nvPicPr>
+          <p:cNvPr id="5" name="Image 4">
+            <a:extLst>
+              <a:ext uri="{FF2B5EF4-FFF2-40B4-BE49-F238E27FC236}">
+                <a16:creationId xmlns:a16="http://schemas.microsoft.com/office/drawing/2014/main" id="{7F868E8F-CB08-485C-A8ED-170EE2A4F0E3}"/>
+              </a:ext>
+            </a:extLst>
+          </p:cNvPr>
+          <p:cNvPicPr>
+            <a:picLocks noChangeAspect="1"/>
+          </p:cNvPicPr>
+          <p:nvPr/>
+        </p:nvPicPr>
+        <p:blipFill>
+          <a:blip r:embed="rId2">
+            <a:extLst>
+              <a:ext uri="{28A0092B-C50C-407E-A947-70E740481C1C}">
+                <a14:useLocalDpi xmlns:a14="http://schemas.microsoft.com/office/drawing/2010/main" val="0"/>
+              </a:ext>
+            </a:extLst>
+          </a:blip>
+          <a:stretch>
+            <a:fillRect/>
+          </a:stretch>
+        </p:blipFill>
+        <p:spPr>
+          <a:xfrm>
+            <a:off x="3352175" y="2323683"/>
+            <a:ext cx="5487650" cy="3658433"/>
+          </a:xfrm>
+          <a:prstGeom prst="rect">
+            <a:avLst/>
+          </a:prstGeom>
+        </p:spPr>
+      </p:pic>
+    </p:spTree>
+    <p:extLst>
+      <p:ext uri="{BB962C8B-B14F-4D97-AF65-F5344CB8AC3E}">
+        <p14:creationId xmlns:p14="http://schemas.microsoft.com/office/powerpoint/2010/main" val="537421402"/>
       </p:ext>
     </p:extLst>
   </p:cSld>
